--- a/Free Vibration test calibration/Vibration test.pptx
+++ b/Free Vibration test calibration/Vibration test.pptx
@@ -6049,8 +6049,8 @@
         </p:nvSpPr>
         <p:spPr>
           <a:xfrm>
-            <a:off x="561852" y="1027722"/>
-            <a:ext cx="4034991" cy="369332"/>
+            <a:off x="248816" y="1027722"/>
+            <a:ext cx="4348027" cy="646331"/>
           </a:xfrm>
           <a:prstGeom prst="rect">
             <a:avLst/>
@@ -6067,6 +6067,17 @@
               <a:rPr lang="en-US" dirty="0"/>
               <a:t>Size in XYZ: 100mm x 100mm x 200mm</a:t>
             </a:r>
+          </a:p>
+          <a:p>
+            <a:r>
+              <a:rPr lang="en-US" dirty="0"/>
+              <a:t>Same mesh as unconfined </a:t>
+            </a:r>
+            <a:r>
+              <a:rPr lang="en-US"/>
+              <a:t>compression test</a:t>
+            </a:r>
+            <a:endParaRPr lang="en-US" dirty="0"/>
           </a:p>
         </p:txBody>
       </p:sp>

--- a/Free Vibration test calibration/Vibration test.pptx
+++ b/Free Vibration test calibration/Vibration test.pptx
@@ -2489,7 +2489,7 @@
           <a:p>
             <a:fld id="{EB033B41-5916-4B0F-ABD7-E44CB5BFDEA7}" type="datetimeFigureOut">
               <a:rPr lang="en-US" smtClean="0"/>
-              <a:t>4/25/2024</a:t>
+              <a:t>5/14/2024</a:t>
             </a:fld>
             <a:endParaRPr lang="en-US"/>
           </a:p>
@@ -2903,7 +2903,7 @@
           <a:p>
             <a:fld id="{4FC11E3B-EF57-4989-9A3F-CE8491983F07}" type="datetimeFigureOut">
               <a:rPr lang="en-US" smtClean="0"/>
-              <a:t>4/25/2024</a:t>
+              <a:t>5/14/2024</a:t>
             </a:fld>
             <a:endParaRPr lang="en-US"/>
           </a:p>
@@ -3101,7 +3101,7 @@
           <a:p>
             <a:fld id="{4FC11E3B-EF57-4989-9A3F-CE8491983F07}" type="datetimeFigureOut">
               <a:rPr lang="en-US" smtClean="0"/>
-              <a:t>4/25/2024</a:t>
+              <a:t>5/14/2024</a:t>
             </a:fld>
             <a:endParaRPr lang="en-US"/>
           </a:p>
@@ -3309,7 +3309,7 @@
           <a:p>
             <a:fld id="{4FC11E3B-EF57-4989-9A3F-CE8491983F07}" type="datetimeFigureOut">
               <a:rPr lang="en-US" smtClean="0"/>
-              <a:t>4/25/2024</a:t>
+              <a:t>5/14/2024</a:t>
             </a:fld>
             <a:endParaRPr lang="en-US"/>
           </a:p>
@@ -3507,7 +3507,7 @@
           <a:p>
             <a:fld id="{4FC11E3B-EF57-4989-9A3F-CE8491983F07}" type="datetimeFigureOut">
               <a:rPr lang="en-US" smtClean="0"/>
-              <a:t>4/25/2024</a:t>
+              <a:t>5/14/2024</a:t>
             </a:fld>
             <a:endParaRPr lang="en-US"/>
           </a:p>
@@ -3782,7 +3782,7 @@
           <a:p>
             <a:fld id="{4FC11E3B-EF57-4989-9A3F-CE8491983F07}" type="datetimeFigureOut">
               <a:rPr lang="en-US" smtClean="0"/>
-              <a:t>4/25/2024</a:t>
+              <a:t>5/14/2024</a:t>
             </a:fld>
             <a:endParaRPr lang="en-US"/>
           </a:p>
@@ -4047,7 +4047,7 @@
           <a:p>
             <a:fld id="{4FC11E3B-EF57-4989-9A3F-CE8491983F07}" type="datetimeFigureOut">
               <a:rPr lang="en-US" smtClean="0"/>
-              <a:t>4/25/2024</a:t>
+              <a:t>5/14/2024</a:t>
             </a:fld>
             <a:endParaRPr lang="en-US"/>
           </a:p>
@@ -4459,7 +4459,7 @@
           <a:p>
             <a:fld id="{4FC11E3B-EF57-4989-9A3F-CE8491983F07}" type="datetimeFigureOut">
               <a:rPr lang="en-US" smtClean="0"/>
-              <a:t>4/25/2024</a:t>
+              <a:t>5/14/2024</a:t>
             </a:fld>
             <a:endParaRPr lang="en-US"/>
           </a:p>
@@ -4600,7 +4600,7 @@
           <a:p>
             <a:fld id="{4FC11E3B-EF57-4989-9A3F-CE8491983F07}" type="datetimeFigureOut">
               <a:rPr lang="en-US" smtClean="0"/>
-              <a:t>4/25/2024</a:t>
+              <a:t>5/14/2024</a:t>
             </a:fld>
             <a:endParaRPr lang="en-US"/>
           </a:p>
@@ -4713,7 +4713,7 @@
           <a:p>
             <a:fld id="{4FC11E3B-EF57-4989-9A3F-CE8491983F07}" type="datetimeFigureOut">
               <a:rPr lang="en-US" smtClean="0"/>
-              <a:t>4/25/2024</a:t>
+              <a:t>5/14/2024</a:t>
             </a:fld>
             <a:endParaRPr lang="en-US"/>
           </a:p>
@@ -5024,7 +5024,7 @@
           <a:p>
             <a:fld id="{4FC11E3B-EF57-4989-9A3F-CE8491983F07}" type="datetimeFigureOut">
               <a:rPr lang="en-US" smtClean="0"/>
-              <a:t>4/25/2024</a:t>
+              <a:t>5/14/2024</a:t>
             </a:fld>
             <a:endParaRPr lang="en-US"/>
           </a:p>
@@ -5312,7 +5312,7 @@
           <a:p>
             <a:fld id="{4FC11E3B-EF57-4989-9A3F-CE8491983F07}" type="datetimeFigureOut">
               <a:rPr lang="en-US" smtClean="0"/>
-              <a:t>4/25/2024</a:t>
+              <a:t>5/14/2024</a:t>
             </a:fld>
             <a:endParaRPr lang="en-US"/>
           </a:p>
@@ -5553,7 +5553,7 @@
           <a:p>
             <a:fld id="{4FC11E3B-EF57-4989-9A3F-CE8491983F07}" type="datetimeFigureOut">
               <a:rPr lang="en-US" smtClean="0"/>
-              <a:t>4/25/2024</a:t>
+              <a:t>5/14/2024</a:t>
             </a:fld>
             <a:endParaRPr lang="en-US"/>
           </a:p>
@@ -5992,7 +5992,7 @@
         </p:blipFill>
         <p:spPr>
           <a:xfrm>
-            <a:off x="7528520" y="1116328"/>
+            <a:off x="7831473" y="1911249"/>
             <a:ext cx="4072481" cy="2853175"/>
           </a:xfrm>
           <a:prstGeom prst="rect">
@@ -6209,7 +6209,7 @@
         </p:nvSpPr>
         <p:spPr>
           <a:xfrm>
-            <a:off x="4663481" y="1313432"/>
+            <a:off x="4391402" y="1500242"/>
             <a:ext cx="3909856" cy="4247317"/>
           </a:xfrm>
           <a:prstGeom prst="rect">
@@ -6237,7 +6237,7 @@
           <a:p>
             <a:r>
               <a:rPr lang="en-US" dirty="0"/>
-              <a:t>dx = 0; </a:t>
+              <a:t>dx = u (Applied Force); </a:t>
             </a:r>
             <a:r>
               <a:rPr lang="en-US" dirty="0" err="1"/>
@@ -6253,7 +6253,7 @@
             </a:r>
             <a:r>
               <a:rPr lang="en-US" dirty="0"/>
-              <a:t> = u;</a:t>
+              <a:t> = 0;</a:t>
             </a:r>
           </a:p>
           <a:p>
@@ -6900,7 +6900,7 @@
         </p:nvCxnSpPr>
         <p:spPr>
           <a:xfrm>
-            <a:off x="8573337" y="1933491"/>
+            <a:off x="8876290" y="2728412"/>
             <a:ext cx="0" cy="1364704"/>
           </a:xfrm>
           <a:prstGeom prst="line">
@@ -6939,7 +6939,7 @@
         </p:nvSpPr>
         <p:spPr>
           <a:xfrm>
-            <a:off x="8408298" y="3298195"/>
+            <a:off x="8711251" y="4093116"/>
             <a:ext cx="437119" cy="261610"/>
           </a:xfrm>
           <a:prstGeom prst="rect">
@@ -6959,6 +6959,44 @@
                 <a:cs typeface="Times New Roman" panose="02020603050405020304" pitchFamily="18" charset="0"/>
               </a:rPr>
               <a:t>0.01</a:t>
+            </a:r>
+          </a:p>
+        </p:txBody>
+      </p:sp>
+      <p:sp>
+        <p:nvSpPr>
+          <p:cNvPr id="2" name="TextBox 1">
+            <a:extLst>
+              <a:ext uri="{FF2B5EF4-FFF2-40B4-BE49-F238E27FC236}">
+                <a16:creationId xmlns:a16="http://schemas.microsoft.com/office/drawing/2014/main" id="{1ABB2F9C-8DAA-81F9-1E7B-56A3370FE96F}"/>
+              </a:ext>
+            </a:extLst>
+          </p:cNvPr>
+          <p:cNvSpPr txBox="1"/>
+          <p:nvPr/>
+        </p:nvSpPr>
+        <p:spPr>
+          <a:xfrm>
+            <a:off x="8876290" y="3905550"/>
+            <a:ext cx="564442" cy="261610"/>
+          </a:xfrm>
+          <a:prstGeom prst="rect">
+            <a:avLst/>
+          </a:prstGeom>
+          <a:noFill/>
+        </p:spPr>
+        <p:txBody>
+          <a:bodyPr wrap="square">
+            <a:spAutoFit/>
+          </a:bodyPr>
+          <a:lstStyle/>
+          <a:p>
+            <a:r>
+              <a:rPr lang="en-US" sz="1100" dirty="0">
+                <a:latin typeface="Times New Roman" panose="02020603050405020304" pitchFamily="18" charset="0"/>
+                <a:cs typeface="Times New Roman" panose="02020603050405020304" pitchFamily="18" charset="0"/>
+              </a:rPr>
+              <a:t>0.011</a:t>
             </a:r>
           </a:p>
         </p:txBody>

--- a/Free Vibration test calibration/Vibration test.pptx
+++ b/Free Vibration test calibration/Vibration test.pptx
@@ -2489,7 +2489,7 @@
           <a:p>
             <a:fld id="{EB033B41-5916-4B0F-ABD7-E44CB5BFDEA7}" type="datetimeFigureOut">
               <a:rPr lang="en-US" smtClean="0"/>
-              <a:t>5/14/2024</a:t>
+              <a:t>5/15/2024</a:t>
             </a:fld>
             <a:endParaRPr lang="en-US"/>
           </a:p>
@@ -2903,7 +2903,7 @@
           <a:p>
             <a:fld id="{4FC11E3B-EF57-4989-9A3F-CE8491983F07}" type="datetimeFigureOut">
               <a:rPr lang="en-US" smtClean="0"/>
-              <a:t>5/14/2024</a:t>
+              <a:t>5/15/2024</a:t>
             </a:fld>
             <a:endParaRPr lang="en-US"/>
           </a:p>
@@ -3101,7 +3101,7 @@
           <a:p>
             <a:fld id="{4FC11E3B-EF57-4989-9A3F-CE8491983F07}" type="datetimeFigureOut">
               <a:rPr lang="en-US" smtClean="0"/>
-              <a:t>5/14/2024</a:t>
+              <a:t>5/15/2024</a:t>
             </a:fld>
             <a:endParaRPr lang="en-US"/>
           </a:p>
@@ -3309,7 +3309,7 @@
           <a:p>
             <a:fld id="{4FC11E3B-EF57-4989-9A3F-CE8491983F07}" type="datetimeFigureOut">
               <a:rPr lang="en-US" smtClean="0"/>
-              <a:t>5/14/2024</a:t>
+              <a:t>5/15/2024</a:t>
             </a:fld>
             <a:endParaRPr lang="en-US"/>
           </a:p>
@@ -3507,7 +3507,7 @@
           <a:p>
             <a:fld id="{4FC11E3B-EF57-4989-9A3F-CE8491983F07}" type="datetimeFigureOut">
               <a:rPr lang="en-US" smtClean="0"/>
-              <a:t>5/14/2024</a:t>
+              <a:t>5/15/2024</a:t>
             </a:fld>
             <a:endParaRPr lang="en-US"/>
           </a:p>
@@ -3782,7 +3782,7 @@
           <a:p>
             <a:fld id="{4FC11E3B-EF57-4989-9A3F-CE8491983F07}" type="datetimeFigureOut">
               <a:rPr lang="en-US" smtClean="0"/>
-              <a:t>5/14/2024</a:t>
+              <a:t>5/15/2024</a:t>
             </a:fld>
             <a:endParaRPr lang="en-US"/>
           </a:p>
@@ -4047,7 +4047,7 @@
           <a:p>
             <a:fld id="{4FC11E3B-EF57-4989-9A3F-CE8491983F07}" type="datetimeFigureOut">
               <a:rPr lang="en-US" smtClean="0"/>
-              <a:t>5/14/2024</a:t>
+              <a:t>5/15/2024</a:t>
             </a:fld>
             <a:endParaRPr lang="en-US"/>
           </a:p>
@@ -4459,7 +4459,7 @@
           <a:p>
             <a:fld id="{4FC11E3B-EF57-4989-9A3F-CE8491983F07}" type="datetimeFigureOut">
               <a:rPr lang="en-US" smtClean="0"/>
-              <a:t>5/14/2024</a:t>
+              <a:t>5/15/2024</a:t>
             </a:fld>
             <a:endParaRPr lang="en-US"/>
           </a:p>
@@ -4600,7 +4600,7 @@
           <a:p>
             <a:fld id="{4FC11E3B-EF57-4989-9A3F-CE8491983F07}" type="datetimeFigureOut">
               <a:rPr lang="en-US" smtClean="0"/>
-              <a:t>5/14/2024</a:t>
+              <a:t>5/15/2024</a:t>
             </a:fld>
             <a:endParaRPr lang="en-US"/>
           </a:p>
@@ -4713,7 +4713,7 @@
           <a:p>
             <a:fld id="{4FC11E3B-EF57-4989-9A3F-CE8491983F07}" type="datetimeFigureOut">
               <a:rPr lang="en-US" smtClean="0"/>
-              <a:t>5/14/2024</a:t>
+              <a:t>5/15/2024</a:t>
             </a:fld>
             <a:endParaRPr lang="en-US"/>
           </a:p>
@@ -5024,7 +5024,7 @@
           <a:p>
             <a:fld id="{4FC11E3B-EF57-4989-9A3F-CE8491983F07}" type="datetimeFigureOut">
               <a:rPr lang="en-US" smtClean="0"/>
-              <a:t>5/14/2024</a:t>
+              <a:t>5/15/2024</a:t>
             </a:fld>
             <a:endParaRPr lang="en-US"/>
           </a:p>
@@ -5312,7 +5312,7 @@
           <a:p>
             <a:fld id="{4FC11E3B-EF57-4989-9A3F-CE8491983F07}" type="datetimeFigureOut">
               <a:rPr lang="en-US" smtClean="0"/>
-              <a:t>5/14/2024</a:t>
+              <a:t>5/15/2024</a:t>
             </a:fld>
             <a:endParaRPr lang="en-US"/>
           </a:p>
@@ -5553,7 +5553,7 @@
           <a:p>
             <a:fld id="{4FC11E3B-EF57-4989-9A3F-CE8491983F07}" type="datetimeFigureOut">
               <a:rPr lang="en-US" smtClean="0"/>
-              <a:t>5/14/2024</a:t>
+              <a:t>5/15/2024</a:t>
             </a:fld>
             <a:endParaRPr lang="en-US"/>
           </a:p>
@@ -6210,7 +6210,7 @@
         <p:spPr>
           <a:xfrm>
             <a:off x="4391402" y="1500242"/>
-            <a:ext cx="3909856" cy="4247317"/>
+            <a:ext cx="3909856" cy="3970318"/>
           </a:xfrm>
           <a:prstGeom prst="rect">
             <a:avLst/>
@@ -6236,8 +6236,33 @@
           </a:p>
           <a:p>
             <a:r>
+              <a:rPr lang="en-US" dirty="0" err="1"/>
+              <a:t>Fx</a:t>
+            </a:r>
+            <a:r>
               <a:rPr lang="en-US" dirty="0"/>
-              <a:t>dx = u (Applied Force); </a:t>
+              <a:t> = P (Applied Force)</a:t>
+            </a:r>
+          </a:p>
+          <a:p>
+            <a:endParaRPr lang="en-US" dirty="0"/>
+          </a:p>
+          <a:p>
+            <a:r>
+              <a:rPr lang="en-US" dirty="0"/>
+              <a:t>RP2 (50, 50, 0):</a:t>
+            </a:r>
+          </a:p>
+          <a:p>
+            <a:r>
+              <a:rPr lang="en-US" dirty="0"/>
+              <a:t>(Central nodes at bottom)</a:t>
+            </a:r>
+          </a:p>
+          <a:p>
+            <a:r>
+              <a:rPr lang="en-US" dirty="0"/>
+              <a:t>dx = 0; </a:t>
             </a:r>
             <a:r>
               <a:rPr lang="en-US" dirty="0" err="1"/>
@@ -6287,69 +6312,6 @@
           </a:p>
           <a:p>
             <a:r>
-              <a:rPr lang="en-US" dirty="0"/>
-              <a:t>RP2 (50, 50, 0):</a:t>
-            </a:r>
-          </a:p>
-          <a:p>
-            <a:r>
-              <a:rPr lang="en-US" dirty="0"/>
-              <a:t>(Central nodes at bottom)</a:t>
-            </a:r>
-          </a:p>
-          <a:p>
-            <a:r>
-              <a:rPr lang="en-US" dirty="0"/>
-              <a:t>dx = 0; </a:t>
-            </a:r>
-            <a:r>
-              <a:rPr lang="en-US" dirty="0" err="1"/>
-              <a:t>dy</a:t>
-            </a:r>
-            <a:r>
-              <a:rPr lang="en-US" dirty="0"/>
-              <a:t> = 0; </a:t>
-            </a:r>
-            <a:r>
-              <a:rPr lang="en-US" dirty="0" err="1"/>
-              <a:t>dz</a:t>
-            </a:r>
-            <a:r>
-              <a:rPr lang="en-US" dirty="0"/>
-              <a:t> = 0;</a:t>
-            </a:r>
-          </a:p>
-          <a:p>
-            <a:r>
-              <a:rPr lang="en-US" dirty="0" err="1"/>
-              <a:t>rx</a:t>
-            </a:r>
-            <a:r>
-              <a:rPr lang="en-US" dirty="0"/>
-              <a:t> = 0; </a:t>
-            </a:r>
-            <a:r>
-              <a:rPr lang="en-US" dirty="0" err="1"/>
-              <a:t>ry</a:t>
-            </a:r>
-            <a:r>
-              <a:rPr lang="en-US" dirty="0"/>
-              <a:t> = 0; </a:t>
-            </a:r>
-            <a:r>
-              <a:rPr lang="en-US" dirty="0" err="1"/>
-              <a:t>rz</a:t>
-            </a:r>
-            <a:r>
-              <a:rPr lang="en-US" dirty="0"/>
-              <a:t> = 0</a:t>
-            </a:r>
-          </a:p>
-          <a:p>
-            <a:endParaRPr lang="en-US" dirty="0"/>
-          </a:p>
-          <a:p>
-            <a:r>
               <a:rPr lang="en-US" sz="1800" b="1" dirty="0"/>
               <a:t>Boundary Condition:</a:t>
             </a:r>
@@ -6357,7 +6319,7 @@
           <a:p>
             <a:r>
               <a:rPr lang="en-US" dirty="0"/>
-              <a:t>Nodes on the top are free (z=200)</a:t>
+              <a:t>Nodes on the top (z=200) are free</a:t>
             </a:r>
           </a:p>
           <a:p>
@@ -7031,12 +6993,50 @@
           <a:chExt cx="0" cy="0"/>
         </a:xfrm>
       </p:grpSpPr>
+      <p:sp>
+        <p:nvSpPr>
+          <p:cNvPr id="5" name="TextBox 4">
+            <a:extLst>
+              <a:ext uri="{FF2B5EF4-FFF2-40B4-BE49-F238E27FC236}">
+                <a16:creationId xmlns:a16="http://schemas.microsoft.com/office/drawing/2014/main" id="{6DA679CF-0520-ABC1-47C4-D13C35836300}"/>
+              </a:ext>
+            </a:extLst>
+          </p:cNvPr>
+          <p:cNvSpPr txBox="1"/>
+          <p:nvPr/>
+        </p:nvSpPr>
+        <p:spPr>
+          <a:xfrm>
+            <a:off x="545941" y="450980"/>
+            <a:ext cx="6096000" cy="646331"/>
+          </a:xfrm>
+          <a:prstGeom prst="rect">
+            <a:avLst/>
+          </a:prstGeom>
+          <a:noFill/>
+        </p:spPr>
+        <p:txBody>
+          <a:bodyPr wrap="square">
+            <a:spAutoFit/>
+          </a:bodyPr>
+          <a:lstStyle/>
+          <a:p>
+            <a:r>
+              <a:rPr lang="en-US" dirty="0"/>
+              <a:t>Elastic Material Property</a:t>
+            </a:r>
+          </a:p>
+          <a:p>
+            <a:endParaRPr lang="en-US" dirty="0"/>
+          </a:p>
+        </p:txBody>
+      </p:sp>
       <p:pic>
         <p:nvPicPr>
-          <p:cNvPr id="2" name="Picture 1">
-            <a:extLst>
-              <a:ext uri="{FF2B5EF4-FFF2-40B4-BE49-F238E27FC236}">
-                <a16:creationId xmlns:a16="http://schemas.microsoft.com/office/drawing/2014/main" id="{6F67C396-9B3C-461E-38E7-18651EED56FE}"/>
+          <p:cNvPr id="6" name="Picture 5">
+            <a:extLst>
+              <a:ext uri="{FF2B5EF4-FFF2-40B4-BE49-F238E27FC236}">
+                <a16:creationId xmlns:a16="http://schemas.microsoft.com/office/drawing/2014/main" id="{411ACAE5-F503-1407-AAFA-976670727CC2}"/>
               </a:ext>
             </a:extLst>
           </p:cNvPr>
@@ -7053,58 +7053,14 @@
         </p:blipFill>
         <p:spPr>
           <a:xfrm>
-            <a:off x="3593941" y="415109"/>
-            <a:ext cx="7493644" cy="5991911"/>
+            <a:off x="3593941" y="345471"/>
+            <a:ext cx="7492633" cy="5992887"/>
           </a:xfrm>
           <a:prstGeom prst="rect">
             <a:avLst/>
           </a:prstGeom>
         </p:spPr>
       </p:pic>
-      <p:sp>
-        <p:nvSpPr>
-          <p:cNvPr id="5" name="TextBox 4">
-            <a:extLst>
-              <a:ext uri="{FF2B5EF4-FFF2-40B4-BE49-F238E27FC236}">
-                <a16:creationId xmlns:a16="http://schemas.microsoft.com/office/drawing/2014/main" id="{6DA679CF-0520-ABC1-47C4-D13C35836300}"/>
-              </a:ext>
-            </a:extLst>
-          </p:cNvPr>
-          <p:cNvSpPr txBox="1"/>
-          <p:nvPr/>
-        </p:nvSpPr>
-        <p:spPr>
-          <a:xfrm>
-            <a:off x="545941" y="450980"/>
-            <a:ext cx="6096000" cy="923330"/>
-          </a:xfrm>
-          <a:prstGeom prst="rect">
-            <a:avLst/>
-          </a:prstGeom>
-          <a:noFill/>
-        </p:spPr>
-        <p:txBody>
-          <a:bodyPr wrap="square">
-            <a:spAutoFit/>
-          </a:bodyPr>
-          <a:lstStyle/>
-          <a:p>
-            <a:r>
-              <a:rPr lang="en-US" dirty="0"/>
-              <a:t>Material Property</a:t>
-            </a:r>
-          </a:p>
-          <a:p>
-            <a:endParaRPr lang="en-US" dirty="0"/>
-          </a:p>
-          <a:p>
-            <a:r>
-              <a:rPr lang="en-US" dirty="0"/>
-              <a:t>Same as TPB test</a:t>
-            </a:r>
-          </a:p>
-        </p:txBody>
-      </p:sp>
     </p:spTree>
     <p:extLst>
       <p:ext uri="{BB962C8B-B14F-4D97-AF65-F5344CB8AC3E}">

--- a/Free Vibration test calibration/Vibration test.pptx
+++ b/Free Vibration test calibration/Vibration test.pptx
@@ -5,16 +5,14 @@
     <p:sldMasterId id="2147483648" r:id="rId1"/>
   </p:sldMasterIdLst>
   <p:notesMasterIdLst>
-    <p:notesMasterId r:id="rId9"/>
+    <p:notesMasterId r:id="rId7"/>
   </p:notesMasterIdLst>
   <p:sldIdLst>
-    <p:sldId id="259" r:id="rId2"/>
+    <p:sldId id="269" r:id="rId2"/>
     <p:sldId id="257" r:id="rId3"/>
     <p:sldId id="265" r:id="rId4"/>
     <p:sldId id="266" r:id="rId5"/>
     <p:sldId id="267" r:id="rId6"/>
-    <p:sldId id="268" r:id="rId7"/>
-    <p:sldId id="264" r:id="rId8"/>
   </p:sldIdLst>
   <p:sldSz cx="12192000" cy="6858000"/>
   <p:notesSz cx="6858000" cy="9144000"/>
@@ -121,2292 +119,6 @@
 </p:presentation>
 </file>
 
-<file path=ppt/changesInfos/changesInfo1.xml><?xml version="1.0" encoding="utf-8"?>
-<pc:chgInfo xmlns:a="http://schemas.openxmlformats.org/drawingml/2006/main" xmlns:r="http://schemas.openxmlformats.org/officeDocument/2006/relationships" xmlns:ac="http://schemas.microsoft.com/office/drawing/2013/main/command" xmlns:pc="http://schemas.microsoft.com/office/powerpoint/2013/main/command">
-  <pc:docChgLst>
-    <pc:chgData name="Ke Yu" userId="a844e5b4-5ccb-4234-998f-a7928449601c" providerId="ADAL" clId="{E9DF7E1D-3C0E-48DC-B387-5B60D7C05EDA}"/>
-    <pc:docChg chg="undo custSel addSld delSld modSld">
-      <pc:chgData name="Ke Yu" userId="a844e5b4-5ccb-4234-998f-a7928449601c" providerId="ADAL" clId="{E9DF7E1D-3C0E-48DC-B387-5B60D7C05EDA}" dt="2024-04-16T18:05:27.459" v="577" actId="14100"/>
-      <pc:docMkLst>
-        <pc:docMk/>
-      </pc:docMkLst>
-      <pc:sldChg chg="addSp delSp modSp mod">
-        <pc:chgData name="Ke Yu" userId="a844e5b4-5ccb-4234-998f-a7928449601c" providerId="ADAL" clId="{E9DF7E1D-3C0E-48DC-B387-5B60D7C05EDA}" dt="2024-03-22T21:17:46.460" v="295" actId="20577"/>
-        <pc:sldMkLst>
-          <pc:docMk/>
-          <pc:sldMk cId="216665640" sldId="257"/>
-        </pc:sldMkLst>
-        <pc:spChg chg="add mod">
-          <ac:chgData name="Ke Yu" userId="a844e5b4-5ccb-4234-998f-a7928449601c" providerId="ADAL" clId="{E9DF7E1D-3C0E-48DC-B387-5B60D7C05EDA}" dt="2024-03-22T21:17:46.460" v="295" actId="20577"/>
-          <ac:spMkLst>
-            <pc:docMk/>
-            <pc:sldMk cId="216665640" sldId="257"/>
-            <ac:spMk id="5" creationId="{6DA679CF-0520-ABC1-47C4-D13C35836300}"/>
-          </ac:spMkLst>
-        </pc:spChg>
-        <pc:picChg chg="add mod">
-          <ac:chgData name="Ke Yu" userId="a844e5b4-5ccb-4234-998f-a7928449601c" providerId="ADAL" clId="{E9DF7E1D-3C0E-48DC-B387-5B60D7C05EDA}" dt="2024-03-22T21:17:24.297" v="268" actId="14100"/>
-          <ac:picMkLst>
-            <pc:docMk/>
-            <pc:sldMk cId="216665640" sldId="257"/>
-            <ac:picMk id="2" creationId="{6F67C396-9B3C-461E-38E7-18651EED56FE}"/>
-          </ac:picMkLst>
-        </pc:picChg>
-        <pc:picChg chg="add del mod">
-          <ac:chgData name="Ke Yu" userId="a844e5b4-5ccb-4234-998f-a7928449601c" providerId="ADAL" clId="{E9DF7E1D-3C0E-48DC-B387-5B60D7C05EDA}" dt="2024-03-22T21:17:20.150" v="265" actId="478"/>
-          <ac:picMkLst>
-            <pc:docMk/>
-            <pc:sldMk cId="216665640" sldId="257"/>
-            <ac:picMk id="3" creationId="{FB9399FD-B787-9B1D-0D6F-1E59D506BAC6}"/>
-          </ac:picMkLst>
-        </pc:picChg>
-      </pc:sldChg>
-      <pc:sldChg chg="delSp del mod">
-        <pc:chgData name="Ke Yu" userId="a844e5b4-5ccb-4234-998f-a7928449601c" providerId="ADAL" clId="{E9DF7E1D-3C0E-48DC-B387-5B60D7C05EDA}" dt="2024-03-08T02:32:19.617" v="219" actId="47"/>
-        <pc:sldMkLst>
-          <pc:docMk/>
-          <pc:sldMk cId="197220117" sldId="258"/>
-        </pc:sldMkLst>
-        <pc:picChg chg="del">
-          <ac:chgData name="Ke Yu" userId="a844e5b4-5ccb-4234-998f-a7928449601c" providerId="ADAL" clId="{E9DF7E1D-3C0E-48DC-B387-5B60D7C05EDA}" dt="2024-03-08T02:20:34.796" v="0" actId="478"/>
-          <ac:picMkLst>
-            <pc:docMk/>
-            <pc:sldMk cId="197220117" sldId="258"/>
-            <ac:picMk id="4" creationId="{149763A8-5647-FCE9-F876-81D4049701ED}"/>
-          </ac:picMkLst>
-        </pc:picChg>
-      </pc:sldChg>
-      <pc:sldChg chg="addSp delSp modSp mod">
-        <pc:chgData name="Ke Yu" userId="a844e5b4-5ccb-4234-998f-a7928449601c" providerId="ADAL" clId="{E9DF7E1D-3C0E-48DC-B387-5B60D7C05EDA}" dt="2024-03-29T18:53:33.936" v="431" actId="1076"/>
-        <pc:sldMkLst>
-          <pc:docMk/>
-          <pc:sldMk cId="417035385" sldId="259"/>
-        </pc:sldMkLst>
-        <pc:spChg chg="mod">
-          <ac:chgData name="Ke Yu" userId="a844e5b4-5ccb-4234-998f-a7928449601c" providerId="ADAL" clId="{E9DF7E1D-3C0E-48DC-B387-5B60D7C05EDA}" dt="2024-03-22T21:21:35.721" v="384" actId="1076"/>
-          <ac:spMkLst>
-            <pc:docMk/>
-            <pc:sldMk cId="417035385" sldId="259"/>
-            <ac:spMk id="5" creationId="{21C4A721-3DAD-6E9D-568B-15082F055CD3}"/>
-          </ac:spMkLst>
-        </pc:spChg>
-        <pc:spChg chg="add mod">
-          <ac:chgData name="Ke Yu" userId="a844e5b4-5ccb-4234-998f-a7928449601c" providerId="ADAL" clId="{E9DF7E1D-3C0E-48DC-B387-5B60D7C05EDA}" dt="2024-03-08T02:22:14.068" v="17" actId="1076"/>
-          <ac:spMkLst>
-            <pc:docMk/>
-            <pc:sldMk cId="417035385" sldId="259"/>
-            <ac:spMk id="7" creationId="{AEDF9CCA-7EF7-332B-D578-A7B5DAFD44B9}"/>
-          </ac:spMkLst>
-        </pc:spChg>
-        <pc:spChg chg="add mod">
-          <ac:chgData name="Ke Yu" userId="a844e5b4-5ccb-4234-998f-a7928449601c" providerId="ADAL" clId="{E9DF7E1D-3C0E-48DC-B387-5B60D7C05EDA}" dt="2024-03-29T11:59:59.970" v="405" actId="1076"/>
-          <ac:spMkLst>
-            <pc:docMk/>
-            <pc:sldMk cId="417035385" sldId="259"/>
-            <ac:spMk id="8" creationId="{2A096D52-15D5-F97C-259F-3407C096B589}"/>
-          </ac:spMkLst>
-        </pc:spChg>
-        <pc:spChg chg="add mod">
-          <ac:chgData name="Ke Yu" userId="a844e5b4-5ccb-4234-998f-a7928449601c" providerId="ADAL" clId="{E9DF7E1D-3C0E-48DC-B387-5B60D7C05EDA}" dt="2024-03-29T12:00:24.822" v="407" actId="1076"/>
-          <ac:spMkLst>
-            <pc:docMk/>
-            <pc:sldMk cId="417035385" sldId="259"/>
-            <ac:spMk id="9" creationId="{6D69ECCC-FA4C-BB40-C263-DF98F362EB7F}"/>
-          </ac:spMkLst>
-        </pc:spChg>
-        <pc:spChg chg="add mod">
-          <ac:chgData name="Ke Yu" userId="a844e5b4-5ccb-4234-998f-a7928449601c" providerId="ADAL" clId="{E9DF7E1D-3C0E-48DC-B387-5B60D7C05EDA}" dt="2024-03-08T02:22:58.438" v="32" actId="1076"/>
-          <ac:spMkLst>
-            <pc:docMk/>
-            <pc:sldMk cId="417035385" sldId="259"/>
-            <ac:spMk id="10" creationId="{EA3A2357-300A-C50B-6A42-31BA8F073E82}"/>
-          </ac:spMkLst>
-        </pc:spChg>
-        <pc:spChg chg="add mod">
-          <ac:chgData name="Ke Yu" userId="a844e5b4-5ccb-4234-998f-a7928449601c" providerId="ADAL" clId="{E9DF7E1D-3C0E-48DC-B387-5B60D7C05EDA}" dt="2024-03-22T21:22:00.292" v="387" actId="1076"/>
-          <ac:spMkLst>
-            <pc:docMk/>
-            <pc:sldMk cId="417035385" sldId="259"/>
-            <ac:spMk id="11" creationId="{4466A95B-C010-2734-D4C9-E4640046D95C}"/>
-          </ac:spMkLst>
-        </pc:spChg>
-        <pc:spChg chg="add del mod">
-          <ac:chgData name="Ke Yu" userId="a844e5b4-5ccb-4234-998f-a7928449601c" providerId="ADAL" clId="{E9DF7E1D-3C0E-48DC-B387-5B60D7C05EDA}" dt="2024-03-29T12:01:04.717" v="411" actId="478"/>
-          <ac:spMkLst>
-            <pc:docMk/>
-            <pc:sldMk cId="417035385" sldId="259"/>
-            <ac:spMk id="14" creationId="{C01304B9-5100-D692-06DE-10FE40CAF6F5}"/>
-          </ac:spMkLst>
-        </pc:spChg>
-        <pc:spChg chg="add del mod">
-          <ac:chgData name="Ke Yu" userId="a844e5b4-5ccb-4234-998f-a7928449601c" providerId="ADAL" clId="{E9DF7E1D-3C0E-48DC-B387-5B60D7C05EDA}" dt="2024-03-29T12:01:31.289" v="417" actId="478"/>
-          <ac:spMkLst>
-            <pc:docMk/>
-            <pc:sldMk cId="417035385" sldId="259"/>
-            <ac:spMk id="15" creationId="{8ED61465-45B3-AAEC-8CAC-89AC12ABC452}"/>
-          </ac:spMkLst>
-        </pc:spChg>
-        <pc:spChg chg="add mod">
-          <ac:chgData name="Ke Yu" userId="a844e5b4-5ccb-4234-998f-a7928449601c" providerId="ADAL" clId="{E9DF7E1D-3C0E-48DC-B387-5B60D7C05EDA}" dt="2024-03-29T12:01:32.449" v="418"/>
-          <ac:spMkLst>
-            <pc:docMk/>
-            <pc:sldMk cId="417035385" sldId="259"/>
-            <ac:spMk id="19" creationId="{06BBA4ED-BEB5-9C10-59C9-15E0AC61164D}"/>
-          </ac:spMkLst>
-        </pc:spChg>
-        <pc:spChg chg="mod">
-          <ac:chgData name="Ke Yu" userId="a844e5b4-5ccb-4234-998f-a7928449601c" providerId="ADAL" clId="{E9DF7E1D-3C0E-48DC-B387-5B60D7C05EDA}" dt="2024-03-29T12:03:36.340" v="422"/>
-          <ac:spMkLst>
-            <pc:docMk/>
-            <pc:sldMk cId="417035385" sldId="259"/>
-            <ac:spMk id="23" creationId="{7597A0CB-2854-DB44-4E2A-5963E44B4A7D}"/>
-          </ac:spMkLst>
-        </pc:spChg>
-        <pc:spChg chg="mod">
-          <ac:chgData name="Ke Yu" userId="a844e5b4-5ccb-4234-998f-a7928449601c" providerId="ADAL" clId="{E9DF7E1D-3C0E-48DC-B387-5B60D7C05EDA}" dt="2024-03-29T12:03:36.340" v="422"/>
-          <ac:spMkLst>
-            <pc:docMk/>
-            <pc:sldMk cId="417035385" sldId="259"/>
-            <ac:spMk id="24" creationId="{DB33E7E5-248D-AA21-86D5-AF4F7E37ADCB}"/>
-          </ac:spMkLst>
-        </pc:spChg>
-        <pc:spChg chg="mod">
-          <ac:chgData name="Ke Yu" userId="a844e5b4-5ccb-4234-998f-a7928449601c" providerId="ADAL" clId="{E9DF7E1D-3C0E-48DC-B387-5B60D7C05EDA}" dt="2024-03-29T12:03:36.340" v="422"/>
-          <ac:spMkLst>
-            <pc:docMk/>
-            <pc:sldMk cId="417035385" sldId="259"/>
-            <ac:spMk id="25" creationId="{A4B01246-0AF4-86D5-183A-5811990C8D75}"/>
-          </ac:spMkLst>
-        </pc:spChg>
-        <pc:grpChg chg="add mod">
-          <ac:chgData name="Ke Yu" userId="a844e5b4-5ccb-4234-998f-a7928449601c" providerId="ADAL" clId="{E9DF7E1D-3C0E-48DC-B387-5B60D7C05EDA}" dt="2024-03-29T12:03:49.384" v="427" actId="1076"/>
-          <ac:grpSpMkLst>
-            <pc:docMk/>
-            <pc:sldMk cId="417035385" sldId="259"/>
-            <ac:grpSpMk id="21" creationId="{0D916AA9-1B66-082F-7A6E-D9C8D7EABF3B}"/>
-          </ac:grpSpMkLst>
-        </pc:grpChg>
-        <pc:grpChg chg="mod">
-          <ac:chgData name="Ke Yu" userId="a844e5b4-5ccb-4234-998f-a7928449601c" providerId="ADAL" clId="{E9DF7E1D-3C0E-48DC-B387-5B60D7C05EDA}" dt="2024-03-29T12:03:36.340" v="422"/>
-          <ac:grpSpMkLst>
-            <pc:docMk/>
-            <pc:sldMk cId="417035385" sldId="259"/>
-            <ac:grpSpMk id="22" creationId="{86B16128-55F9-3881-D1CA-C4363D6D0D00}"/>
-          </ac:grpSpMkLst>
-        </pc:grpChg>
-        <pc:picChg chg="add del mod ord">
-          <ac:chgData name="Ke Yu" userId="a844e5b4-5ccb-4234-998f-a7928449601c" providerId="ADAL" clId="{E9DF7E1D-3C0E-48DC-B387-5B60D7C05EDA}" dt="2024-03-29T12:01:05.330" v="412" actId="478"/>
-          <ac:picMkLst>
-            <pc:docMk/>
-            <pc:sldMk cId="417035385" sldId="259"/>
-            <ac:picMk id="2" creationId="{E2A2D2EB-B4B4-10DB-E405-265438F40888}"/>
-          </ac:picMkLst>
-        </pc:picChg>
-        <pc:picChg chg="add mod">
-          <ac:chgData name="Ke Yu" userId="a844e5b4-5ccb-4234-998f-a7928449601c" providerId="ADAL" clId="{E9DF7E1D-3C0E-48DC-B387-5B60D7C05EDA}" dt="2024-03-29T12:00:58.508" v="410"/>
-          <ac:picMkLst>
-            <pc:docMk/>
-            <pc:sldMk cId="417035385" sldId="259"/>
-            <ac:picMk id="3" creationId="{84C9F823-1C74-1877-B5D1-789F1C6D63F0}"/>
-          </ac:picMkLst>
-        </pc:picChg>
-        <pc:picChg chg="del">
-          <ac:chgData name="Ke Yu" userId="a844e5b4-5ccb-4234-998f-a7928449601c" providerId="ADAL" clId="{E9DF7E1D-3C0E-48DC-B387-5B60D7C05EDA}" dt="2024-03-08T02:20:44.562" v="1" actId="478"/>
-          <ac:picMkLst>
-            <pc:docMk/>
-            <pc:sldMk cId="417035385" sldId="259"/>
-            <ac:picMk id="3" creationId="{E16DAD13-3C5B-EA9E-7EE2-7E0D65664F06}"/>
-          </ac:picMkLst>
-        </pc:picChg>
-        <pc:picChg chg="add mod modCrop">
-          <ac:chgData name="Ke Yu" userId="a844e5b4-5ccb-4234-998f-a7928449601c" providerId="ADAL" clId="{E9DF7E1D-3C0E-48DC-B387-5B60D7C05EDA}" dt="2024-03-29T12:03:59.759" v="430" actId="732"/>
-          <ac:picMkLst>
-            <pc:docMk/>
-            <pc:sldMk cId="417035385" sldId="259"/>
-            <ac:picMk id="4" creationId="{00520B4B-8968-A8B0-FEC0-037C84578135}"/>
-          </ac:picMkLst>
-        </pc:picChg>
-        <pc:picChg chg="del mod">
-          <ac:chgData name="Ke Yu" userId="a844e5b4-5ccb-4234-998f-a7928449601c" providerId="ADAL" clId="{E9DF7E1D-3C0E-48DC-B387-5B60D7C05EDA}" dt="2024-03-08T02:21:19.942" v="9" actId="478"/>
-          <ac:picMkLst>
-            <pc:docMk/>
-            <pc:sldMk cId="417035385" sldId="259"/>
-            <ac:picMk id="6" creationId="{AB545736-037D-5684-747C-08469799B50E}"/>
-          </ac:picMkLst>
-        </pc:picChg>
-        <pc:picChg chg="add del mod">
-          <ac:chgData name="Ke Yu" userId="a844e5b4-5ccb-4234-998f-a7928449601c" providerId="ADAL" clId="{E9DF7E1D-3C0E-48DC-B387-5B60D7C05EDA}" dt="2024-03-29T12:01:31.289" v="417" actId="478"/>
-          <ac:picMkLst>
-            <pc:docMk/>
-            <pc:sldMk cId="417035385" sldId="259"/>
-            <ac:picMk id="6" creationId="{E6B9A0EE-48FE-5629-7F66-3BE4EA82A3AB}"/>
-          </ac:picMkLst>
-        </pc:picChg>
-        <pc:picChg chg="add del mod">
-          <ac:chgData name="Ke Yu" userId="a844e5b4-5ccb-4234-998f-a7928449601c" providerId="ADAL" clId="{E9DF7E1D-3C0E-48DC-B387-5B60D7C05EDA}" dt="2024-03-22T21:16:00.645" v="258" actId="478"/>
-          <ac:picMkLst>
-            <pc:docMk/>
-            <pc:sldMk cId="417035385" sldId="259"/>
-            <ac:picMk id="12" creationId="{2E6B1926-6F17-DD6D-A65F-C50EAC2E315D}"/>
-          </ac:picMkLst>
-        </pc:picChg>
-        <pc:picChg chg="add mod">
-          <ac:chgData name="Ke Yu" userId="a844e5b4-5ccb-4234-998f-a7928449601c" providerId="ADAL" clId="{E9DF7E1D-3C0E-48DC-B387-5B60D7C05EDA}" dt="2024-03-29T12:01:32.449" v="418"/>
-          <ac:picMkLst>
-            <pc:docMk/>
-            <pc:sldMk cId="417035385" sldId="259"/>
-            <ac:picMk id="17" creationId="{1D8CD265-6847-9243-10FC-72AAE223D087}"/>
-          </ac:picMkLst>
-        </pc:picChg>
-        <pc:picChg chg="add mod">
-          <ac:chgData name="Ke Yu" userId="a844e5b4-5ccb-4234-998f-a7928449601c" providerId="ADAL" clId="{E9DF7E1D-3C0E-48DC-B387-5B60D7C05EDA}" dt="2024-03-29T18:53:33.936" v="431" actId="1076"/>
-          <ac:picMkLst>
-            <pc:docMk/>
-            <pc:sldMk cId="417035385" sldId="259"/>
-            <ac:picMk id="20" creationId="{EDA731F7-45FB-B655-A680-282BF382FC85}"/>
-          </ac:picMkLst>
-        </pc:picChg>
-        <pc:cxnChg chg="add del mod">
-          <ac:chgData name="Ke Yu" userId="a844e5b4-5ccb-4234-998f-a7928449601c" providerId="ADAL" clId="{E9DF7E1D-3C0E-48DC-B387-5B60D7C05EDA}" dt="2024-03-29T12:01:31.289" v="417" actId="478"/>
-          <ac:cxnSpMkLst>
-            <pc:docMk/>
-            <pc:sldMk cId="417035385" sldId="259"/>
-            <ac:cxnSpMk id="12" creationId="{105DCB48-89B0-62B1-0A7A-3912F2828612}"/>
-          </ac:cxnSpMkLst>
-        </pc:cxnChg>
-        <pc:cxnChg chg="add del mod">
-          <ac:chgData name="Ke Yu" userId="a844e5b4-5ccb-4234-998f-a7928449601c" providerId="ADAL" clId="{E9DF7E1D-3C0E-48DC-B387-5B60D7C05EDA}" dt="2024-03-29T12:01:04.717" v="411" actId="478"/>
-          <ac:cxnSpMkLst>
-            <pc:docMk/>
-            <pc:sldMk cId="417035385" sldId="259"/>
-            <ac:cxnSpMk id="13" creationId="{F7E1E06D-2499-2CDB-21FC-8AA5CFB718A4}"/>
-          </ac:cxnSpMkLst>
-        </pc:cxnChg>
-        <pc:cxnChg chg="add mod">
-          <ac:chgData name="Ke Yu" userId="a844e5b4-5ccb-4234-998f-a7928449601c" providerId="ADAL" clId="{E9DF7E1D-3C0E-48DC-B387-5B60D7C05EDA}" dt="2024-03-29T12:01:32.449" v="418"/>
-          <ac:cxnSpMkLst>
-            <pc:docMk/>
-            <pc:sldMk cId="417035385" sldId="259"/>
-            <ac:cxnSpMk id="18" creationId="{E9D62C65-0D15-5DC6-7A75-2AF81CCA1D55}"/>
-          </ac:cxnSpMkLst>
-        </pc:cxnChg>
-        <pc:cxnChg chg="mod">
-          <ac:chgData name="Ke Yu" userId="a844e5b4-5ccb-4234-998f-a7928449601c" providerId="ADAL" clId="{E9DF7E1D-3C0E-48DC-B387-5B60D7C05EDA}" dt="2024-03-29T12:03:36.340" v="422"/>
-          <ac:cxnSpMkLst>
-            <pc:docMk/>
-            <pc:sldMk cId="417035385" sldId="259"/>
-            <ac:cxnSpMk id="26" creationId="{A3BC88AF-A2BA-3B25-0C9D-DD95D80A0712}"/>
-          </ac:cxnSpMkLst>
-        </pc:cxnChg>
-        <pc:cxnChg chg="mod">
-          <ac:chgData name="Ke Yu" userId="a844e5b4-5ccb-4234-998f-a7928449601c" providerId="ADAL" clId="{E9DF7E1D-3C0E-48DC-B387-5B60D7C05EDA}" dt="2024-03-29T12:03:36.340" v="422"/>
-          <ac:cxnSpMkLst>
-            <pc:docMk/>
-            <pc:sldMk cId="417035385" sldId="259"/>
-            <ac:cxnSpMk id="27" creationId="{06A28DDC-F462-59FF-FA3C-1342F651D0EF}"/>
-          </ac:cxnSpMkLst>
-        </pc:cxnChg>
-        <pc:cxnChg chg="mod">
-          <ac:chgData name="Ke Yu" userId="a844e5b4-5ccb-4234-998f-a7928449601c" providerId="ADAL" clId="{E9DF7E1D-3C0E-48DC-B387-5B60D7C05EDA}" dt="2024-03-29T12:03:36.340" v="422"/>
-          <ac:cxnSpMkLst>
-            <pc:docMk/>
-            <pc:sldMk cId="417035385" sldId="259"/>
-            <ac:cxnSpMk id="28" creationId="{7C1F6659-4D38-2257-4C01-C2D1FBC98F05}"/>
-          </ac:cxnSpMkLst>
-        </pc:cxnChg>
-      </pc:sldChg>
-      <pc:sldChg chg="addSp modSp new del mod">
-        <pc:chgData name="Ke Yu" userId="a844e5b4-5ccb-4234-998f-a7928449601c" providerId="ADAL" clId="{E9DF7E1D-3C0E-48DC-B387-5B60D7C05EDA}" dt="2024-03-22T21:15:55.995" v="257" actId="47"/>
-        <pc:sldMkLst>
-          <pc:docMk/>
-          <pc:sldMk cId="1620075604" sldId="260"/>
-        </pc:sldMkLst>
-        <pc:picChg chg="add mod">
-          <ac:chgData name="Ke Yu" userId="a844e5b4-5ccb-4234-998f-a7928449601c" providerId="ADAL" clId="{E9DF7E1D-3C0E-48DC-B387-5B60D7C05EDA}" dt="2024-03-11T13:57:51.063" v="226" actId="1076"/>
-          <ac:picMkLst>
-            <pc:docMk/>
-            <pc:sldMk cId="1620075604" sldId="260"/>
-            <ac:picMk id="3" creationId="{8E198EB1-FB30-529B-3D30-0A1A5AF2B46A}"/>
-          </ac:picMkLst>
-        </pc:picChg>
-      </pc:sldChg>
-      <pc:sldChg chg="del">
-        <pc:chgData name="Ke Yu" userId="a844e5b4-5ccb-4234-998f-a7928449601c" providerId="ADAL" clId="{E9DF7E1D-3C0E-48DC-B387-5B60D7C05EDA}" dt="2024-03-08T02:26:41.415" v="201" actId="47"/>
-        <pc:sldMkLst>
-          <pc:docMk/>
-          <pc:sldMk cId="1305422810" sldId="261"/>
-        </pc:sldMkLst>
-      </pc:sldChg>
-      <pc:sldChg chg="addSp modSp new">
-        <pc:chgData name="Ke Yu" userId="a844e5b4-5ccb-4234-998f-a7928449601c" providerId="ADAL" clId="{E9DF7E1D-3C0E-48DC-B387-5B60D7C05EDA}" dt="2024-04-02T17:33:53.732" v="501" actId="1076"/>
-        <pc:sldMkLst>
-          <pc:docMk/>
-          <pc:sldMk cId="3511183673" sldId="261"/>
-        </pc:sldMkLst>
-        <pc:picChg chg="add mod">
-          <ac:chgData name="Ke Yu" userId="a844e5b4-5ccb-4234-998f-a7928449601c" providerId="ADAL" clId="{E9DF7E1D-3C0E-48DC-B387-5B60D7C05EDA}" dt="2024-04-02T17:33:48.270" v="499" actId="14100"/>
-          <ac:picMkLst>
-            <pc:docMk/>
-            <pc:sldMk cId="3511183673" sldId="261"/>
-            <ac:picMk id="1025" creationId="{8287B1E4-36CE-5920-AB4B-AEF3ED7449EF}"/>
-          </ac:picMkLst>
-        </pc:picChg>
-        <pc:picChg chg="add mod">
-          <ac:chgData name="Ke Yu" userId="a844e5b4-5ccb-4234-998f-a7928449601c" providerId="ADAL" clId="{E9DF7E1D-3C0E-48DC-B387-5B60D7C05EDA}" dt="2024-04-02T17:33:53.732" v="501" actId="1076"/>
-          <ac:picMkLst>
-            <pc:docMk/>
-            <pc:sldMk cId="3511183673" sldId="261"/>
-            <ac:picMk id="1026" creationId="{21835A49-0292-67E7-BF3B-4BD04A314B14}"/>
-          </ac:picMkLst>
-        </pc:picChg>
-      </pc:sldChg>
-      <pc:sldChg chg="addSp delSp modSp new">
-        <pc:chgData name="Ke Yu" userId="a844e5b4-5ccb-4234-998f-a7928449601c" providerId="ADAL" clId="{E9DF7E1D-3C0E-48DC-B387-5B60D7C05EDA}" dt="2024-04-16T17:40:39.766" v="545" actId="14100"/>
-        <pc:sldMkLst>
-          <pc:docMk/>
-          <pc:sldMk cId="114077256" sldId="262"/>
-        </pc:sldMkLst>
-        <pc:picChg chg="add del mod">
-          <ac:chgData name="Ke Yu" userId="a844e5b4-5ccb-4234-998f-a7928449601c" providerId="ADAL" clId="{E9DF7E1D-3C0E-48DC-B387-5B60D7C05EDA}" dt="2024-04-16T17:35:14.586" v="518" actId="478"/>
-          <ac:picMkLst>
-            <pc:docMk/>
-            <pc:sldMk cId="114077256" sldId="262"/>
-            <ac:picMk id="1025" creationId="{8D76AE5D-06DA-DE26-EB5A-745B2F317ACC}"/>
-          </ac:picMkLst>
-        </pc:picChg>
-        <pc:picChg chg="add del mod">
-          <ac:chgData name="Ke Yu" userId="a844e5b4-5ccb-4234-998f-a7928449601c" providerId="ADAL" clId="{E9DF7E1D-3C0E-48DC-B387-5B60D7C05EDA}" dt="2024-04-16T17:40:12.287" v="532" actId="478"/>
-          <ac:picMkLst>
-            <pc:docMk/>
-            <pc:sldMk cId="114077256" sldId="262"/>
-            <ac:picMk id="1026" creationId="{A366841D-6A36-AADC-E594-17D32C3247A4}"/>
-          </ac:picMkLst>
-        </pc:picChg>
-        <pc:picChg chg="add mod">
-          <ac:chgData name="Ke Yu" userId="a844e5b4-5ccb-4234-998f-a7928449601c" providerId="ADAL" clId="{E9DF7E1D-3C0E-48DC-B387-5B60D7C05EDA}" dt="2024-04-16T17:40:39.766" v="545" actId="14100"/>
-          <ac:picMkLst>
-            <pc:docMk/>
-            <pc:sldMk cId="114077256" sldId="262"/>
-            <ac:picMk id="1027" creationId="{A8C98FFD-4C40-DDDA-7A4E-8B7AA75A8E49}"/>
-          </ac:picMkLst>
-        </pc:picChg>
-      </pc:sldChg>
-      <pc:sldChg chg="addSp modSp new add del mod">
-        <pc:chgData name="Ke Yu" userId="a844e5b4-5ccb-4234-998f-a7928449601c" providerId="ADAL" clId="{E9DF7E1D-3C0E-48DC-B387-5B60D7C05EDA}" dt="2024-04-02T17:34:22.736" v="504" actId="2696"/>
-        <pc:sldMkLst>
-          <pc:docMk/>
-          <pc:sldMk cId="3574056432" sldId="262"/>
-        </pc:sldMkLst>
-        <pc:spChg chg="mod">
-          <ac:chgData name="Ke Yu" userId="a844e5b4-5ccb-4234-998f-a7928449601c" providerId="ADAL" clId="{E9DF7E1D-3C0E-48DC-B387-5B60D7C05EDA}" dt="2024-03-29T20:18:09.637" v="433"/>
-          <ac:spMkLst>
-            <pc:docMk/>
-            <pc:sldMk cId="3574056432" sldId="262"/>
-            <ac:spMk id="4" creationId="{F2DFD3E6-E052-370A-9585-1F140E78F2C4}"/>
-          </ac:spMkLst>
-        </pc:spChg>
-        <pc:spChg chg="mod">
-          <ac:chgData name="Ke Yu" userId="a844e5b4-5ccb-4234-998f-a7928449601c" providerId="ADAL" clId="{E9DF7E1D-3C0E-48DC-B387-5B60D7C05EDA}" dt="2024-03-29T20:18:09.637" v="433"/>
-          <ac:spMkLst>
-            <pc:docMk/>
-            <pc:sldMk cId="3574056432" sldId="262"/>
-            <ac:spMk id="5" creationId="{5715A291-352B-91C1-B552-3BBAD5A5A581}"/>
-          </ac:spMkLst>
-        </pc:spChg>
-        <pc:spChg chg="mod">
-          <ac:chgData name="Ke Yu" userId="a844e5b4-5ccb-4234-998f-a7928449601c" providerId="ADAL" clId="{E9DF7E1D-3C0E-48DC-B387-5B60D7C05EDA}" dt="2024-03-29T20:18:09.637" v="433"/>
-          <ac:spMkLst>
-            <pc:docMk/>
-            <pc:sldMk cId="3574056432" sldId="262"/>
-            <ac:spMk id="6" creationId="{0ECFD719-AE79-150B-9970-1B39A69F76EB}"/>
-          </ac:spMkLst>
-        </pc:spChg>
-        <pc:spChg chg="add mod">
-          <ac:chgData name="Ke Yu" userId="a844e5b4-5ccb-4234-998f-a7928449601c" providerId="ADAL" clId="{E9DF7E1D-3C0E-48DC-B387-5B60D7C05EDA}" dt="2024-03-29T20:23:18.806" v="485" actId="1076"/>
-          <ac:spMkLst>
-            <pc:docMk/>
-            <pc:sldMk cId="3574056432" sldId="262"/>
-            <ac:spMk id="13" creationId="{84D76A35-8D1D-C29E-8963-365C7620CC90}"/>
-          </ac:spMkLst>
-        </pc:spChg>
-        <pc:spChg chg="add mod">
-          <ac:chgData name="Ke Yu" userId="a844e5b4-5ccb-4234-998f-a7928449601c" providerId="ADAL" clId="{E9DF7E1D-3C0E-48DC-B387-5B60D7C05EDA}" dt="2024-03-29T20:22:04.148" v="468" actId="1076"/>
-          <ac:spMkLst>
-            <pc:docMk/>
-            <pc:sldMk cId="3574056432" sldId="262"/>
-            <ac:spMk id="17" creationId="{D97B88F9-0804-B4B5-6A22-1ED78E9293EA}"/>
-          </ac:spMkLst>
-        </pc:spChg>
-        <pc:spChg chg="add mod">
-          <ac:chgData name="Ke Yu" userId="a844e5b4-5ccb-4234-998f-a7928449601c" providerId="ADAL" clId="{E9DF7E1D-3C0E-48DC-B387-5B60D7C05EDA}" dt="2024-03-29T20:23:18.806" v="485" actId="1076"/>
-          <ac:spMkLst>
-            <pc:docMk/>
-            <pc:sldMk cId="3574056432" sldId="262"/>
-            <ac:spMk id="31" creationId="{710AD50B-6905-FA0D-097F-666CE75A6134}"/>
-          </ac:spMkLst>
-        </pc:spChg>
-        <pc:spChg chg="add mod">
-          <ac:chgData name="Ke Yu" userId="a844e5b4-5ccb-4234-998f-a7928449601c" providerId="ADAL" clId="{E9DF7E1D-3C0E-48DC-B387-5B60D7C05EDA}" dt="2024-03-29T20:23:38.677" v="487" actId="1076"/>
-          <ac:spMkLst>
-            <pc:docMk/>
-            <pc:sldMk cId="3574056432" sldId="262"/>
-            <ac:spMk id="32" creationId="{5BFB2B08-9AB1-30E2-1216-2461D2498C87}"/>
-          </ac:spMkLst>
-        </pc:spChg>
-        <pc:grpChg chg="add mod">
-          <ac:chgData name="Ke Yu" userId="a844e5b4-5ccb-4234-998f-a7928449601c" providerId="ADAL" clId="{E9DF7E1D-3C0E-48DC-B387-5B60D7C05EDA}" dt="2024-03-29T20:18:09.637" v="433"/>
-          <ac:grpSpMkLst>
-            <pc:docMk/>
-            <pc:sldMk cId="3574056432" sldId="262"/>
-            <ac:grpSpMk id="2" creationId="{6AD996AA-6945-6590-EFE9-1F1B7FA17FF2}"/>
-          </ac:grpSpMkLst>
-        </pc:grpChg>
-        <pc:grpChg chg="mod">
-          <ac:chgData name="Ke Yu" userId="a844e5b4-5ccb-4234-998f-a7928449601c" providerId="ADAL" clId="{E9DF7E1D-3C0E-48DC-B387-5B60D7C05EDA}" dt="2024-03-29T20:18:09.637" v="433"/>
-          <ac:grpSpMkLst>
-            <pc:docMk/>
-            <pc:sldMk cId="3574056432" sldId="262"/>
-            <ac:grpSpMk id="3" creationId="{5982F538-5492-3EBF-1345-EF8A2B51D5DC}"/>
-          </ac:grpSpMkLst>
-        </pc:grpChg>
-        <pc:picChg chg="add mod modCrop">
-          <ac:chgData name="Ke Yu" userId="a844e5b4-5ccb-4234-998f-a7928449601c" providerId="ADAL" clId="{E9DF7E1D-3C0E-48DC-B387-5B60D7C05EDA}" dt="2024-03-29T20:21:38.035" v="464" actId="1076"/>
-          <ac:picMkLst>
-            <pc:docMk/>
-            <pc:sldMk cId="3574056432" sldId="262"/>
-            <ac:picMk id="18" creationId="{10B7FACA-24AA-030F-6BD3-44A36120282A}"/>
-          </ac:picMkLst>
-        </pc:picChg>
-        <pc:cxnChg chg="mod">
-          <ac:chgData name="Ke Yu" userId="a844e5b4-5ccb-4234-998f-a7928449601c" providerId="ADAL" clId="{E9DF7E1D-3C0E-48DC-B387-5B60D7C05EDA}" dt="2024-03-29T20:20:26.460" v="447" actId="14100"/>
-          <ac:cxnSpMkLst>
-            <pc:docMk/>
-            <pc:sldMk cId="3574056432" sldId="262"/>
-            <ac:cxnSpMk id="7" creationId="{084143E9-CB64-C599-F77F-25C96AEEB7A1}"/>
-          </ac:cxnSpMkLst>
-        </pc:cxnChg>
-        <pc:cxnChg chg="mod">
-          <ac:chgData name="Ke Yu" userId="a844e5b4-5ccb-4234-998f-a7928449601c" providerId="ADAL" clId="{E9DF7E1D-3C0E-48DC-B387-5B60D7C05EDA}" dt="2024-03-29T20:18:09.637" v="433"/>
-          <ac:cxnSpMkLst>
-            <pc:docMk/>
-            <pc:sldMk cId="3574056432" sldId="262"/>
-            <ac:cxnSpMk id="8" creationId="{97DE6324-6744-848A-2B39-91ECE7DF0996}"/>
-          </ac:cxnSpMkLst>
-        </pc:cxnChg>
-        <pc:cxnChg chg="mod">
-          <ac:chgData name="Ke Yu" userId="a844e5b4-5ccb-4234-998f-a7928449601c" providerId="ADAL" clId="{E9DF7E1D-3C0E-48DC-B387-5B60D7C05EDA}" dt="2024-03-29T20:18:09.637" v="433"/>
-          <ac:cxnSpMkLst>
-            <pc:docMk/>
-            <pc:sldMk cId="3574056432" sldId="262"/>
-            <ac:cxnSpMk id="9" creationId="{B7E7A9AB-9F2A-EF28-6EA0-BA5A932D60A6}"/>
-          </ac:cxnSpMkLst>
-        </pc:cxnChg>
-        <pc:cxnChg chg="add mod">
-          <ac:chgData name="Ke Yu" userId="a844e5b4-5ccb-4234-998f-a7928449601c" providerId="ADAL" clId="{E9DF7E1D-3C0E-48DC-B387-5B60D7C05EDA}" dt="2024-03-29T20:23:18.806" v="485" actId="1076"/>
-          <ac:cxnSpMkLst>
-            <pc:docMk/>
-            <pc:sldMk cId="3574056432" sldId="262"/>
-            <ac:cxnSpMk id="10" creationId="{E681B0B6-BD10-8E3D-B760-10BF59D505ED}"/>
-          </ac:cxnSpMkLst>
-        </pc:cxnChg>
-        <pc:cxnChg chg="add mod">
-          <ac:chgData name="Ke Yu" userId="a844e5b4-5ccb-4234-998f-a7928449601c" providerId="ADAL" clId="{E9DF7E1D-3C0E-48DC-B387-5B60D7C05EDA}" dt="2024-03-29T20:23:18.806" v="485" actId="1076"/>
-          <ac:cxnSpMkLst>
-            <pc:docMk/>
-            <pc:sldMk cId="3574056432" sldId="262"/>
-            <ac:cxnSpMk id="11" creationId="{76F8CC98-A1C8-52E6-CAC4-D952065A4C8C}"/>
-          </ac:cxnSpMkLst>
-        </pc:cxnChg>
-        <pc:cxnChg chg="add mod">
-          <ac:chgData name="Ke Yu" userId="a844e5b4-5ccb-4234-998f-a7928449601c" providerId="ADAL" clId="{E9DF7E1D-3C0E-48DC-B387-5B60D7C05EDA}" dt="2024-03-29T20:23:18.806" v="485" actId="1076"/>
-          <ac:cxnSpMkLst>
-            <pc:docMk/>
-            <pc:sldMk cId="3574056432" sldId="262"/>
-            <ac:cxnSpMk id="12" creationId="{23E3E53A-082B-9A83-6734-099FE2BFD93B}"/>
-          </ac:cxnSpMkLst>
-        </pc:cxnChg>
-        <pc:cxnChg chg="add mod">
-          <ac:chgData name="Ke Yu" userId="a844e5b4-5ccb-4234-998f-a7928449601c" providerId="ADAL" clId="{E9DF7E1D-3C0E-48DC-B387-5B60D7C05EDA}" dt="2024-03-29T20:19:45.476" v="443" actId="1076"/>
-          <ac:cxnSpMkLst>
-            <pc:docMk/>
-            <pc:sldMk cId="3574056432" sldId="262"/>
-            <ac:cxnSpMk id="14" creationId="{9549728C-0379-6F2E-EF68-636F340E056D}"/>
-          </ac:cxnSpMkLst>
-        </pc:cxnChg>
-        <pc:cxnChg chg="add mod">
-          <ac:chgData name="Ke Yu" userId="a844e5b4-5ccb-4234-998f-a7928449601c" providerId="ADAL" clId="{E9DF7E1D-3C0E-48DC-B387-5B60D7C05EDA}" dt="2024-03-29T20:19:45.476" v="443" actId="1076"/>
-          <ac:cxnSpMkLst>
-            <pc:docMk/>
-            <pc:sldMk cId="3574056432" sldId="262"/>
-            <ac:cxnSpMk id="15" creationId="{C4E2730E-4874-7C9C-C11C-D2A0CC133D5D}"/>
-          </ac:cxnSpMkLst>
-        </pc:cxnChg>
-        <pc:cxnChg chg="add mod">
-          <ac:chgData name="Ke Yu" userId="a844e5b4-5ccb-4234-998f-a7928449601c" providerId="ADAL" clId="{E9DF7E1D-3C0E-48DC-B387-5B60D7C05EDA}" dt="2024-03-29T20:19:45.476" v="443" actId="1076"/>
-          <ac:cxnSpMkLst>
-            <pc:docMk/>
-            <pc:sldMk cId="3574056432" sldId="262"/>
-            <ac:cxnSpMk id="16" creationId="{CDFF85A7-71B1-1892-5FE6-3791B16B5F9C}"/>
-          </ac:cxnSpMkLst>
-        </pc:cxnChg>
-        <pc:cxnChg chg="add mod">
-          <ac:chgData name="Ke Yu" userId="a844e5b4-5ccb-4234-998f-a7928449601c" providerId="ADAL" clId="{E9DF7E1D-3C0E-48DC-B387-5B60D7C05EDA}" dt="2024-03-29T20:23:18.806" v="485" actId="1076"/>
-          <ac:cxnSpMkLst>
-            <pc:docMk/>
-            <pc:sldMk cId="3574056432" sldId="262"/>
-            <ac:cxnSpMk id="25" creationId="{4708CA0A-AC5E-458F-0CDD-A1A654D2F629}"/>
-          </ac:cxnSpMkLst>
-        </pc:cxnChg>
-        <pc:cxnChg chg="add mod">
-          <ac:chgData name="Ke Yu" userId="a844e5b4-5ccb-4234-998f-a7928449601c" providerId="ADAL" clId="{E9DF7E1D-3C0E-48DC-B387-5B60D7C05EDA}" dt="2024-03-29T20:23:18.806" v="485" actId="1076"/>
-          <ac:cxnSpMkLst>
-            <pc:docMk/>
-            <pc:sldMk cId="3574056432" sldId="262"/>
-            <ac:cxnSpMk id="26" creationId="{E39F9542-E8A3-5F43-6223-0E4162D78504}"/>
-          </ac:cxnSpMkLst>
-        </pc:cxnChg>
-        <pc:cxnChg chg="add mod">
-          <ac:chgData name="Ke Yu" userId="a844e5b4-5ccb-4234-998f-a7928449601c" providerId="ADAL" clId="{E9DF7E1D-3C0E-48DC-B387-5B60D7C05EDA}" dt="2024-03-29T20:23:38.677" v="487" actId="1076"/>
-          <ac:cxnSpMkLst>
-            <pc:docMk/>
-            <pc:sldMk cId="3574056432" sldId="262"/>
-            <ac:cxnSpMk id="33" creationId="{BD3B141C-3953-D4AA-13E7-4513D2B83E38}"/>
-          </ac:cxnSpMkLst>
-        </pc:cxnChg>
-      </pc:sldChg>
-      <pc:sldChg chg="del">
-        <pc:chgData name="Ke Yu" userId="a844e5b4-5ccb-4234-998f-a7928449601c" providerId="ADAL" clId="{E9DF7E1D-3C0E-48DC-B387-5B60D7C05EDA}" dt="2024-03-08T02:26:42.535" v="202" actId="47"/>
-        <pc:sldMkLst>
-          <pc:docMk/>
-          <pc:sldMk cId="3947339288" sldId="262"/>
-        </pc:sldMkLst>
-      </pc:sldChg>
-      <pc:sldChg chg="addSp modSp new">
-        <pc:chgData name="Ke Yu" userId="a844e5b4-5ccb-4234-998f-a7928449601c" providerId="ADAL" clId="{E9DF7E1D-3C0E-48DC-B387-5B60D7C05EDA}" dt="2024-04-16T17:45:52.787" v="558" actId="14100"/>
-        <pc:sldMkLst>
-          <pc:docMk/>
-          <pc:sldMk cId="1161377095" sldId="263"/>
-        </pc:sldMkLst>
-        <pc:picChg chg="add mod">
-          <ac:chgData name="Ke Yu" userId="a844e5b4-5ccb-4234-998f-a7928449601c" providerId="ADAL" clId="{E9DF7E1D-3C0E-48DC-B387-5B60D7C05EDA}" dt="2024-04-16T17:45:52.787" v="558" actId="14100"/>
-          <ac:picMkLst>
-            <pc:docMk/>
-            <pc:sldMk cId="1161377095" sldId="263"/>
-            <ac:picMk id="2049" creationId="{B4C7423F-84AB-ECE9-B12F-1A113D18C6D2}"/>
-          </ac:picMkLst>
-        </pc:picChg>
-      </pc:sldChg>
-      <pc:sldChg chg="new del">
-        <pc:chgData name="Ke Yu" userId="a844e5b4-5ccb-4234-998f-a7928449601c" providerId="ADAL" clId="{E9DF7E1D-3C0E-48DC-B387-5B60D7C05EDA}" dt="2024-03-08T02:22:30.717" v="21" actId="47"/>
-        <pc:sldMkLst>
-          <pc:docMk/>
-          <pc:sldMk cId="2062283530" sldId="263"/>
-        </pc:sldMkLst>
-      </pc:sldChg>
-      <pc:sldChg chg="addSp delSp modSp new">
-        <pc:chgData name="Ke Yu" userId="a844e5b4-5ccb-4234-998f-a7928449601c" providerId="ADAL" clId="{E9DF7E1D-3C0E-48DC-B387-5B60D7C05EDA}" dt="2024-04-16T18:05:27.459" v="577" actId="14100"/>
-        <pc:sldMkLst>
-          <pc:docMk/>
-          <pc:sldMk cId="3588834652" sldId="264"/>
-        </pc:sldMkLst>
-        <pc:picChg chg="add del mod">
-          <ac:chgData name="Ke Yu" userId="a844e5b4-5ccb-4234-998f-a7928449601c" providerId="ADAL" clId="{E9DF7E1D-3C0E-48DC-B387-5B60D7C05EDA}" dt="2024-04-16T18:04:56.532" v="562" actId="478"/>
-          <ac:picMkLst>
-            <pc:docMk/>
-            <pc:sldMk cId="3588834652" sldId="264"/>
-            <ac:picMk id="3073" creationId="{CA6479B9-6F3F-4013-55CE-C6C841D8A77A}"/>
-          </ac:picMkLst>
-        </pc:picChg>
-        <pc:picChg chg="add mod">
-          <ac:chgData name="Ke Yu" userId="a844e5b4-5ccb-4234-998f-a7928449601c" providerId="ADAL" clId="{E9DF7E1D-3C0E-48DC-B387-5B60D7C05EDA}" dt="2024-04-16T18:05:27.459" v="577" actId="14100"/>
-          <ac:picMkLst>
-            <pc:docMk/>
-            <pc:sldMk cId="3588834652" sldId="264"/>
-            <ac:picMk id="3074" creationId="{EBE6E09E-DE07-9EC7-6CB4-305203984512}"/>
-          </ac:picMkLst>
-        </pc:picChg>
-      </pc:sldChg>
-    </pc:docChg>
-  </pc:docChgLst>
-  <pc:docChgLst>
-    <pc:chgData name="Ke Yu" userId="a844e5b4-5ccb-4234-998f-a7928449601c" providerId="ADAL" clId="{F118E67C-00EB-46CA-AEDE-5D3C93025B0D}"/>
-    <pc:docChg chg="modSld">
-      <pc:chgData name="Ke Yu" userId="a844e5b4-5ccb-4234-998f-a7928449601c" providerId="ADAL" clId="{F118E67C-00EB-46CA-AEDE-5D3C93025B0D}" dt="2024-03-27T21:06:35.123" v="1" actId="14826"/>
-      <pc:docMkLst>
-        <pc:docMk/>
-      </pc:docMkLst>
-      <pc:sldChg chg="modSp">
-        <pc:chgData name="Ke Yu" userId="a844e5b4-5ccb-4234-998f-a7928449601c" providerId="ADAL" clId="{F118E67C-00EB-46CA-AEDE-5D3C93025B0D}" dt="2024-03-27T21:06:35.123" v="1" actId="14826"/>
-        <pc:sldMkLst>
-          <pc:docMk/>
-          <pc:sldMk cId="3511183673" sldId="261"/>
-        </pc:sldMkLst>
-        <pc:picChg chg="mod">
-          <ac:chgData name="Ke Yu" userId="a844e5b4-5ccb-4234-998f-a7928449601c" providerId="ADAL" clId="{F118E67C-00EB-46CA-AEDE-5D3C93025B0D}" dt="2024-03-27T21:06:26.090" v="0" actId="14826"/>
-          <ac:picMkLst>
-            <pc:docMk/>
-            <pc:sldMk cId="3511183673" sldId="261"/>
-            <ac:picMk id="1025" creationId="{8287B1E4-36CE-5920-AB4B-AEF3ED7449EF}"/>
-          </ac:picMkLst>
-        </pc:picChg>
-        <pc:picChg chg="mod">
-          <ac:chgData name="Ke Yu" userId="a844e5b4-5ccb-4234-998f-a7928449601c" providerId="ADAL" clId="{F118E67C-00EB-46CA-AEDE-5D3C93025B0D}" dt="2024-03-27T21:06:35.123" v="1" actId="14826"/>
-          <ac:picMkLst>
-            <pc:docMk/>
-            <pc:sldMk cId="3511183673" sldId="261"/>
-            <ac:picMk id="1026" creationId="{21835A49-0292-67E7-BF3B-4BD04A314B14}"/>
-          </ac:picMkLst>
-        </pc:picChg>
-      </pc:sldChg>
-    </pc:docChg>
-  </pc:docChgLst>
-  <pc:docChgLst>
-    <pc:chgData name="Ke Yu" userId="a844e5b4-5ccb-4234-998f-a7928449601c" providerId="ADAL" clId="{59D05A68-94C7-4C2E-AFE5-03440830F8E3}"/>
-    <pc:docChg chg="undo custSel addSld delSld modSld">
-      <pc:chgData name="Ke Yu" userId="a844e5b4-5ccb-4234-998f-a7928449601c" providerId="ADAL" clId="{59D05A68-94C7-4C2E-AFE5-03440830F8E3}" dt="2024-02-20T21:34:39.511" v="96" actId="1076"/>
-      <pc:docMkLst>
-        <pc:docMk/>
-      </pc:docMkLst>
-      <pc:sldChg chg="delSp mod">
-        <pc:chgData name="Ke Yu" userId="a844e5b4-5ccb-4234-998f-a7928449601c" providerId="ADAL" clId="{59D05A68-94C7-4C2E-AFE5-03440830F8E3}" dt="2024-02-16T13:40:32.496" v="70" actId="478"/>
-        <pc:sldMkLst>
-          <pc:docMk/>
-          <pc:sldMk cId="216665640" sldId="257"/>
-        </pc:sldMkLst>
-        <pc:spChg chg="del">
-          <ac:chgData name="Ke Yu" userId="a844e5b4-5ccb-4234-998f-a7928449601c" providerId="ADAL" clId="{59D05A68-94C7-4C2E-AFE5-03440830F8E3}" dt="2024-02-16T13:40:32.496" v="70" actId="478"/>
-          <ac:spMkLst>
-            <pc:docMk/>
-            <pc:sldMk cId="216665640" sldId="257"/>
-            <ac:spMk id="19" creationId="{A2E83FA9-5970-D3A4-8266-EF195601E5C5}"/>
-          </ac:spMkLst>
-        </pc:spChg>
-        <pc:spChg chg="del">
-          <ac:chgData name="Ke Yu" userId="a844e5b4-5ccb-4234-998f-a7928449601c" providerId="ADAL" clId="{59D05A68-94C7-4C2E-AFE5-03440830F8E3}" dt="2024-02-16T13:40:32.496" v="70" actId="478"/>
-          <ac:spMkLst>
-            <pc:docMk/>
-            <pc:sldMk cId="216665640" sldId="257"/>
-            <ac:spMk id="20" creationId="{93096B7A-A4F7-5350-C421-36774E0DBF0A}"/>
-          </ac:spMkLst>
-        </pc:spChg>
-        <pc:spChg chg="del">
-          <ac:chgData name="Ke Yu" userId="a844e5b4-5ccb-4234-998f-a7928449601c" providerId="ADAL" clId="{59D05A68-94C7-4C2E-AFE5-03440830F8E3}" dt="2024-02-16T13:40:32.496" v="70" actId="478"/>
-          <ac:spMkLst>
-            <pc:docMk/>
-            <pc:sldMk cId="216665640" sldId="257"/>
-            <ac:spMk id="21" creationId="{676B1160-3AB1-CA41-ED08-38B33877A4B5}"/>
-          </ac:spMkLst>
-        </pc:spChg>
-        <pc:spChg chg="del">
-          <ac:chgData name="Ke Yu" userId="a844e5b4-5ccb-4234-998f-a7928449601c" providerId="ADAL" clId="{59D05A68-94C7-4C2E-AFE5-03440830F8E3}" dt="2024-02-16T13:40:32.496" v="70" actId="478"/>
-          <ac:spMkLst>
-            <pc:docMk/>
-            <pc:sldMk cId="216665640" sldId="257"/>
-            <ac:spMk id="22" creationId="{B19A2C7A-CE1B-E492-EE7C-5FD44C70058C}"/>
-          </ac:spMkLst>
-        </pc:spChg>
-        <pc:picChg chg="del">
-          <ac:chgData name="Ke Yu" userId="a844e5b4-5ccb-4234-998f-a7928449601c" providerId="ADAL" clId="{59D05A68-94C7-4C2E-AFE5-03440830F8E3}" dt="2024-02-16T13:40:32.496" v="70" actId="478"/>
-          <ac:picMkLst>
-            <pc:docMk/>
-            <pc:sldMk cId="216665640" sldId="257"/>
-            <ac:picMk id="3" creationId="{8BC77CEE-977F-D936-F7FF-67E32BCCFC5D}"/>
-          </ac:picMkLst>
-        </pc:picChg>
-        <pc:cxnChg chg="del">
-          <ac:chgData name="Ke Yu" userId="a844e5b4-5ccb-4234-998f-a7928449601c" providerId="ADAL" clId="{59D05A68-94C7-4C2E-AFE5-03440830F8E3}" dt="2024-02-16T13:40:32.496" v="70" actId="478"/>
-          <ac:cxnSpMkLst>
-            <pc:docMk/>
-            <pc:sldMk cId="216665640" sldId="257"/>
-            <ac:cxnSpMk id="7" creationId="{01712DF0-A2EA-686D-DCEB-33395FB24DF5}"/>
-          </ac:cxnSpMkLst>
-        </pc:cxnChg>
-        <pc:cxnChg chg="del">
-          <ac:chgData name="Ke Yu" userId="a844e5b4-5ccb-4234-998f-a7928449601c" providerId="ADAL" clId="{59D05A68-94C7-4C2E-AFE5-03440830F8E3}" dt="2024-02-16T13:40:32.496" v="70" actId="478"/>
-          <ac:cxnSpMkLst>
-            <pc:docMk/>
-            <pc:sldMk cId="216665640" sldId="257"/>
-            <ac:cxnSpMk id="9" creationId="{A923482D-63D0-E68C-A58F-371196B3766E}"/>
-          </ac:cxnSpMkLst>
-        </pc:cxnChg>
-        <pc:cxnChg chg="del">
-          <ac:chgData name="Ke Yu" userId="a844e5b4-5ccb-4234-998f-a7928449601c" providerId="ADAL" clId="{59D05A68-94C7-4C2E-AFE5-03440830F8E3}" dt="2024-02-16T13:40:32.496" v="70" actId="478"/>
-          <ac:cxnSpMkLst>
-            <pc:docMk/>
-            <pc:sldMk cId="216665640" sldId="257"/>
-            <ac:cxnSpMk id="11" creationId="{530C1958-AEE1-4F1A-E958-BBC5F03BA34F}"/>
-          </ac:cxnSpMkLst>
-        </pc:cxnChg>
-        <pc:cxnChg chg="del">
-          <ac:chgData name="Ke Yu" userId="a844e5b4-5ccb-4234-998f-a7928449601c" providerId="ADAL" clId="{59D05A68-94C7-4C2E-AFE5-03440830F8E3}" dt="2024-02-16T13:40:32.496" v="70" actId="478"/>
-          <ac:cxnSpMkLst>
-            <pc:docMk/>
-            <pc:sldMk cId="216665640" sldId="257"/>
-            <ac:cxnSpMk id="13" creationId="{A1ED4538-36FE-306F-03D1-DB7A4226F85E}"/>
-          </ac:cxnSpMkLst>
-        </pc:cxnChg>
-        <pc:cxnChg chg="del">
-          <ac:chgData name="Ke Yu" userId="a844e5b4-5ccb-4234-998f-a7928449601c" providerId="ADAL" clId="{59D05A68-94C7-4C2E-AFE5-03440830F8E3}" dt="2024-02-16T13:40:32.496" v="70" actId="478"/>
-          <ac:cxnSpMkLst>
-            <pc:docMk/>
-            <pc:sldMk cId="216665640" sldId="257"/>
-            <ac:cxnSpMk id="15" creationId="{1A01C67B-CAE7-A69E-49DC-0AE3DCE6C294}"/>
-          </ac:cxnSpMkLst>
-        </pc:cxnChg>
-      </pc:sldChg>
-      <pc:sldChg chg="addSp delSp modSp mod">
-        <pc:chgData name="Ke Yu" userId="a844e5b4-5ccb-4234-998f-a7928449601c" providerId="ADAL" clId="{59D05A68-94C7-4C2E-AFE5-03440830F8E3}" dt="2024-02-20T21:32:54.511" v="80" actId="1076"/>
-        <pc:sldMkLst>
-          <pc:docMk/>
-          <pc:sldMk cId="197220117" sldId="258"/>
-        </pc:sldMkLst>
-        <pc:spChg chg="mod">
-          <ac:chgData name="Ke Yu" userId="a844e5b4-5ccb-4234-998f-a7928449601c" providerId="ADAL" clId="{59D05A68-94C7-4C2E-AFE5-03440830F8E3}" dt="2024-02-16T13:34:49.304" v="26" actId="1076"/>
-          <ac:spMkLst>
-            <pc:docMk/>
-            <pc:sldMk cId="197220117" sldId="258"/>
-            <ac:spMk id="7" creationId="{549FE9A8-808C-1489-6FF1-4B5597A6FDE6}"/>
-          </ac:spMkLst>
-        </pc:spChg>
-        <pc:grpChg chg="del">
-          <ac:chgData name="Ke Yu" userId="a844e5b4-5ccb-4234-998f-a7928449601c" providerId="ADAL" clId="{59D05A68-94C7-4C2E-AFE5-03440830F8E3}" dt="2024-02-16T13:34:08.729" v="0" actId="478"/>
-          <ac:grpSpMkLst>
-            <pc:docMk/>
-            <pc:sldMk cId="197220117" sldId="258"/>
-            <ac:grpSpMk id="6" creationId="{50CE55CA-EF82-8AA5-5890-E58F7EAF8B49}"/>
-          </ac:grpSpMkLst>
-        </pc:grpChg>
-        <pc:picChg chg="add del mod">
-          <ac:chgData name="Ke Yu" userId="a844e5b4-5ccb-4234-998f-a7928449601c" providerId="ADAL" clId="{59D05A68-94C7-4C2E-AFE5-03440830F8E3}" dt="2024-02-20T21:32:46.060" v="76" actId="478"/>
-          <ac:picMkLst>
-            <pc:docMk/>
-            <pc:sldMk cId="197220117" sldId="258"/>
-            <ac:picMk id="3" creationId="{3E97E09F-0004-0CBA-CB8A-C2B4F20E000D}"/>
-          </ac:picMkLst>
-        </pc:picChg>
-        <pc:picChg chg="add mod">
-          <ac:chgData name="Ke Yu" userId="a844e5b4-5ccb-4234-998f-a7928449601c" providerId="ADAL" clId="{59D05A68-94C7-4C2E-AFE5-03440830F8E3}" dt="2024-02-20T21:32:54.511" v="80" actId="1076"/>
-          <ac:picMkLst>
-            <pc:docMk/>
-            <pc:sldMk cId="197220117" sldId="258"/>
-            <ac:picMk id="4" creationId="{149763A8-5647-FCE9-F876-81D4049701ED}"/>
-          </ac:picMkLst>
-        </pc:picChg>
-      </pc:sldChg>
-      <pc:sldChg chg="addSp delSp modSp mod">
-        <pc:chgData name="Ke Yu" userId="a844e5b4-5ccb-4234-998f-a7928449601c" providerId="ADAL" clId="{59D05A68-94C7-4C2E-AFE5-03440830F8E3}" dt="2024-02-20T21:33:51.934" v="90" actId="1076"/>
-        <pc:sldMkLst>
-          <pc:docMk/>
-          <pc:sldMk cId="417035385" sldId="259"/>
-        </pc:sldMkLst>
-        <pc:spChg chg="mod">
-          <ac:chgData name="Ke Yu" userId="a844e5b4-5ccb-4234-998f-a7928449601c" providerId="ADAL" clId="{59D05A68-94C7-4C2E-AFE5-03440830F8E3}" dt="2024-02-16T13:36:56.932" v="50" actId="20577"/>
-          <ac:spMkLst>
-            <pc:docMk/>
-            <pc:sldMk cId="417035385" sldId="259"/>
-            <ac:spMk id="5" creationId="{21C4A721-3DAD-6E9D-568B-15082F055CD3}"/>
-          </ac:spMkLst>
-        </pc:spChg>
-        <pc:picChg chg="del">
-          <ac:chgData name="Ke Yu" userId="a844e5b4-5ccb-4234-998f-a7928449601c" providerId="ADAL" clId="{59D05A68-94C7-4C2E-AFE5-03440830F8E3}" dt="2024-02-16T13:35:51.873" v="29" actId="478"/>
-          <ac:picMkLst>
-            <pc:docMk/>
-            <pc:sldMk cId="417035385" sldId="259"/>
-            <ac:picMk id="3" creationId="{AAF15B18-C298-E312-71DB-969A7CE9C990}"/>
-          </ac:picMkLst>
-        </pc:picChg>
-        <pc:picChg chg="add mod modCrop">
-          <ac:chgData name="Ke Yu" userId="a844e5b4-5ccb-4234-998f-a7928449601c" providerId="ADAL" clId="{59D05A68-94C7-4C2E-AFE5-03440830F8E3}" dt="2024-02-20T21:33:51.934" v="90" actId="1076"/>
-          <ac:picMkLst>
-            <pc:docMk/>
-            <pc:sldMk cId="417035385" sldId="259"/>
-            <ac:picMk id="3" creationId="{E16DAD13-3C5B-EA9E-7EE2-7E0D65664F06}"/>
-          </ac:picMkLst>
-        </pc:picChg>
-        <pc:picChg chg="add del mod">
-          <ac:chgData name="Ke Yu" userId="a844e5b4-5ccb-4234-998f-a7928449601c" providerId="ADAL" clId="{59D05A68-94C7-4C2E-AFE5-03440830F8E3}" dt="2024-02-20T21:32:56.889" v="81" actId="478"/>
-          <ac:picMkLst>
-            <pc:docMk/>
-            <pc:sldMk cId="417035385" sldId="259"/>
-            <ac:picMk id="4" creationId="{F06394B5-89D7-E534-0CD0-C34302ACCE89}"/>
-          </ac:picMkLst>
-        </pc:picChg>
-        <pc:picChg chg="add mod">
-          <ac:chgData name="Ke Yu" userId="a844e5b4-5ccb-4234-998f-a7928449601c" providerId="ADAL" clId="{59D05A68-94C7-4C2E-AFE5-03440830F8E3}" dt="2024-02-16T13:36:50.941" v="47" actId="1076"/>
-          <ac:picMkLst>
-            <pc:docMk/>
-            <pc:sldMk cId="417035385" sldId="259"/>
-            <ac:picMk id="6" creationId="{AB545736-037D-5684-747C-08469799B50E}"/>
-          </ac:picMkLst>
-        </pc:picChg>
-        <pc:picChg chg="del">
-          <ac:chgData name="Ke Yu" userId="a844e5b4-5ccb-4234-998f-a7928449601c" providerId="ADAL" clId="{59D05A68-94C7-4C2E-AFE5-03440830F8E3}" dt="2024-02-16T13:35:47.705" v="27" actId="478"/>
-          <ac:picMkLst>
-            <pc:docMk/>
-            <pc:sldMk cId="417035385" sldId="259"/>
-            <ac:picMk id="7" creationId="{501372AB-CBEA-78E5-7FD9-E864634F789F}"/>
-          </ac:picMkLst>
-        </pc:picChg>
-        <pc:picChg chg="add del">
-          <ac:chgData name="Ke Yu" userId="a844e5b4-5ccb-4234-998f-a7928449601c" providerId="ADAL" clId="{59D05A68-94C7-4C2E-AFE5-03440830F8E3}" dt="2024-02-16T13:36:11.123" v="36" actId="478"/>
-          <ac:picMkLst>
-            <pc:docMk/>
-            <pc:sldMk cId="417035385" sldId="259"/>
-            <ac:picMk id="9" creationId="{EA7B3308-43E1-6358-3DF0-59C6F4137E39}"/>
-          </ac:picMkLst>
-        </pc:picChg>
-        <pc:picChg chg="del">
-          <ac:chgData name="Ke Yu" userId="a844e5b4-5ccb-4234-998f-a7928449601c" providerId="ADAL" clId="{59D05A68-94C7-4C2E-AFE5-03440830F8E3}" dt="2024-02-16T13:36:11.686" v="37" actId="478"/>
-          <ac:picMkLst>
-            <pc:docMk/>
-            <pc:sldMk cId="417035385" sldId="259"/>
-            <ac:picMk id="11" creationId="{298184CD-0B74-ED70-ABE7-FA1B18EF2A75}"/>
-          </ac:picMkLst>
-        </pc:picChg>
-      </pc:sldChg>
-      <pc:sldChg chg="delSp del mod">
-        <pc:chgData name="Ke Yu" userId="a844e5b4-5ccb-4234-998f-a7928449601c" providerId="ADAL" clId="{59D05A68-94C7-4C2E-AFE5-03440830F8E3}" dt="2024-02-16T13:37:13.749" v="55" actId="47"/>
-        <pc:sldMkLst>
-          <pc:docMk/>
-          <pc:sldMk cId="1089968523" sldId="260"/>
-        </pc:sldMkLst>
-        <pc:picChg chg="del">
-          <ac:chgData name="Ke Yu" userId="a844e5b4-5ccb-4234-998f-a7928449601c" providerId="ADAL" clId="{59D05A68-94C7-4C2E-AFE5-03440830F8E3}" dt="2024-02-16T13:37:06.702" v="54" actId="478"/>
-          <ac:picMkLst>
-            <pc:docMk/>
-            <pc:sldMk cId="1089968523" sldId="260"/>
-            <ac:picMk id="4" creationId="{6095C752-374D-2008-26C2-AF1A30463F07}"/>
-          </ac:picMkLst>
-        </pc:picChg>
-        <pc:picChg chg="del">
-          <ac:chgData name="Ke Yu" userId="a844e5b4-5ccb-4234-998f-a7928449601c" providerId="ADAL" clId="{59D05A68-94C7-4C2E-AFE5-03440830F8E3}" dt="2024-02-16T13:37:06.301" v="53" actId="478"/>
-          <ac:picMkLst>
-            <pc:docMk/>
-            <pc:sldMk cId="1089968523" sldId="260"/>
-            <ac:picMk id="7" creationId="{501372AB-CBEA-78E5-7FD9-E864634F789F}"/>
-          </ac:picMkLst>
-        </pc:picChg>
-      </pc:sldChg>
-      <pc:sldChg chg="addSp delSp modSp mod">
-        <pc:chgData name="Ke Yu" userId="a844e5b4-5ccb-4234-998f-a7928449601c" providerId="ADAL" clId="{59D05A68-94C7-4C2E-AFE5-03440830F8E3}" dt="2024-02-20T21:34:39.511" v="96" actId="1076"/>
-        <pc:sldMkLst>
-          <pc:docMk/>
-          <pc:sldMk cId="1305422810" sldId="261"/>
-        </pc:sldMkLst>
-        <pc:spChg chg="mod">
-          <ac:chgData name="Ke Yu" userId="a844e5b4-5ccb-4234-998f-a7928449601c" providerId="ADAL" clId="{59D05A68-94C7-4C2E-AFE5-03440830F8E3}" dt="2024-02-16T13:38:18.739" v="69" actId="20577"/>
-          <ac:spMkLst>
-            <pc:docMk/>
-            <pc:sldMk cId="1305422810" sldId="261"/>
-            <ac:spMk id="5" creationId="{21C4A721-3DAD-6E9D-568B-15082F055CD3}"/>
-          </ac:spMkLst>
-        </pc:spChg>
-        <pc:picChg chg="del">
-          <ac:chgData name="Ke Yu" userId="a844e5b4-5ccb-4234-998f-a7928449601c" providerId="ADAL" clId="{59D05A68-94C7-4C2E-AFE5-03440830F8E3}" dt="2024-02-16T13:37:58.774" v="56" actId="478"/>
-          <ac:picMkLst>
-            <pc:docMk/>
-            <pc:sldMk cId="1305422810" sldId="261"/>
-            <ac:picMk id="3" creationId="{5216DFE5-FF07-E5DF-69CB-A76E909762D6}"/>
-          </ac:picMkLst>
-        </pc:picChg>
-        <pc:picChg chg="add mod">
-          <ac:chgData name="Ke Yu" userId="a844e5b4-5ccb-4234-998f-a7928449601c" providerId="ADAL" clId="{59D05A68-94C7-4C2E-AFE5-03440830F8E3}" dt="2024-02-20T21:34:39.511" v="96" actId="1076"/>
-          <ac:picMkLst>
-            <pc:docMk/>
-            <pc:sldMk cId="1305422810" sldId="261"/>
-            <ac:picMk id="3" creationId="{58752C8D-F265-6E04-2E31-72766655B3BB}"/>
-          </ac:picMkLst>
-        </pc:picChg>
-        <pc:picChg chg="add del mod">
-          <ac:chgData name="Ke Yu" userId="a844e5b4-5ccb-4234-998f-a7928449601c" providerId="ADAL" clId="{59D05A68-94C7-4C2E-AFE5-03440830F8E3}" dt="2024-02-20T21:34:31.663" v="91" actId="478"/>
-          <ac:picMkLst>
-            <pc:docMk/>
-            <pc:sldMk cId="1305422810" sldId="261"/>
-            <ac:picMk id="4" creationId="{F18455CE-1EA7-0E18-D9D7-2BDF71047018}"/>
-          </ac:picMkLst>
-        </pc:picChg>
-        <pc:picChg chg="del">
-          <ac:chgData name="Ke Yu" userId="a844e5b4-5ccb-4234-998f-a7928449601c" providerId="ADAL" clId="{59D05A68-94C7-4C2E-AFE5-03440830F8E3}" dt="2024-02-16T13:37:59.347" v="57" actId="478"/>
-          <ac:picMkLst>
-            <pc:docMk/>
-            <pc:sldMk cId="1305422810" sldId="261"/>
-            <ac:picMk id="7" creationId="{501372AB-CBEA-78E5-7FD9-E864634F789F}"/>
-          </ac:picMkLst>
-        </pc:picChg>
-      </pc:sldChg>
-      <pc:sldChg chg="del">
-        <pc:chgData name="Ke Yu" userId="a844e5b4-5ccb-4234-998f-a7928449601c" providerId="ADAL" clId="{59D05A68-94C7-4C2E-AFE5-03440830F8E3}" dt="2024-02-16T13:37:03.168" v="52" actId="2696"/>
-        <pc:sldMkLst>
-          <pc:docMk/>
-          <pc:sldMk cId="3043033448" sldId="262"/>
-        </pc:sldMkLst>
-      </pc:sldChg>
-      <pc:sldChg chg="delSp modSp add mod">
-        <pc:chgData name="Ke Yu" userId="a844e5b4-5ccb-4234-998f-a7928449601c" providerId="ADAL" clId="{59D05A68-94C7-4C2E-AFE5-03440830F8E3}" dt="2024-02-16T15:49:12.872" v="75" actId="20577"/>
-        <pc:sldMkLst>
-          <pc:docMk/>
-          <pc:sldMk cId="3947339288" sldId="262"/>
-        </pc:sldMkLst>
-        <pc:spChg chg="del">
-          <ac:chgData name="Ke Yu" userId="a844e5b4-5ccb-4234-998f-a7928449601c" providerId="ADAL" clId="{59D05A68-94C7-4C2E-AFE5-03440830F8E3}" dt="2024-02-16T13:40:36.305" v="72" actId="478"/>
-          <ac:spMkLst>
-            <pc:docMk/>
-            <pc:sldMk cId="3947339288" sldId="262"/>
-            <ac:spMk id="7" creationId="{57531E8B-C3BB-C11D-8BEA-5687EDBF9F95}"/>
-          </ac:spMkLst>
-        </pc:spChg>
-        <pc:spChg chg="mod">
-          <ac:chgData name="Ke Yu" userId="a844e5b4-5ccb-4234-998f-a7928449601c" providerId="ADAL" clId="{59D05A68-94C7-4C2E-AFE5-03440830F8E3}" dt="2024-02-16T15:49:12.872" v="75" actId="20577"/>
-          <ac:spMkLst>
-            <pc:docMk/>
-            <pc:sldMk cId="3947339288" sldId="262"/>
-            <ac:spMk id="8" creationId="{F268D96E-4722-3F01-743B-5845FAD723F1}"/>
-          </ac:spMkLst>
-        </pc:spChg>
-        <pc:picChg chg="mod">
-          <ac:chgData name="Ke Yu" userId="a844e5b4-5ccb-4234-998f-a7928449601c" providerId="ADAL" clId="{59D05A68-94C7-4C2E-AFE5-03440830F8E3}" dt="2024-02-16T13:40:49.732" v="73" actId="1076"/>
-          <ac:picMkLst>
-            <pc:docMk/>
-            <pc:sldMk cId="3947339288" sldId="262"/>
-            <ac:picMk id="3" creationId="{20C0CF02-6C41-95B8-884A-9F3D417E5E84}"/>
-          </ac:picMkLst>
-        </pc:picChg>
-      </pc:sldChg>
-    </pc:docChg>
-  </pc:docChgLst>
-  <pc:docChgLst>
-    <pc:chgData name="Ke Yu" userId="a844e5b4-5ccb-4234-998f-a7928449601c" providerId="ADAL" clId="{D0F47325-74C3-40D2-8CCD-80CCCBB5BD2B}"/>
-    <pc:docChg chg="undo redo custSel addSld delSld modSld">
-      <pc:chgData name="Ke Yu" userId="a844e5b4-5ccb-4234-998f-a7928449601c" providerId="ADAL" clId="{D0F47325-74C3-40D2-8CCD-80CCCBB5BD2B}" dt="2024-04-22T19:42:27.569" v="260" actId="20577"/>
-      <pc:docMkLst>
-        <pc:docMk/>
-      </pc:docMkLst>
-      <pc:sldChg chg="addSp delSp modSp mod">
-        <pc:chgData name="Ke Yu" userId="a844e5b4-5ccb-4234-998f-a7928449601c" providerId="ADAL" clId="{D0F47325-74C3-40D2-8CCD-80CCCBB5BD2B}" dt="2024-04-22T19:33:04.610" v="109" actId="20577"/>
-        <pc:sldMkLst>
-          <pc:docMk/>
-          <pc:sldMk cId="417035385" sldId="259"/>
-        </pc:sldMkLst>
-        <pc:spChg chg="add mod">
-          <ac:chgData name="Ke Yu" userId="a844e5b4-5ccb-4234-998f-a7928449601c" providerId="ADAL" clId="{D0F47325-74C3-40D2-8CCD-80CCCBB5BD2B}" dt="2024-04-22T19:30:33.510" v="99"/>
-          <ac:spMkLst>
-            <pc:docMk/>
-            <pc:sldMk cId="417035385" sldId="259"/>
-            <ac:spMk id="2" creationId="{500BD486-D484-A5D3-8082-26B5D99950CD}"/>
-          </ac:spMkLst>
-        </pc:spChg>
-        <pc:spChg chg="add mod">
-          <ac:chgData name="Ke Yu" userId="a844e5b4-5ccb-4234-998f-a7928449601c" providerId="ADAL" clId="{D0F47325-74C3-40D2-8CCD-80CCCBB5BD2B}" dt="2024-04-22T19:30:33.510" v="99"/>
-          <ac:spMkLst>
-            <pc:docMk/>
-            <pc:sldMk cId="417035385" sldId="259"/>
-            <ac:spMk id="3" creationId="{0A246849-EB3A-456D-8A56-F917453E41BC}"/>
-          </ac:spMkLst>
-        </pc:spChg>
-        <pc:spChg chg="del">
-          <ac:chgData name="Ke Yu" userId="a844e5b4-5ccb-4234-998f-a7928449601c" providerId="ADAL" clId="{D0F47325-74C3-40D2-8CCD-80CCCBB5BD2B}" dt="2024-04-22T19:30:38.616" v="100" actId="478"/>
-          <ac:spMkLst>
-            <pc:docMk/>
-            <pc:sldMk cId="417035385" sldId="259"/>
-            <ac:spMk id="5" creationId="{21C4A721-3DAD-6E9D-568B-15082F055CD3}"/>
-          </ac:spMkLst>
-        </pc:spChg>
-        <pc:spChg chg="del mod">
-          <ac:chgData name="Ke Yu" userId="a844e5b4-5ccb-4234-998f-a7928449601c" providerId="ADAL" clId="{D0F47325-74C3-40D2-8CCD-80CCCBB5BD2B}" dt="2024-04-22T19:30:38.616" v="100" actId="478"/>
-          <ac:spMkLst>
-            <pc:docMk/>
-            <pc:sldMk cId="417035385" sldId="259"/>
-            <ac:spMk id="7" creationId="{AEDF9CCA-7EF7-332B-D578-A7B5DAFD44B9}"/>
-          </ac:spMkLst>
-        </pc:spChg>
-        <pc:spChg chg="del">
-          <ac:chgData name="Ke Yu" userId="a844e5b4-5ccb-4234-998f-a7928449601c" providerId="ADAL" clId="{D0F47325-74C3-40D2-8CCD-80CCCBB5BD2B}" dt="2024-04-22T19:30:38.616" v="100" actId="478"/>
-          <ac:spMkLst>
-            <pc:docMk/>
-            <pc:sldMk cId="417035385" sldId="259"/>
-            <ac:spMk id="8" creationId="{2A096D52-15D5-F97C-259F-3407C096B589}"/>
-          </ac:spMkLst>
-        </pc:spChg>
-        <pc:spChg chg="del">
-          <ac:chgData name="Ke Yu" userId="a844e5b4-5ccb-4234-998f-a7928449601c" providerId="ADAL" clId="{D0F47325-74C3-40D2-8CCD-80CCCBB5BD2B}" dt="2024-04-22T19:30:38.616" v="100" actId="478"/>
-          <ac:spMkLst>
-            <pc:docMk/>
-            <pc:sldMk cId="417035385" sldId="259"/>
-            <ac:spMk id="9" creationId="{6D69ECCC-FA4C-BB40-C263-DF98F362EB7F}"/>
-          </ac:spMkLst>
-        </pc:spChg>
-        <pc:spChg chg="del mod">
-          <ac:chgData name="Ke Yu" userId="a844e5b4-5ccb-4234-998f-a7928449601c" providerId="ADAL" clId="{D0F47325-74C3-40D2-8CCD-80CCCBB5BD2B}" dt="2024-04-22T19:30:38.616" v="100" actId="478"/>
-          <ac:spMkLst>
-            <pc:docMk/>
-            <pc:sldMk cId="417035385" sldId="259"/>
-            <ac:spMk id="10" creationId="{EA3A2357-300A-C50B-6A42-31BA8F073E82}"/>
-          </ac:spMkLst>
-        </pc:spChg>
-        <pc:spChg chg="del mod">
-          <ac:chgData name="Ke Yu" userId="a844e5b4-5ccb-4234-998f-a7928449601c" providerId="ADAL" clId="{D0F47325-74C3-40D2-8CCD-80CCCBB5BD2B}" dt="2024-04-22T19:30:38.616" v="100" actId="478"/>
-          <ac:spMkLst>
-            <pc:docMk/>
-            <pc:sldMk cId="417035385" sldId="259"/>
-            <ac:spMk id="11" creationId="{4466A95B-C010-2734-D4C9-E4640046D95C}"/>
-          </ac:spMkLst>
-        </pc:spChg>
-        <pc:spChg chg="add mod">
-          <ac:chgData name="Ke Yu" userId="a844e5b4-5ccb-4234-998f-a7928449601c" providerId="ADAL" clId="{D0F47325-74C3-40D2-8CCD-80CCCBB5BD2B}" dt="2024-04-22T19:30:33.510" v="99"/>
-          <ac:spMkLst>
-            <pc:docMk/>
-            <pc:sldMk cId="417035385" sldId="259"/>
-            <ac:spMk id="13" creationId="{9AD827D4-BD08-F3FA-52F1-D9AA9B2E2E49}"/>
-          </ac:spMkLst>
-        </pc:spChg>
-        <pc:spChg chg="add mod">
-          <ac:chgData name="Ke Yu" userId="a844e5b4-5ccb-4234-998f-a7928449601c" providerId="ADAL" clId="{D0F47325-74C3-40D2-8CCD-80CCCBB5BD2B}" dt="2024-04-22T19:30:33.510" v="99"/>
-          <ac:spMkLst>
-            <pc:docMk/>
-            <pc:sldMk cId="417035385" sldId="259"/>
-            <ac:spMk id="14" creationId="{47977532-19F8-9DC4-89E3-F79BAA202DD4}"/>
-          </ac:spMkLst>
-        </pc:spChg>
-        <pc:spChg chg="del">
-          <ac:chgData name="Ke Yu" userId="a844e5b4-5ccb-4234-998f-a7928449601c" providerId="ADAL" clId="{D0F47325-74C3-40D2-8CCD-80CCCBB5BD2B}" dt="2024-04-16T19:06:14.983" v="34" actId="478"/>
-          <ac:spMkLst>
-            <pc:docMk/>
-            <pc:sldMk cId="417035385" sldId="259"/>
-            <ac:spMk id="14" creationId="{C01304B9-5100-D692-06DE-10FE40CAF6F5}"/>
-          </ac:spMkLst>
-        </pc:spChg>
-        <pc:spChg chg="add del mod">
-          <ac:chgData name="Ke Yu" userId="a844e5b4-5ccb-4234-998f-a7928449601c" providerId="ADAL" clId="{D0F47325-74C3-40D2-8CCD-80CCCBB5BD2B}" dt="2024-04-22T19:30:38.616" v="100" actId="478"/>
-          <ac:spMkLst>
-            <pc:docMk/>
-            <pc:sldMk cId="417035385" sldId="259"/>
-            <ac:spMk id="15" creationId="{3629D4A1-497F-E8F3-2C1F-E7241288D6C3}"/>
-          </ac:spMkLst>
-        </pc:spChg>
-        <pc:spChg chg="add mod">
-          <ac:chgData name="Ke Yu" userId="a844e5b4-5ccb-4234-998f-a7928449601c" providerId="ADAL" clId="{D0F47325-74C3-40D2-8CCD-80CCCBB5BD2B}" dt="2024-04-22T19:30:33.510" v="99"/>
-          <ac:spMkLst>
-            <pc:docMk/>
-            <pc:sldMk cId="417035385" sldId="259"/>
-            <ac:spMk id="16" creationId="{09CA1585-711E-7387-866E-7C850E23826C}"/>
-          </ac:spMkLst>
-        </pc:spChg>
-        <pc:spChg chg="mod">
-          <ac:chgData name="Ke Yu" userId="a844e5b4-5ccb-4234-998f-a7928449601c" providerId="ADAL" clId="{D0F47325-74C3-40D2-8CCD-80CCCBB5BD2B}" dt="2024-04-22T19:30:33.510" v="99"/>
-          <ac:spMkLst>
-            <pc:docMk/>
-            <pc:sldMk cId="417035385" sldId="259"/>
-            <ac:spMk id="19" creationId="{00FCB414-4440-E9CD-58F4-153B57B56ECA}"/>
-          </ac:spMkLst>
-        </pc:spChg>
-        <pc:spChg chg="mod">
-          <ac:chgData name="Ke Yu" userId="a844e5b4-5ccb-4234-998f-a7928449601c" providerId="ADAL" clId="{D0F47325-74C3-40D2-8CCD-80CCCBB5BD2B}" dt="2024-04-22T19:30:33.510" v="99"/>
-          <ac:spMkLst>
-            <pc:docMk/>
-            <pc:sldMk cId="417035385" sldId="259"/>
-            <ac:spMk id="20" creationId="{EC8F4E02-63F2-2723-50F5-9958F1DF3ADC}"/>
-          </ac:spMkLst>
-        </pc:spChg>
-        <pc:spChg chg="mod">
-          <ac:chgData name="Ke Yu" userId="a844e5b4-5ccb-4234-998f-a7928449601c" providerId="ADAL" clId="{D0F47325-74C3-40D2-8CCD-80CCCBB5BD2B}" dt="2024-04-22T19:30:33.510" v="99"/>
-          <ac:spMkLst>
-            <pc:docMk/>
-            <pc:sldMk cId="417035385" sldId="259"/>
-            <ac:spMk id="29" creationId="{773949DA-1519-96F3-C175-702EBA844BE1}"/>
-          </ac:spMkLst>
-        </pc:spChg>
-        <pc:spChg chg="add mod">
-          <ac:chgData name="Ke Yu" userId="a844e5b4-5ccb-4234-998f-a7928449601c" providerId="ADAL" clId="{D0F47325-74C3-40D2-8CCD-80CCCBB5BD2B}" dt="2024-04-22T19:30:33.510" v="99"/>
-          <ac:spMkLst>
-            <pc:docMk/>
-            <pc:sldMk cId="417035385" sldId="259"/>
-            <ac:spMk id="34" creationId="{71ECE6A6-F12B-942D-E134-0A79BD3D8427}"/>
-          </ac:spMkLst>
-        </pc:spChg>
-        <pc:spChg chg="add mod">
-          <ac:chgData name="Ke Yu" userId="a844e5b4-5ccb-4234-998f-a7928449601c" providerId="ADAL" clId="{D0F47325-74C3-40D2-8CCD-80CCCBB5BD2B}" dt="2024-04-22T19:30:33.510" v="99"/>
-          <ac:spMkLst>
-            <pc:docMk/>
-            <pc:sldMk cId="417035385" sldId="259"/>
-            <ac:spMk id="35" creationId="{2EA3FE17-F569-BF10-A959-AEFF0159325B}"/>
-          </ac:spMkLst>
-        </pc:spChg>
-        <pc:spChg chg="add mod">
-          <ac:chgData name="Ke Yu" userId="a844e5b4-5ccb-4234-998f-a7928449601c" providerId="ADAL" clId="{D0F47325-74C3-40D2-8CCD-80CCCBB5BD2B}" dt="2024-04-22T19:30:33.510" v="99"/>
-          <ac:spMkLst>
-            <pc:docMk/>
-            <pc:sldMk cId="417035385" sldId="259"/>
-            <ac:spMk id="36" creationId="{F69C8ED4-9878-53B7-3898-EEBCD6E2BE49}"/>
-          </ac:spMkLst>
-        </pc:spChg>
-        <pc:spChg chg="add mod">
-          <ac:chgData name="Ke Yu" userId="a844e5b4-5ccb-4234-998f-a7928449601c" providerId="ADAL" clId="{D0F47325-74C3-40D2-8CCD-80CCCBB5BD2B}" dt="2024-04-22T19:30:33.510" v="99"/>
-          <ac:spMkLst>
-            <pc:docMk/>
-            <pc:sldMk cId="417035385" sldId="259"/>
-            <ac:spMk id="38" creationId="{53E7094F-C319-5C42-DD8A-BC5D9F389E82}"/>
-          </ac:spMkLst>
-        </pc:spChg>
-        <pc:spChg chg="add mod">
-          <ac:chgData name="Ke Yu" userId="a844e5b4-5ccb-4234-998f-a7928449601c" providerId="ADAL" clId="{D0F47325-74C3-40D2-8CCD-80CCCBB5BD2B}" dt="2024-04-22T19:30:39.707" v="101"/>
-          <ac:spMkLst>
-            <pc:docMk/>
-            <pc:sldMk cId="417035385" sldId="259"/>
-            <ac:spMk id="39" creationId="{AFEBDB52-C857-51DE-2B92-5832B833E149}"/>
-          </ac:spMkLst>
-        </pc:spChg>
-        <pc:spChg chg="add mod">
-          <ac:chgData name="Ke Yu" userId="a844e5b4-5ccb-4234-998f-a7928449601c" providerId="ADAL" clId="{D0F47325-74C3-40D2-8CCD-80CCCBB5BD2B}" dt="2024-04-22T19:30:39.707" v="101"/>
-          <ac:spMkLst>
-            <pc:docMk/>
-            <pc:sldMk cId="417035385" sldId="259"/>
-            <ac:spMk id="40" creationId="{E98EAF6C-EE7C-BA07-51DA-234688DF1A22}"/>
-          </ac:spMkLst>
-        </pc:spChg>
-        <pc:spChg chg="add mod">
-          <ac:chgData name="Ke Yu" userId="a844e5b4-5ccb-4234-998f-a7928449601c" providerId="ADAL" clId="{D0F47325-74C3-40D2-8CCD-80CCCBB5BD2B}" dt="2024-04-22T19:30:39.707" v="101"/>
-          <ac:spMkLst>
-            <pc:docMk/>
-            <pc:sldMk cId="417035385" sldId="259"/>
-            <ac:spMk id="42" creationId="{B27FFD89-515E-9EB1-9B83-25B953F19E2D}"/>
-          </ac:spMkLst>
-        </pc:spChg>
-        <pc:spChg chg="add mod">
-          <ac:chgData name="Ke Yu" userId="a844e5b4-5ccb-4234-998f-a7928449601c" providerId="ADAL" clId="{D0F47325-74C3-40D2-8CCD-80CCCBB5BD2B}" dt="2024-04-22T19:30:39.707" v="101"/>
-          <ac:spMkLst>
-            <pc:docMk/>
-            <pc:sldMk cId="417035385" sldId="259"/>
-            <ac:spMk id="43" creationId="{5CA798D5-022E-23BA-20A2-62263E1AD909}"/>
-          </ac:spMkLst>
-        </pc:spChg>
-        <pc:spChg chg="add mod">
-          <ac:chgData name="Ke Yu" userId="a844e5b4-5ccb-4234-998f-a7928449601c" providerId="ADAL" clId="{D0F47325-74C3-40D2-8CCD-80CCCBB5BD2B}" dt="2024-04-22T19:33:04.610" v="109" actId="20577"/>
-          <ac:spMkLst>
-            <pc:docMk/>
-            <pc:sldMk cId="417035385" sldId="259"/>
-            <ac:spMk id="44" creationId="{FA67A93E-AB75-BC97-34BF-B1012A2663D4}"/>
-          </ac:spMkLst>
-        </pc:spChg>
-        <pc:spChg chg="mod">
-          <ac:chgData name="Ke Yu" userId="a844e5b4-5ccb-4234-998f-a7928449601c" providerId="ADAL" clId="{D0F47325-74C3-40D2-8CCD-80CCCBB5BD2B}" dt="2024-04-22T19:30:39.707" v="101"/>
-          <ac:spMkLst>
-            <pc:docMk/>
-            <pc:sldMk cId="417035385" sldId="259"/>
-            <ac:spMk id="47" creationId="{A3509308-C84B-DCCB-86B1-9477A35F13CF}"/>
-          </ac:spMkLst>
-        </pc:spChg>
-        <pc:spChg chg="mod">
-          <ac:chgData name="Ke Yu" userId="a844e5b4-5ccb-4234-998f-a7928449601c" providerId="ADAL" clId="{D0F47325-74C3-40D2-8CCD-80CCCBB5BD2B}" dt="2024-04-22T19:30:39.707" v="101"/>
-          <ac:spMkLst>
-            <pc:docMk/>
-            <pc:sldMk cId="417035385" sldId="259"/>
-            <ac:spMk id="48" creationId="{A2460A31-084C-6A40-C301-9E32D4968F02}"/>
-          </ac:spMkLst>
-        </pc:spChg>
-        <pc:spChg chg="mod">
-          <ac:chgData name="Ke Yu" userId="a844e5b4-5ccb-4234-998f-a7928449601c" providerId="ADAL" clId="{D0F47325-74C3-40D2-8CCD-80CCCBB5BD2B}" dt="2024-04-22T19:30:39.707" v="101"/>
-          <ac:spMkLst>
-            <pc:docMk/>
-            <pc:sldMk cId="417035385" sldId="259"/>
-            <ac:spMk id="49" creationId="{9D2CD793-02BE-68A4-2123-499CDC9666DC}"/>
-          </ac:spMkLst>
-        </pc:spChg>
-        <pc:spChg chg="add mod">
-          <ac:chgData name="Ke Yu" userId="a844e5b4-5ccb-4234-998f-a7928449601c" providerId="ADAL" clId="{D0F47325-74C3-40D2-8CCD-80CCCBB5BD2B}" dt="2024-04-22T19:30:39.707" v="101"/>
-          <ac:spMkLst>
-            <pc:docMk/>
-            <pc:sldMk cId="417035385" sldId="259"/>
-            <ac:spMk id="54" creationId="{D26C5063-432D-0D05-A035-69430D219A8C}"/>
-          </ac:spMkLst>
-        </pc:spChg>
-        <pc:spChg chg="add mod">
-          <ac:chgData name="Ke Yu" userId="a844e5b4-5ccb-4234-998f-a7928449601c" providerId="ADAL" clId="{D0F47325-74C3-40D2-8CCD-80CCCBB5BD2B}" dt="2024-04-22T19:30:39.707" v="101"/>
-          <ac:spMkLst>
-            <pc:docMk/>
-            <pc:sldMk cId="417035385" sldId="259"/>
-            <ac:spMk id="55" creationId="{962308B0-E998-EBFE-026C-53BED932FB6C}"/>
-          </ac:spMkLst>
-        </pc:spChg>
-        <pc:spChg chg="add mod">
-          <ac:chgData name="Ke Yu" userId="a844e5b4-5ccb-4234-998f-a7928449601c" providerId="ADAL" clId="{D0F47325-74C3-40D2-8CCD-80CCCBB5BD2B}" dt="2024-04-22T19:30:39.707" v="101"/>
-          <ac:spMkLst>
-            <pc:docMk/>
-            <pc:sldMk cId="417035385" sldId="259"/>
-            <ac:spMk id="56" creationId="{DE7103F5-8F33-54F9-CCCE-5B2724D4D72A}"/>
-          </ac:spMkLst>
-        </pc:spChg>
-        <pc:spChg chg="add mod">
-          <ac:chgData name="Ke Yu" userId="a844e5b4-5ccb-4234-998f-a7928449601c" providerId="ADAL" clId="{D0F47325-74C3-40D2-8CCD-80CCCBB5BD2B}" dt="2024-04-22T19:30:39.707" v="101"/>
-          <ac:spMkLst>
-            <pc:docMk/>
-            <pc:sldMk cId="417035385" sldId="259"/>
-            <ac:spMk id="58" creationId="{74B8D48F-3C0A-EEE8-5067-AA7F028E6ADC}"/>
-          </ac:spMkLst>
-        </pc:spChg>
-        <pc:grpChg chg="add mod">
-          <ac:chgData name="Ke Yu" userId="a844e5b4-5ccb-4234-998f-a7928449601c" providerId="ADAL" clId="{D0F47325-74C3-40D2-8CCD-80CCCBB5BD2B}" dt="2024-04-22T19:30:33.510" v="99"/>
-          <ac:grpSpMkLst>
-            <pc:docMk/>
-            <pc:sldMk cId="417035385" sldId="259"/>
-            <ac:grpSpMk id="17" creationId="{6A7A2B38-0E58-5580-0F22-33A2AAE5FEF4}"/>
-          </ac:grpSpMkLst>
-        </pc:grpChg>
-        <pc:grpChg chg="mod">
-          <ac:chgData name="Ke Yu" userId="a844e5b4-5ccb-4234-998f-a7928449601c" providerId="ADAL" clId="{D0F47325-74C3-40D2-8CCD-80CCCBB5BD2B}" dt="2024-04-22T19:30:33.510" v="99"/>
-          <ac:grpSpMkLst>
-            <pc:docMk/>
-            <pc:sldMk cId="417035385" sldId="259"/>
-            <ac:grpSpMk id="18" creationId="{9577CA39-E707-5ED6-7C45-69DA20CB2E04}"/>
-          </ac:grpSpMkLst>
-        </pc:grpChg>
-        <pc:grpChg chg="del">
-          <ac:chgData name="Ke Yu" userId="a844e5b4-5ccb-4234-998f-a7928449601c" providerId="ADAL" clId="{D0F47325-74C3-40D2-8CCD-80CCCBB5BD2B}" dt="2024-04-22T19:30:38.616" v="100" actId="478"/>
-          <ac:grpSpMkLst>
-            <pc:docMk/>
-            <pc:sldMk cId="417035385" sldId="259"/>
-            <ac:grpSpMk id="21" creationId="{0D916AA9-1B66-082F-7A6E-D9C8D7EABF3B}"/>
-          </ac:grpSpMkLst>
-        </pc:grpChg>
-        <pc:grpChg chg="add mod">
-          <ac:chgData name="Ke Yu" userId="a844e5b4-5ccb-4234-998f-a7928449601c" providerId="ADAL" clId="{D0F47325-74C3-40D2-8CCD-80CCCBB5BD2B}" dt="2024-04-22T19:30:39.707" v="101"/>
-          <ac:grpSpMkLst>
-            <pc:docMk/>
-            <pc:sldMk cId="417035385" sldId="259"/>
-            <ac:grpSpMk id="45" creationId="{DAE0C9D0-3260-B264-320F-85A670562F6A}"/>
-          </ac:grpSpMkLst>
-        </pc:grpChg>
-        <pc:grpChg chg="mod">
-          <ac:chgData name="Ke Yu" userId="a844e5b4-5ccb-4234-998f-a7928449601c" providerId="ADAL" clId="{D0F47325-74C3-40D2-8CCD-80CCCBB5BD2B}" dt="2024-04-22T19:30:39.707" v="101"/>
-          <ac:grpSpMkLst>
-            <pc:docMk/>
-            <pc:sldMk cId="417035385" sldId="259"/>
-            <ac:grpSpMk id="46" creationId="{409CAA98-283A-7875-2360-968C2FF247FA}"/>
-          </ac:grpSpMkLst>
-        </pc:grpChg>
-        <pc:picChg chg="del">
-          <ac:chgData name="Ke Yu" userId="a844e5b4-5ccb-4234-998f-a7928449601c" providerId="ADAL" clId="{D0F47325-74C3-40D2-8CCD-80CCCBB5BD2B}" dt="2024-04-16T19:06:11.809" v="33" actId="478"/>
-          <ac:picMkLst>
-            <pc:docMk/>
-            <pc:sldMk cId="417035385" sldId="259"/>
-            <ac:picMk id="2" creationId="{E2A2D2EB-B4B4-10DB-E405-265438F40888}"/>
-          </ac:picMkLst>
-        </pc:picChg>
-        <pc:picChg chg="del">
-          <ac:chgData name="Ke Yu" userId="a844e5b4-5ccb-4234-998f-a7928449601c" providerId="ADAL" clId="{D0F47325-74C3-40D2-8CCD-80CCCBB5BD2B}" dt="2024-04-22T19:30:38.616" v="100" actId="478"/>
-          <ac:picMkLst>
-            <pc:docMk/>
-            <pc:sldMk cId="417035385" sldId="259"/>
-            <ac:picMk id="4" creationId="{00520B4B-8968-A8B0-FEC0-037C84578135}"/>
-          </ac:picMkLst>
-        </pc:picChg>
-        <pc:picChg chg="add mod">
-          <ac:chgData name="Ke Yu" userId="a844e5b4-5ccb-4234-998f-a7928449601c" providerId="ADAL" clId="{D0F47325-74C3-40D2-8CCD-80CCCBB5BD2B}" dt="2024-04-22T19:30:33.510" v="99"/>
-          <ac:picMkLst>
-            <pc:docMk/>
-            <pc:sldMk cId="417035385" sldId="259"/>
-            <ac:picMk id="12" creationId="{13F60FB3-8655-89E8-17E9-FDF4B0049812}"/>
-          </ac:picMkLst>
-        </pc:picChg>
-        <pc:picChg chg="del">
-          <ac:chgData name="Ke Yu" userId="a844e5b4-5ccb-4234-998f-a7928449601c" providerId="ADAL" clId="{D0F47325-74C3-40D2-8CCD-80CCCBB5BD2B}" dt="2024-04-16T19:06:09.413" v="32" actId="478"/>
-          <ac:picMkLst>
-            <pc:docMk/>
-            <pc:sldMk cId="417035385" sldId="259"/>
-            <ac:picMk id="20" creationId="{EDA731F7-45FB-B655-A680-282BF382FC85}"/>
-          </ac:picMkLst>
-        </pc:picChg>
-        <pc:picChg chg="add mod">
-          <ac:chgData name="Ke Yu" userId="a844e5b4-5ccb-4234-998f-a7928449601c" providerId="ADAL" clId="{D0F47325-74C3-40D2-8CCD-80CCCBB5BD2B}" dt="2024-04-22T19:30:39.707" v="101"/>
-          <ac:picMkLst>
-            <pc:docMk/>
-            <pc:sldMk cId="417035385" sldId="259"/>
-            <ac:picMk id="41" creationId="{7B3C4CA2-697F-527F-7354-E2513B15A9C8}"/>
-          </ac:picMkLst>
-        </pc:picChg>
-        <pc:picChg chg="add del mod ord">
-          <ac:chgData name="Ke Yu" userId="a844e5b4-5ccb-4234-998f-a7928449601c" providerId="ADAL" clId="{D0F47325-74C3-40D2-8CCD-80CCCBB5BD2B}" dt="2024-04-22T19:32:39.817" v="105" actId="478"/>
-          <ac:picMkLst>
-            <pc:docMk/>
-            <pc:sldMk cId="417035385" sldId="259"/>
-            <ac:picMk id="59" creationId="{15085A5D-2D55-F174-46B9-1B7C3FD02086}"/>
-          </ac:picMkLst>
-        </pc:picChg>
-        <pc:picChg chg="add mod ord">
-          <ac:chgData name="Ke Yu" userId="a844e5b4-5ccb-4234-998f-a7928449601c" providerId="ADAL" clId="{D0F47325-74C3-40D2-8CCD-80CCCBB5BD2B}" dt="2024-04-22T19:32:53.388" v="107" actId="1076"/>
-          <ac:picMkLst>
-            <pc:docMk/>
-            <pc:sldMk cId="417035385" sldId="259"/>
-            <ac:picMk id="60" creationId="{9D50EC85-4098-1F6A-ED56-52CFC9EC1F85}"/>
-          </ac:picMkLst>
-        </pc:picChg>
-        <pc:cxnChg chg="add del mod">
-          <ac:chgData name="Ke Yu" userId="a844e5b4-5ccb-4234-998f-a7928449601c" providerId="ADAL" clId="{D0F47325-74C3-40D2-8CCD-80CCCBB5BD2B}" dt="2024-04-22T19:30:38.616" v="100" actId="478"/>
-          <ac:cxnSpMkLst>
-            <pc:docMk/>
-            <pc:sldMk cId="417035385" sldId="259"/>
-            <ac:cxnSpMk id="6" creationId="{24BDAFB6-C2F6-0F67-1D6B-FBFFBF38CD58}"/>
-          </ac:cxnSpMkLst>
-        </pc:cxnChg>
-        <pc:cxnChg chg="del">
-          <ac:chgData name="Ke Yu" userId="a844e5b4-5ccb-4234-998f-a7928449601c" providerId="ADAL" clId="{D0F47325-74C3-40D2-8CCD-80CCCBB5BD2B}" dt="2024-04-16T19:06:14.983" v="34" actId="478"/>
-          <ac:cxnSpMkLst>
-            <pc:docMk/>
-            <pc:sldMk cId="417035385" sldId="259"/>
-            <ac:cxnSpMk id="13" creationId="{F7E1E06D-2499-2CDB-21FC-8AA5CFB718A4}"/>
-          </ac:cxnSpMkLst>
-        </pc:cxnChg>
-        <pc:cxnChg chg="mod">
-          <ac:chgData name="Ke Yu" userId="a844e5b4-5ccb-4234-998f-a7928449601c" providerId="ADAL" clId="{D0F47325-74C3-40D2-8CCD-80CCCBB5BD2B}" dt="2024-04-22T19:30:33.510" v="99"/>
-          <ac:cxnSpMkLst>
-            <pc:docMk/>
-            <pc:sldMk cId="417035385" sldId="259"/>
-            <ac:cxnSpMk id="30" creationId="{4BD26BE2-974E-613E-5845-315CFFC66A9D}"/>
-          </ac:cxnSpMkLst>
-        </pc:cxnChg>
-        <pc:cxnChg chg="mod">
-          <ac:chgData name="Ke Yu" userId="a844e5b4-5ccb-4234-998f-a7928449601c" providerId="ADAL" clId="{D0F47325-74C3-40D2-8CCD-80CCCBB5BD2B}" dt="2024-04-22T19:30:33.510" v="99"/>
-          <ac:cxnSpMkLst>
-            <pc:docMk/>
-            <pc:sldMk cId="417035385" sldId="259"/>
-            <ac:cxnSpMk id="31" creationId="{4424901C-3F4F-CEC5-9E09-0F1005DDAB01}"/>
-          </ac:cxnSpMkLst>
-        </pc:cxnChg>
-        <pc:cxnChg chg="mod">
-          <ac:chgData name="Ke Yu" userId="a844e5b4-5ccb-4234-998f-a7928449601c" providerId="ADAL" clId="{D0F47325-74C3-40D2-8CCD-80CCCBB5BD2B}" dt="2024-04-22T19:30:33.510" v="99"/>
-          <ac:cxnSpMkLst>
-            <pc:docMk/>
-            <pc:sldMk cId="417035385" sldId="259"/>
-            <ac:cxnSpMk id="32" creationId="{FF103C2F-14C2-2879-0B48-5EA519DABFF5}"/>
-          </ac:cxnSpMkLst>
-        </pc:cxnChg>
-        <pc:cxnChg chg="add mod">
-          <ac:chgData name="Ke Yu" userId="a844e5b4-5ccb-4234-998f-a7928449601c" providerId="ADAL" clId="{D0F47325-74C3-40D2-8CCD-80CCCBB5BD2B}" dt="2024-04-22T19:30:33.510" v="99"/>
-          <ac:cxnSpMkLst>
-            <pc:docMk/>
-            <pc:sldMk cId="417035385" sldId="259"/>
-            <ac:cxnSpMk id="33" creationId="{1265662A-875E-E6D3-AF58-DC08894E8804}"/>
-          </ac:cxnSpMkLst>
-        </pc:cxnChg>
-        <pc:cxnChg chg="add mod">
-          <ac:chgData name="Ke Yu" userId="a844e5b4-5ccb-4234-998f-a7928449601c" providerId="ADAL" clId="{D0F47325-74C3-40D2-8CCD-80CCCBB5BD2B}" dt="2024-04-22T19:30:33.510" v="99"/>
-          <ac:cxnSpMkLst>
-            <pc:docMk/>
-            <pc:sldMk cId="417035385" sldId="259"/>
-            <ac:cxnSpMk id="37" creationId="{31472CAD-5EB0-D961-36AA-9F2CDBFC39FF}"/>
-          </ac:cxnSpMkLst>
-        </pc:cxnChg>
-        <pc:cxnChg chg="mod">
-          <ac:chgData name="Ke Yu" userId="a844e5b4-5ccb-4234-998f-a7928449601c" providerId="ADAL" clId="{D0F47325-74C3-40D2-8CCD-80CCCBB5BD2B}" dt="2024-04-22T19:30:39.707" v="101"/>
-          <ac:cxnSpMkLst>
-            <pc:docMk/>
-            <pc:sldMk cId="417035385" sldId="259"/>
-            <ac:cxnSpMk id="50" creationId="{AFE14ED8-99EC-F694-B324-379D79C6B029}"/>
-          </ac:cxnSpMkLst>
-        </pc:cxnChg>
-        <pc:cxnChg chg="mod">
-          <ac:chgData name="Ke Yu" userId="a844e5b4-5ccb-4234-998f-a7928449601c" providerId="ADAL" clId="{D0F47325-74C3-40D2-8CCD-80CCCBB5BD2B}" dt="2024-04-22T19:30:39.707" v="101"/>
-          <ac:cxnSpMkLst>
-            <pc:docMk/>
-            <pc:sldMk cId="417035385" sldId="259"/>
-            <ac:cxnSpMk id="51" creationId="{99B84D81-3FF9-BEC1-9AC0-205C0C853827}"/>
-          </ac:cxnSpMkLst>
-        </pc:cxnChg>
-        <pc:cxnChg chg="mod">
-          <ac:chgData name="Ke Yu" userId="a844e5b4-5ccb-4234-998f-a7928449601c" providerId="ADAL" clId="{D0F47325-74C3-40D2-8CCD-80CCCBB5BD2B}" dt="2024-04-22T19:30:39.707" v="101"/>
-          <ac:cxnSpMkLst>
-            <pc:docMk/>
-            <pc:sldMk cId="417035385" sldId="259"/>
-            <ac:cxnSpMk id="52" creationId="{9339060C-9A19-C073-E2D3-8D069D0516C3}"/>
-          </ac:cxnSpMkLst>
-        </pc:cxnChg>
-        <pc:cxnChg chg="add mod">
-          <ac:chgData name="Ke Yu" userId="a844e5b4-5ccb-4234-998f-a7928449601c" providerId="ADAL" clId="{D0F47325-74C3-40D2-8CCD-80CCCBB5BD2B}" dt="2024-04-22T19:30:39.707" v="101"/>
-          <ac:cxnSpMkLst>
-            <pc:docMk/>
-            <pc:sldMk cId="417035385" sldId="259"/>
-            <ac:cxnSpMk id="53" creationId="{F14DAC47-1DAF-5AAE-7FE5-2A3612057188}"/>
-          </ac:cxnSpMkLst>
-        </pc:cxnChg>
-        <pc:cxnChg chg="add mod">
-          <ac:chgData name="Ke Yu" userId="a844e5b4-5ccb-4234-998f-a7928449601c" providerId="ADAL" clId="{D0F47325-74C3-40D2-8CCD-80CCCBB5BD2B}" dt="2024-04-22T19:30:39.707" v="101"/>
-          <ac:cxnSpMkLst>
-            <pc:docMk/>
-            <pc:sldMk cId="417035385" sldId="259"/>
-            <ac:cxnSpMk id="57" creationId="{7B33FFCA-492F-7250-1380-6E4B48C83CB8}"/>
-          </ac:cxnSpMkLst>
-        </pc:cxnChg>
-      </pc:sldChg>
-      <pc:sldChg chg="del">
-        <pc:chgData name="Ke Yu" userId="a844e5b4-5ccb-4234-998f-a7928449601c" providerId="ADAL" clId="{D0F47325-74C3-40D2-8CCD-80CCCBB5BD2B}" dt="2024-04-16T19:07:14.428" v="56" actId="47"/>
-        <pc:sldMkLst>
-          <pc:docMk/>
-          <pc:sldMk cId="3511183673" sldId="261"/>
-        </pc:sldMkLst>
-      </pc:sldChg>
-      <pc:sldChg chg="del">
-        <pc:chgData name="Ke Yu" userId="a844e5b4-5ccb-4234-998f-a7928449601c" providerId="ADAL" clId="{D0F47325-74C3-40D2-8CCD-80CCCBB5BD2B}" dt="2024-04-16T19:07:14.428" v="56" actId="47"/>
-        <pc:sldMkLst>
-          <pc:docMk/>
-          <pc:sldMk cId="114077256" sldId="262"/>
-        </pc:sldMkLst>
-      </pc:sldChg>
-      <pc:sldChg chg="addSp delSp modSp">
-        <pc:chgData name="Ke Yu" userId="a844e5b4-5ccb-4234-998f-a7928449601c" providerId="ADAL" clId="{D0F47325-74C3-40D2-8CCD-80CCCBB5BD2B}" dt="2024-04-22T19:33:50.412" v="111"/>
-        <pc:sldMkLst>
-          <pc:docMk/>
-          <pc:sldMk cId="1161377095" sldId="263"/>
-        </pc:sldMkLst>
-        <pc:spChg chg="add mod">
-          <ac:chgData name="Ke Yu" userId="a844e5b4-5ccb-4234-998f-a7928449601c" providerId="ADAL" clId="{D0F47325-74C3-40D2-8CCD-80CCCBB5BD2B}" dt="2024-04-22T19:33:50.412" v="111"/>
-          <ac:spMkLst>
-            <pc:docMk/>
-            <pc:sldMk cId="1161377095" sldId="263"/>
-            <ac:spMk id="3" creationId="{B29F5CC8-D9D8-3795-4882-E9E5F27E44C6}"/>
-          </ac:spMkLst>
-        </pc:spChg>
-        <pc:spChg chg="add mod">
-          <ac:chgData name="Ke Yu" userId="a844e5b4-5ccb-4234-998f-a7928449601c" providerId="ADAL" clId="{D0F47325-74C3-40D2-8CCD-80CCCBB5BD2B}" dt="2024-04-22T19:33:50.412" v="111"/>
-          <ac:spMkLst>
-            <pc:docMk/>
-            <pc:sldMk cId="1161377095" sldId="263"/>
-            <ac:spMk id="4" creationId="{6FEFA0FD-82F4-67C4-A285-A3B8F55823BC}"/>
-          </ac:spMkLst>
-        </pc:spChg>
-        <pc:spChg chg="add mod">
-          <ac:chgData name="Ke Yu" userId="a844e5b4-5ccb-4234-998f-a7928449601c" providerId="ADAL" clId="{D0F47325-74C3-40D2-8CCD-80CCCBB5BD2B}" dt="2024-04-22T19:33:50.412" v="111"/>
-          <ac:spMkLst>
-            <pc:docMk/>
-            <pc:sldMk cId="1161377095" sldId="263"/>
-            <ac:spMk id="5" creationId="{CA6B1CF1-93DD-2B5E-B550-A1FD37C7C63E}"/>
-          </ac:spMkLst>
-        </pc:spChg>
-        <pc:spChg chg="add mod">
-          <ac:chgData name="Ke Yu" userId="a844e5b4-5ccb-4234-998f-a7928449601c" providerId="ADAL" clId="{D0F47325-74C3-40D2-8CCD-80CCCBB5BD2B}" dt="2024-04-22T19:33:50.412" v="111"/>
-          <ac:spMkLst>
-            <pc:docMk/>
-            <pc:sldMk cId="1161377095" sldId="263"/>
-            <ac:spMk id="12" creationId="{60F31112-C489-A79D-58D6-19BA26E23EE9}"/>
-          </ac:spMkLst>
-        </pc:spChg>
-        <pc:spChg chg="add mod">
-          <ac:chgData name="Ke Yu" userId="a844e5b4-5ccb-4234-998f-a7928449601c" providerId="ADAL" clId="{D0F47325-74C3-40D2-8CCD-80CCCBB5BD2B}" dt="2024-04-22T19:33:50.412" v="111"/>
-          <ac:spMkLst>
-            <pc:docMk/>
-            <pc:sldMk cId="1161377095" sldId="263"/>
-            <ac:spMk id="18" creationId="{4212790D-8D64-E63F-DA31-031DF05A56FF}"/>
-          </ac:spMkLst>
-        </pc:spChg>
-        <pc:spChg chg="add mod">
-          <ac:chgData name="Ke Yu" userId="a844e5b4-5ccb-4234-998f-a7928449601c" providerId="ADAL" clId="{D0F47325-74C3-40D2-8CCD-80CCCBB5BD2B}" dt="2024-04-22T19:33:50.412" v="111"/>
-          <ac:spMkLst>
-            <pc:docMk/>
-            <pc:sldMk cId="1161377095" sldId="263"/>
-            <ac:spMk id="20" creationId="{20F394F9-3BBF-592A-2FD6-28F71F6C06DE}"/>
-          </ac:spMkLst>
-        </pc:spChg>
-        <pc:spChg chg="add mod">
-          <ac:chgData name="Ke Yu" userId="a844e5b4-5ccb-4234-998f-a7928449601c" providerId="ADAL" clId="{D0F47325-74C3-40D2-8CCD-80CCCBB5BD2B}" dt="2024-04-22T19:33:50.412" v="111"/>
-          <ac:spMkLst>
-            <pc:docMk/>
-            <pc:sldMk cId="1161377095" sldId="263"/>
-            <ac:spMk id="21" creationId="{1D2A44EF-A1D7-A247-64DA-4FE35FC099D2}"/>
-          </ac:spMkLst>
-        </pc:spChg>
-        <pc:spChg chg="add mod">
-          <ac:chgData name="Ke Yu" userId="a844e5b4-5ccb-4234-998f-a7928449601c" providerId="ADAL" clId="{D0F47325-74C3-40D2-8CCD-80CCCBB5BD2B}" dt="2024-04-22T19:33:50.412" v="111"/>
-          <ac:spMkLst>
-            <pc:docMk/>
-            <pc:sldMk cId="1161377095" sldId="263"/>
-            <ac:spMk id="22" creationId="{C06FE8C9-C6B7-7EAD-3DE8-737507194578}"/>
-          </ac:spMkLst>
-        </pc:spChg>
-        <pc:spChg chg="add mod">
-          <ac:chgData name="Ke Yu" userId="a844e5b4-5ccb-4234-998f-a7928449601c" providerId="ADAL" clId="{D0F47325-74C3-40D2-8CCD-80CCCBB5BD2B}" dt="2024-04-22T19:33:50.412" v="111"/>
-          <ac:spMkLst>
-            <pc:docMk/>
-            <pc:sldMk cId="1161377095" sldId="263"/>
-            <ac:spMk id="23" creationId="{788BB016-1290-F3F2-F84C-930068BCE510}"/>
-          </ac:spMkLst>
-        </pc:spChg>
-        <pc:spChg chg="add mod">
-          <ac:chgData name="Ke Yu" userId="a844e5b4-5ccb-4234-998f-a7928449601c" providerId="ADAL" clId="{D0F47325-74C3-40D2-8CCD-80CCCBB5BD2B}" dt="2024-04-22T19:33:50.412" v="111"/>
-          <ac:spMkLst>
-            <pc:docMk/>
-            <pc:sldMk cId="1161377095" sldId="263"/>
-            <ac:spMk id="24" creationId="{C88B0CC6-565D-81FC-0952-BE5D52247F7C}"/>
-          </ac:spMkLst>
-        </pc:spChg>
-        <pc:spChg chg="add mod">
-          <ac:chgData name="Ke Yu" userId="a844e5b4-5ccb-4234-998f-a7928449601c" providerId="ADAL" clId="{D0F47325-74C3-40D2-8CCD-80CCCBB5BD2B}" dt="2024-04-22T19:33:50.412" v="111"/>
-          <ac:spMkLst>
-            <pc:docMk/>
-            <pc:sldMk cId="1161377095" sldId="263"/>
-            <ac:spMk id="25" creationId="{72BA3FEC-5B5E-7C77-9E97-80385F16A04A}"/>
-          </ac:spMkLst>
-        </pc:spChg>
-        <pc:spChg chg="add mod">
-          <ac:chgData name="Ke Yu" userId="a844e5b4-5ccb-4234-998f-a7928449601c" providerId="ADAL" clId="{D0F47325-74C3-40D2-8CCD-80CCCBB5BD2B}" dt="2024-04-22T19:33:50.412" v="111"/>
-          <ac:spMkLst>
-            <pc:docMk/>
-            <pc:sldMk cId="1161377095" sldId="263"/>
-            <ac:spMk id="26" creationId="{AFE69E12-C6F6-538C-A62E-89E5C7D55FB8}"/>
-          </ac:spMkLst>
-        </pc:spChg>
-        <pc:spChg chg="add mod">
-          <ac:chgData name="Ke Yu" userId="a844e5b4-5ccb-4234-998f-a7928449601c" providerId="ADAL" clId="{D0F47325-74C3-40D2-8CCD-80CCCBB5BD2B}" dt="2024-04-22T19:33:50.412" v="111"/>
-          <ac:spMkLst>
-            <pc:docMk/>
-            <pc:sldMk cId="1161377095" sldId="263"/>
-            <ac:spMk id="27" creationId="{AF1D4D70-ABE4-C182-7325-288ED6E9DEA2}"/>
-          </ac:spMkLst>
-        </pc:spChg>
-        <pc:spChg chg="add mod">
-          <ac:chgData name="Ke Yu" userId="a844e5b4-5ccb-4234-998f-a7928449601c" providerId="ADAL" clId="{D0F47325-74C3-40D2-8CCD-80CCCBB5BD2B}" dt="2024-04-22T19:33:50.412" v="111"/>
-          <ac:spMkLst>
-            <pc:docMk/>
-            <pc:sldMk cId="1161377095" sldId="263"/>
-            <ac:spMk id="28" creationId="{35ABD7FA-CB18-5650-A373-1DB9CB900436}"/>
-          </ac:spMkLst>
-        </pc:spChg>
-        <pc:spChg chg="add mod">
-          <ac:chgData name="Ke Yu" userId="a844e5b4-5ccb-4234-998f-a7928449601c" providerId="ADAL" clId="{D0F47325-74C3-40D2-8CCD-80CCCBB5BD2B}" dt="2024-04-22T19:33:50.412" v="111"/>
-          <ac:spMkLst>
-            <pc:docMk/>
-            <pc:sldMk cId="1161377095" sldId="263"/>
-            <ac:spMk id="29" creationId="{72A5804A-8C38-AF0C-EBED-DB0197B32CC9}"/>
-          </ac:spMkLst>
-        </pc:spChg>
-        <pc:spChg chg="add mod">
-          <ac:chgData name="Ke Yu" userId="a844e5b4-5ccb-4234-998f-a7928449601c" providerId="ADAL" clId="{D0F47325-74C3-40D2-8CCD-80CCCBB5BD2B}" dt="2024-04-22T19:33:50.412" v="111"/>
-          <ac:spMkLst>
-            <pc:docMk/>
-            <pc:sldMk cId="1161377095" sldId="263"/>
-            <ac:spMk id="30" creationId="{2A4FD365-7EE0-BC0F-7B21-DD7A2E0C358D}"/>
-          </ac:spMkLst>
-        </pc:spChg>
-        <pc:spChg chg="add mod">
-          <ac:chgData name="Ke Yu" userId="a844e5b4-5ccb-4234-998f-a7928449601c" providerId="ADAL" clId="{D0F47325-74C3-40D2-8CCD-80CCCBB5BD2B}" dt="2024-04-22T19:33:50.412" v="111"/>
-          <ac:spMkLst>
-            <pc:docMk/>
-            <pc:sldMk cId="1161377095" sldId="263"/>
-            <ac:spMk id="31" creationId="{6850E619-BE4D-AFA2-7CDE-611760B90D95}"/>
-          </ac:spMkLst>
-        </pc:spChg>
-        <pc:spChg chg="add mod">
-          <ac:chgData name="Ke Yu" userId="a844e5b4-5ccb-4234-998f-a7928449601c" providerId="ADAL" clId="{D0F47325-74C3-40D2-8CCD-80CCCBB5BD2B}" dt="2024-04-22T19:33:50.412" v="111"/>
-          <ac:spMkLst>
-            <pc:docMk/>
-            <pc:sldMk cId="1161377095" sldId="263"/>
-            <ac:spMk id="32" creationId="{DB7642D1-E88F-8D30-7E00-DDF561F92391}"/>
-          </ac:spMkLst>
-        </pc:spChg>
-        <pc:spChg chg="add mod">
-          <ac:chgData name="Ke Yu" userId="a844e5b4-5ccb-4234-998f-a7928449601c" providerId="ADAL" clId="{D0F47325-74C3-40D2-8CCD-80CCCBB5BD2B}" dt="2024-04-22T19:33:50.412" v="111"/>
-          <ac:spMkLst>
-            <pc:docMk/>
-            <pc:sldMk cId="1161377095" sldId="263"/>
-            <ac:spMk id="33" creationId="{A9A72F50-3F16-3318-2A79-6D7752AF2E97}"/>
-          </ac:spMkLst>
-        </pc:spChg>
-        <pc:spChg chg="add mod">
-          <ac:chgData name="Ke Yu" userId="a844e5b4-5ccb-4234-998f-a7928449601c" providerId="ADAL" clId="{D0F47325-74C3-40D2-8CCD-80CCCBB5BD2B}" dt="2024-04-22T19:33:50.412" v="111"/>
-          <ac:spMkLst>
-            <pc:docMk/>
-            <pc:sldMk cId="1161377095" sldId="263"/>
-            <ac:spMk id="34" creationId="{6EAABDAF-A98A-02C0-7F29-64B2A213C859}"/>
-          </ac:spMkLst>
-        </pc:spChg>
-        <pc:spChg chg="add mod">
-          <ac:chgData name="Ke Yu" userId="a844e5b4-5ccb-4234-998f-a7928449601c" providerId="ADAL" clId="{D0F47325-74C3-40D2-8CCD-80CCCBB5BD2B}" dt="2024-04-22T19:33:50.412" v="111"/>
-          <ac:spMkLst>
-            <pc:docMk/>
-            <pc:sldMk cId="1161377095" sldId="263"/>
-            <ac:spMk id="35" creationId="{8DDC0095-716D-76D9-B13E-7FB9F06941CE}"/>
-          </ac:spMkLst>
-        </pc:spChg>
-        <pc:spChg chg="add mod">
-          <ac:chgData name="Ke Yu" userId="a844e5b4-5ccb-4234-998f-a7928449601c" providerId="ADAL" clId="{D0F47325-74C3-40D2-8CCD-80CCCBB5BD2B}" dt="2024-04-22T19:33:50.412" v="111"/>
-          <ac:spMkLst>
-            <pc:docMk/>
-            <pc:sldMk cId="1161377095" sldId="263"/>
-            <ac:spMk id="36" creationId="{4F161DAC-80A4-BD3B-2F51-45A454C887EA}"/>
-          </ac:spMkLst>
-        </pc:spChg>
-        <pc:spChg chg="add mod">
-          <ac:chgData name="Ke Yu" userId="a844e5b4-5ccb-4234-998f-a7928449601c" providerId="ADAL" clId="{D0F47325-74C3-40D2-8CCD-80CCCBB5BD2B}" dt="2024-04-22T19:33:50.412" v="111"/>
-          <ac:spMkLst>
-            <pc:docMk/>
-            <pc:sldMk cId="1161377095" sldId="263"/>
-            <ac:spMk id="37" creationId="{47114DCF-260B-840E-8D0F-2D83F9822EED}"/>
-          </ac:spMkLst>
-        </pc:spChg>
-        <pc:spChg chg="add mod">
-          <ac:chgData name="Ke Yu" userId="a844e5b4-5ccb-4234-998f-a7928449601c" providerId="ADAL" clId="{D0F47325-74C3-40D2-8CCD-80CCCBB5BD2B}" dt="2024-04-22T19:33:50.412" v="111"/>
-          <ac:spMkLst>
-            <pc:docMk/>
-            <pc:sldMk cId="1161377095" sldId="263"/>
-            <ac:spMk id="38" creationId="{EEF4FF93-00E6-DF27-C765-F29FF79E7491}"/>
-          </ac:spMkLst>
-        </pc:spChg>
-        <pc:picChg chg="add mod">
-          <ac:chgData name="Ke Yu" userId="a844e5b4-5ccb-4234-998f-a7928449601c" providerId="ADAL" clId="{D0F47325-74C3-40D2-8CCD-80CCCBB5BD2B}" dt="2024-04-22T19:33:49.239" v="110" actId="1076"/>
-          <ac:picMkLst>
-            <pc:docMk/>
-            <pc:sldMk cId="1161377095" sldId="263"/>
-            <ac:picMk id="1025" creationId="{E4788EC2-0346-1019-D410-7C9EE1FAC698}"/>
-          </ac:picMkLst>
-        </pc:picChg>
-        <pc:picChg chg="del">
-          <ac:chgData name="Ke Yu" userId="a844e5b4-5ccb-4234-998f-a7928449601c" providerId="ADAL" clId="{D0F47325-74C3-40D2-8CCD-80CCCBB5BD2B}" dt="2024-04-16T19:07:16.576" v="57" actId="478"/>
-          <ac:picMkLst>
-            <pc:docMk/>
-            <pc:sldMk cId="1161377095" sldId="263"/>
-            <ac:picMk id="2049" creationId="{B4C7423F-84AB-ECE9-B12F-1A113D18C6D2}"/>
-          </ac:picMkLst>
-        </pc:picChg>
-        <pc:cxnChg chg="add mod">
-          <ac:chgData name="Ke Yu" userId="a844e5b4-5ccb-4234-998f-a7928449601c" providerId="ADAL" clId="{D0F47325-74C3-40D2-8CCD-80CCCBB5BD2B}" dt="2024-04-22T19:33:50.412" v="111"/>
-          <ac:cxnSpMkLst>
-            <pc:docMk/>
-            <pc:sldMk cId="1161377095" sldId="263"/>
-            <ac:cxnSpMk id="2" creationId="{99A87CE3-A698-634E-0A66-A586FED0E6DA}"/>
-          </ac:cxnSpMkLst>
-        </pc:cxnChg>
-        <pc:cxnChg chg="add mod">
-          <ac:chgData name="Ke Yu" userId="a844e5b4-5ccb-4234-998f-a7928449601c" providerId="ADAL" clId="{D0F47325-74C3-40D2-8CCD-80CCCBB5BD2B}" dt="2024-04-22T19:33:50.412" v="111"/>
-          <ac:cxnSpMkLst>
-            <pc:docMk/>
-            <pc:sldMk cId="1161377095" sldId="263"/>
-            <ac:cxnSpMk id="6" creationId="{F75EA77F-0AB8-FA93-863A-DC3C64E4CFF7}"/>
-          </ac:cxnSpMkLst>
-        </pc:cxnChg>
-        <pc:cxnChg chg="add mod">
-          <ac:chgData name="Ke Yu" userId="a844e5b4-5ccb-4234-998f-a7928449601c" providerId="ADAL" clId="{D0F47325-74C3-40D2-8CCD-80CCCBB5BD2B}" dt="2024-04-22T19:33:50.412" v="111"/>
-          <ac:cxnSpMkLst>
-            <pc:docMk/>
-            <pc:sldMk cId="1161377095" sldId="263"/>
-            <ac:cxnSpMk id="7" creationId="{D618BB27-1DE5-689B-B2F0-D8ED8123D66F}"/>
-          </ac:cxnSpMkLst>
-        </pc:cxnChg>
-        <pc:cxnChg chg="add mod">
-          <ac:chgData name="Ke Yu" userId="a844e5b4-5ccb-4234-998f-a7928449601c" providerId="ADAL" clId="{D0F47325-74C3-40D2-8CCD-80CCCBB5BD2B}" dt="2024-04-22T19:33:50.412" v="111"/>
-          <ac:cxnSpMkLst>
-            <pc:docMk/>
-            <pc:sldMk cId="1161377095" sldId="263"/>
-            <ac:cxnSpMk id="8" creationId="{B9341874-95FF-5307-3041-7C613D52AC75}"/>
-          </ac:cxnSpMkLst>
-        </pc:cxnChg>
-        <pc:cxnChg chg="add mod">
-          <ac:chgData name="Ke Yu" userId="a844e5b4-5ccb-4234-998f-a7928449601c" providerId="ADAL" clId="{D0F47325-74C3-40D2-8CCD-80CCCBB5BD2B}" dt="2024-04-22T19:33:50.412" v="111"/>
-          <ac:cxnSpMkLst>
-            <pc:docMk/>
-            <pc:sldMk cId="1161377095" sldId="263"/>
-            <ac:cxnSpMk id="9" creationId="{666E996B-57A8-5B19-B321-62ED3E9B6D40}"/>
-          </ac:cxnSpMkLst>
-        </pc:cxnChg>
-        <pc:cxnChg chg="add mod">
-          <ac:chgData name="Ke Yu" userId="a844e5b4-5ccb-4234-998f-a7928449601c" providerId="ADAL" clId="{D0F47325-74C3-40D2-8CCD-80CCCBB5BD2B}" dt="2024-04-22T19:33:50.412" v="111"/>
-          <ac:cxnSpMkLst>
-            <pc:docMk/>
-            <pc:sldMk cId="1161377095" sldId="263"/>
-            <ac:cxnSpMk id="10" creationId="{7EA76CE0-42D9-A9D1-3E91-1CC6A0402AA2}"/>
-          </ac:cxnSpMkLst>
-        </pc:cxnChg>
-        <pc:cxnChg chg="add mod">
-          <ac:chgData name="Ke Yu" userId="a844e5b4-5ccb-4234-998f-a7928449601c" providerId="ADAL" clId="{D0F47325-74C3-40D2-8CCD-80CCCBB5BD2B}" dt="2024-04-22T19:33:50.412" v="111"/>
-          <ac:cxnSpMkLst>
-            <pc:docMk/>
-            <pc:sldMk cId="1161377095" sldId="263"/>
-            <ac:cxnSpMk id="11" creationId="{C853F8E5-27CB-8A31-54B6-BA023028CFFA}"/>
-          </ac:cxnSpMkLst>
-        </pc:cxnChg>
-        <pc:cxnChg chg="add mod">
-          <ac:chgData name="Ke Yu" userId="a844e5b4-5ccb-4234-998f-a7928449601c" providerId="ADAL" clId="{D0F47325-74C3-40D2-8CCD-80CCCBB5BD2B}" dt="2024-04-22T19:33:50.412" v="111"/>
-          <ac:cxnSpMkLst>
-            <pc:docMk/>
-            <pc:sldMk cId="1161377095" sldId="263"/>
-            <ac:cxnSpMk id="13" creationId="{B6DBAD05-3CF5-DFD1-4984-FBAC0E61F1D5}"/>
-          </ac:cxnSpMkLst>
-        </pc:cxnChg>
-        <pc:cxnChg chg="add mod">
-          <ac:chgData name="Ke Yu" userId="a844e5b4-5ccb-4234-998f-a7928449601c" providerId="ADAL" clId="{D0F47325-74C3-40D2-8CCD-80CCCBB5BD2B}" dt="2024-04-22T19:33:50.412" v="111"/>
-          <ac:cxnSpMkLst>
-            <pc:docMk/>
-            <pc:sldMk cId="1161377095" sldId="263"/>
-            <ac:cxnSpMk id="14" creationId="{911F8A11-62A9-D9D2-923B-6CACDF43E862}"/>
-          </ac:cxnSpMkLst>
-        </pc:cxnChg>
-        <pc:cxnChg chg="add mod">
-          <ac:chgData name="Ke Yu" userId="a844e5b4-5ccb-4234-998f-a7928449601c" providerId="ADAL" clId="{D0F47325-74C3-40D2-8CCD-80CCCBB5BD2B}" dt="2024-04-22T19:33:50.412" v="111"/>
-          <ac:cxnSpMkLst>
-            <pc:docMk/>
-            <pc:sldMk cId="1161377095" sldId="263"/>
-            <ac:cxnSpMk id="15" creationId="{094D5E37-4BA6-558C-69A8-6F6570A04F40}"/>
-          </ac:cxnSpMkLst>
-        </pc:cxnChg>
-        <pc:cxnChg chg="add mod">
-          <ac:chgData name="Ke Yu" userId="a844e5b4-5ccb-4234-998f-a7928449601c" providerId="ADAL" clId="{D0F47325-74C3-40D2-8CCD-80CCCBB5BD2B}" dt="2024-04-22T19:33:50.412" v="111"/>
-          <ac:cxnSpMkLst>
-            <pc:docMk/>
-            <pc:sldMk cId="1161377095" sldId="263"/>
-            <ac:cxnSpMk id="16" creationId="{15299C5C-B083-89FB-7F12-830332C0CB60}"/>
-          </ac:cxnSpMkLst>
-        </pc:cxnChg>
-        <pc:cxnChg chg="add mod">
-          <ac:chgData name="Ke Yu" userId="a844e5b4-5ccb-4234-998f-a7928449601c" providerId="ADAL" clId="{D0F47325-74C3-40D2-8CCD-80CCCBB5BD2B}" dt="2024-04-22T19:33:50.412" v="111"/>
-          <ac:cxnSpMkLst>
-            <pc:docMk/>
-            <pc:sldMk cId="1161377095" sldId="263"/>
-            <ac:cxnSpMk id="17" creationId="{B6BCE331-CDF6-628B-77D2-FFA730226FDB}"/>
-          </ac:cxnSpMkLst>
-        </pc:cxnChg>
-        <pc:cxnChg chg="add mod">
-          <ac:chgData name="Ke Yu" userId="a844e5b4-5ccb-4234-998f-a7928449601c" providerId="ADAL" clId="{D0F47325-74C3-40D2-8CCD-80CCCBB5BD2B}" dt="2024-04-22T19:33:50.412" v="111"/>
-          <ac:cxnSpMkLst>
-            <pc:docMk/>
-            <pc:sldMk cId="1161377095" sldId="263"/>
-            <ac:cxnSpMk id="19" creationId="{7B953D90-BCCF-EC59-F7F4-4ED172C07902}"/>
-          </ac:cxnSpMkLst>
-        </pc:cxnChg>
-      </pc:sldChg>
-      <pc:sldChg chg="addSp delSp modSp new mod">
-        <pc:chgData name="Ke Yu" userId="a844e5b4-5ccb-4234-998f-a7928449601c" providerId="ADAL" clId="{D0F47325-74C3-40D2-8CCD-80CCCBB5BD2B}" dt="2024-04-18T22:17:30.462" v="97" actId="1076"/>
-        <pc:sldMkLst>
-          <pc:docMk/>
-          <pc:sldMk cId="2241744479" sldId="264"/>
-        </pc:sldMkLst>
-        <pc:spChg chg="mod">
-          <ac:chgData name="Ke Yu" userId="a844e5b4-5ccb-4234-998f-a7928449601c" providerId="ADAL" clId="{D0F47325-74C3-40D2-8CCD-80CCCBB5BD2B}" dt="2024-04-18T22:15:27.799" v="72"/>
-          <ac:spMkLst>
-            <pc:docMk/>
-            <pc:sldMk cId="2241744479" sldId="264"/>
-            <ac:spMk id="4" creationId="{051DC55E-8787-8990-96E8-49F3FF2009EC}"/>
-          </ac:spMkLst>
-        </pc:spChg>
-        <pc:spChg chg="mod">
-          <ac:chgData name="Ke Yu" userId="a844e5b4-5ccb-4234-998f-a7928449601c" providerId="ADAL" clId="{D0F47325-74C3-40D2-8CCD-80CCCBB5BD2B}" dt="2024-04-18T22:15:27.799" v="72"/>
-          <ac:spMkLst>
-            <pc:docMk/>
-            <pc:sldMk cId="2241744479" sldId="264"/>
-            <ac:spMk id="5" creationId="{804AE2F2-FB44-8243-86C3-30F25DE36341}"/>
-          </ac:spMkLst>
-        </pc:spChg>
-        <pc:spChg chg="mod">
-          <ac:chgData name="Ke Yu" userId="a844e5b4-5ccb-4234-998f-a7928449601c" providerId="ADAL" clId="{D0F47325-74C3-40D2-8CCD-80CCCBB5BD2B}" dt="2024-04-18T22:15:27.799" v="72"/>
-          <ac:spMkLst>
-            <pc:docMk/>
-            <pc:sldMk cId="2241744479" sldId="264"/>
-            <ac:spMk id="6" creationId="{D67618EC-BFC2-BC49-C73A-6D5789009A43}"/>
-          </ac:spMkLst>
-        </pc:spChg>
-        <pc:spChg chg="add mod">
-          <ac:chgData name="Ke Yu" userId="a844e5b4-5ccb-4234-998f-a7928449601c" providerId="ADAL" clId="{D0F47325-74C3-40D2-8CCD-80CCCBB5BD2B}" dt="2024-04-18T22:16:23.462" v="89" actId="1076"/>
-          <ac:spMkLst>
-            <pc:docMk/>
-            <pc:sldMk cId="2241744479" sldId="264"/>
-            <ac:spMk id="13" creationId="{DC3A3717-B913-3CC4-0D49-194452D93BE4}"/>
-          </ac:spMkLst>
-        </pc:spChg>
-        <pc:spChg chg="add mod">
-          <ac:chgData name="Ke Yu" userId="a844e5b4-5ccb-4234-998f-a7928449601c" providerId="ADAL" clId="{D0F47325-74C3-40D2-8CCD-80CCCBB5BD2B}" dt="2024-04-18T22:16:27.852" v="91" actId="14100"/>
-          <ac:spMkLst>
-            <pc:docMk/>
-            <pc:sldMk cId="2241744479" sldId="264"/>
-            <ac:spMk id="17" creationId="{EE8A55CD-CB6C-AA6B-62C6-71412FC1BCB1}"/>
-          </ac:spMkLst>
-        </pc:spChg>
-        <pc:spChg chg="add mod">
-          <ac:chgData name="Ke Yu" userId="a844e5b4-5ccb-4234-998f-a7928449601c" providerId="ADAL" clId="{D0F47325-74C3-40D2-8CCD-80CCCBB5BD2B}" dt="2024-04-18T22:16:11.572" v="83" actId="1076"/>
-          <ac:spMkLst>
-            <pc:docMk/>
-            <pc:sldMk cId="2241744479" sldId="264"/>
-            <ac:spMk id="21" creationId="{FB97E792-92AA-9A7F-6BF0-91004BF11668}"/>
-          </ac:spMkLst>
-        </pc:spChg>
-        <pc:spChg chg="add del mod">
-          <ac:chgData name="Ke Yu" userId="a844e5b4-5ccb-4234-998f-a7928449601c" providerId="ADAL" clId="{D0F47325-74C3-40D2-8CCD-80CCCBB5BD2B}" dt="2024-04-18T22:17:10.571" v="95" actId="478"/>
-          <ac:spMkLst>
-            <pc:docMk/>
-            <pc:sldMk cId="2241744479" sldId="264"/>
-            <ac:spMk id="22" creationId="{1E4EB36F-93AE-BAE2-F72A-34E542C3A94F}"/>
-          </ac:spMkLst>
-        </pc:spChg>
-        <pc:spChg chg="add mod">
-          <ac:chgData name="Ke Yu" userId="a844e5b4-5ccb-4234-998f-a7928449601c" providerId="ADAL" clId="{D0F47325-74C3-40D2-8CCD-80CCCBB5BD2B}" dt="2024-04-18T22:17:18.989" v="96" actId="1076"/>
-          <ac:spMkLst>
-            <pc:docMk/>
-            <pc:sldMk cId="2241744479" sldId="264"/>
-            <ac:spMk id="25" creationId="{36AB844B-9717-7FD3-859B-EBDAC1FBDEF5}"/>
-          </ac:spMkLst>
-        </pc:spChg>
-        <pc:grpChg chg="add mod">
-          <ac:chgData name="Ke Yu" userId="a844e5b4-5ccb-4234-998f-a7928449601c" providerId="ADAL" clId="{D0F47325-74C3-40D2-8CCD-80CCCBB5BD2B}" dt="2024-04-18T22:17:30.462" v="97" actId="1076"/>
-          <ac:grpSpMkLst>
-            <pc:docMk/>
-            <pc:sldMk cId="2241744479" sldId="264"/>
-            <ac:grpSpMk id="2" creationId="{6A662A22-ABCF-D10F-0566-8625C7D72A82}"/>
-          </ac:grpSpMkLst>
-        </pc:grpChg>
-        <pc:grpChg chg="mod">
-          <ac:chgData name="Ke Yu" userId="a844e5b4-5ccb-4234-998f-a7928449601c" providerId="ADAL" clId="{D0F47325-74C3-40D2-8CCD-80CCCBB5BD2B}" dt="2024-04-18T22:15:27.799" v="72"/>
-          <ac:grpSpMkLst>
-            <pc:docMk/>
-            <pc:sldMk cId="2241744479" sldId="264"/>
-            <ac:grpSpMk id="3" creationId="{A27EDFE4-D5E8-52DE-A19F-C5630A0416ED}"/>
-          </ac:grpSpMkLst>
-        </pc:grpChg>
-        <pc:picChg chg="add mod">
-          <ac:chgData name="Ke Yu" userId="a844e5b4-5ccb-4234-998f-a7928449601c" providerId="ADAL" clId="{D0F47325-74C3-40D2-8CCD-80CCCBB5BD2B}" dt="2024-04-18T22:16:20.264" v="88" actId="1076"/>
-          <ac:picMkLst>
-            <pc:docMk/>
-            <pc:sldMk cId="2241744479" sldId="264"/>
-            <ac:picMk id="18" creationId="{054A4735-CDE6-28E0-92FE-92BCEC990B4C}"/>
-          </ac:picMkLst>
-        </pc:picChg>
-        <pc:cxnChg chg="mod">
-          <ac:chgData name="Ke Yu" userId="a844e5b4-5ccb-4234-998f-a7928449601c" providerId="ADAL" clId="{D0F47325-74C3-40D2-8CCD-80CCCBB5BD2B}" dt="2024-04-18T22:15:27.799" v="72"/>
-          <ac:cxnSpMkLst>
-            <pc:docMk/>
-            <pc:sldMk cId="2241744479" sldId="264"/>
-            <ac:cxnSpMk id="7" creationId="{A24B8E8C-9EE2-CB6B-BBA8-A21062C42433}"/>
-          </ac:cxnSpMkLst>
-        </pc:cxnChg>
-        <pc:cxnChg chg="mod">
-          <ac:chgData name="Ke Yu" userId="a844e5b4-5ccb-4234-998f-a7928449601c" providerId="ADAL" clId="{D0F47325-74C3-40D2-8CCD-80CCCBB5BD2B}" dt="2024-04-18T22:15:27.799" v="72"/>
-          <ac:cxnSpMkLst>
-            <pc:docMk/>
-            <pc:sldMk cId="2241744479" sldId="264"/>
-            <ac:cxnSpMk id="8" creationId="{10DA7CA4-E127-24A4-2876-F747B7B1A7EB}"/>
-          </ac:cxnSpMkLst>
-        </pc:cxnChg>
-        <pc:cxnChg chg="mod">
-          <ac:chgData name="Ke Yu" userId="a844e5b4-5ccb-4234-998f-a7928449601c" providerId="ADAL" clId="{D0F47325-74C3-40D2-8CCD-80CCCBB5BD2B}" dt="2024-04-18T22:15:27.799" v="72"/>
-          <ac:cxnSpMkLst>
-            <pc:docMk/>
-            <pc:sldMk cId="2241744479" sldId="264"/>
-            <ac:cxnSpMk id="9" creationId="{19B9526B-42C6-4970-392A-1388F6CDF29E}"/>
-          </ac:cxnSpMkLst>
-        </pc:cxnChg>
-        <pc:cxnChg chg="add mod">
-          <ac:chgData name="Ke Yu" userId="a844e5b4-5ccb-4234-998f-a7928449601c" providerId="ADAL" clId="{D0F47325-74C3-40D2-8CCD-80CCCBB5BD2B}" dt="2024-04-18T22:15:27.799" v="72"/>
-          <ac:cxnSpMkLst>
-            <pc:docMk/>
-            <pc:sldMk cId="2241744479" sldId="264"/>
-            <ac:cxnSpMk id="10" creationId="{EA64F21A-515C-B4E9-5CE0-D97FD2670244}"/>
-          </ac:cxnSpMkLst>
-        </pc:cxnChg>
-        <pc:cxnChg chg="add mod">
-          <ac:chgData name="Ke Yu" userId="a844e5b4-5ccb-4234-998f-a7928449601c" providerId="ADAL" clId="{D0F47325-74C3-40D2-8CCD-80CCCBB5BD2B}" dt="2024-04-18T22:15:27.799" v="72"/>
-          <ac:cxnSpMkLst>
-            <pc:docMk/>
-            <pc:sldMk cId="2241744479" sldId="264"/>
-            <ac:cxnSpMk id="11" creationId="{F1D6DF95-3494-63CF-BBA4-D76D77243152}"/>
-          </ac:cxnSpMkLst>
-        </pc:cxnChg>
-        <pc:cxnChg chg="add mod">
-          <ac:chgData name="Ke Yu" userId="a844e5b4-5ccb-4234-998f-a7928449601c" providerId="ADAL" clId="{D0F47325-74C3-40D2-8CCD-80CCCBB5BD2B}" dt="2024-04-18T22:15:27.799" v="72"/>
-          <ac:cxnSpMkLst>
-            <pc:docMk/>
-            <pc:sldMk cId="2241744479" sldId="264"/>
-            <ac:cxnSpMk id="12" creationId="{567117FC-58D1-F00F-7042-9C884DBA9D35}"/>
-          </ac:cxnSpMkLst>
-        </pc:cxnChg>
-        <pc:cxnChg chg="add mod">
-          <ac:chgData name="Ke Yu" userId="a844e5b4-5ccb-4234-998f-a7928449601c" providerId="ADAL" clId="{D0F47325-74C3-40D2-8CCD-80CCCBB5BD2B}" dt="2024-04-18T22:15:27.799" v="72"/>
-          <ac:cxnSpMkLst>
-            <pc:docMk/>
-            <pc:sldMk cId="2241744479" sldId="264"/>
-            <ac:cxnSpMk id="14" creationId="{6D300C0E-762D-7012-DB1A-D876BC125289}"/>
-          </ac:cxnSpMkLst>
-        </pc:cxnChg>
-        <pc:cxnChg chg="add mod">
-          <ac:chgData name="Ke Yu" userId="a844e5b4-5ccb-4234-998f-a7928449601c" providerId="ADAL" clId="{D0F47325-74C3-40D2-8CCD-80CCCBB5BD2B}" dt="2024-04-18T22:15:27.799" v="72"/>
-          <ac:cxnSpMkLst>
-            <pc:docMk/>
-            <pc:sldMk cId="2241744479" sldId="264"/>
-            <ac:cxnSpMk id="15" creationId="{C499BFC0-1550-0EE7-6AE7-0DDBB54765F5}"/>
-          </ac:cxnSpMkLst>
-        </pc:cxnChg>
-        <pc:cxnChg chg="add mod">
-          <ac:chgData name="Ke Yu" userId="a844e5b4-5ccb-4234-998f-a7928449601c" providerId="ADAL" clId="{D0F47325-74C3-40D2-8CCD-80CCCBB5BD2B}" dt="2024-04-18T22:15:27.799" v="72"/>
-          <ac:cxnSpMkLst>
-            <pc:docMk/>
-            <pc:sldMk cId="2241744479" sldId="264"/>
-            <ac:cxnSpMk id="16" creationId="{BE193A5E-3E54-3B3B-246E-893F4C9836A5}"/>
-          </ac:cxnSpMkLst>
-        </pc:cxnChg>
-        <pc:cxnChg chg="add mod">
-          <ac:chgData name="Ke Yu" userId="a844e5b4-5ccb-4234-998f-a7928449601c" providerId="ADAL" clId="{D0F47325-74C3-40D2-8CCD-80CCCBB5BD2B}" dt="2024-04-18T22:15:27.799" v="72"/>
-          <ac:cxnSpMkLst>
-            <pc:docMk/>
-            <pc:sldMk cId="2241744479" sldId="264"/>
-            <ac:cxnSpMk id="19" creationId="{A4670F0D-6DA8-DB1C-35D7-2D452D1E577D}"/>
-          </ac:cxnSpMkLst>
-        </pc:cxnChg>
-        <pc:cxnChg chg="add mod">
-          <ac:chgData name="Ke Yu" userId="a844e5b4-5ccb-4234-998f-a7928449601c" providerId="ADAL" clId="{D0F47325-74C3-40D2-8CCD-80CCCBB5BD2B}" dt="2024-04-18T22:15:27.799" v="72"/>
-          <ac:cxnSpMkLst>
-            <pc:docMk/>
-            <pc:sldMk cId="2241744479" sldId="264"/>
-            <ac:cxnSpMk id="20" creationId="{3B069793-0555-1DB4-28A2-BCC81B9E22F3}"/>
-          </ac:cxnSpMkLst>
-        </pc:cxnChg>
-        <pc:cxnChg chg="add del mod">
-          <ac:chgData name="Ke Yu" userId="a844e5b4-5ccb-4234-998f-a7928449601c" providerId="ADAL" clId="{D0F47325-74C3-40D2-8CCD-80CCCBB5BD2B}" dt="2024-04-18T22:17:08.471" v="94" actId="478"/>
-          <ac:cxnSpMkLst>
-            <pc:docMk/>
-            <pc:sldMk cId="2241744479" sldId="264"/>
-            <ac:cxnSpMk id="23" creationId="{AFB43EF3-EDC3-A53A-DCA2-95DB9BE945DE}"/>
-          </ac:cxnSpMkLst>
-        </pc:cxnChg>
-        <pc:cxnChg chg="add mod">
-          <ac:chgData name="Ke Yu" userId="a844e5b4-5ccb-4234-998f-a7928449601c" providerId="ADAL" clId="{D0F47325-74C3-40D2-8CCD-80CCCBB5BD2B}" dt="2024-04-18T22:17:06.664" v="93" actId="1076"/>
-          <ac:cxnSpMkLst>
-            <pc:docMk/>
-            <pc:sldMk cId="2241744479" sldId="264"/>
-            <ac:cxnSpMk id="24" creationId="{13DAABCF-9EAD-9CE7-E9B4-B93E858823B8}"/>
-          </ac:cxnSpMkLst>
-        </pc:cxnChg>
-      </pc:sldChg>
-      <pc:sldChg chg="del">
-        <pc:chgData name="Ke Yu" userId="a844e5b4-5ccb-4234-998f-a7928449601c" providerId="ADAL" clId="{D0F47325-74C3-40D2-8CCD-80CCCBB5BD2B}" dt="2024-04-16T19:07:14.428" v="56" actId="47"/>
-        <pc:sldMkLst>
-          <pc:docMk/>
-          <pc:sldMk cId="3588834652" sldId="264"/>
-        </pc:sldMkLst>
-      </pc:sldChg>
-      <pc:sldChg chg="addSp modSp new mod">
-        <pc:chgData name="Ke Yu" userId="a844e5b4-5ccb-4234-998f-a7928449601c" providerId="ADAL" clId="{D0F47325-74C3-40D2-8CCD-80CCCBB5BD2B}" dt="2024-04-22T19:42:27.569" v="260" actId="20577"/>
-        <pc:sldMkLst>
-          <pc:docMk/>
-          <pc:sldMk cId="1383264818" sldId="265"/>
-        </pc:sldMkLst>
-        <pc:spChg chg="add mod">
-          <ac:chgData name="Ke Yu" userId="a844e5b4-5ccb-4234-998f-a7928449601c" providerId="ADAL" clId="{D0F47325-74C3-40D2-8CCD-80CCCBB5BD2B}" dt="2024-04-22T19:33:56.263" v="113"/>
-          <ac:spMkLst>
-            <pc:docMk/>
-            <pc:sldMk cId="1383264818" sldId="265"/>
-            <ac:spMk id="3" creationId="{25A20B31-292A-C0C8-B664-4A2F7CD06891}"/>
-          </ac:spMkLst>
-        </pc:spChg>
-        <pc:spChg chg="add mod">
-          <ac:chgData name="Ke Yu" userId="a844e5b4-5ccb-4234-998f-a7928449601c" providerId="ADAL" clId="{D0F47325-74C3-40D2-8CCD-80CCCBB5BD2B}" dt="2024-04-22T19:33:56.263" v="113"/>
-          <ac:spMkLst>
-            <pc:docMk/>
-            <pc:sldMk cId="1383264818" sldId="265"/>
-            <ac:spMk id="4" creationId="{955DCA27-EAB7-BB80-F347-BC12CEB79B87}"/>
-          </ac:spMkLst>
-        </pc:spChg>
-        <pc:spChg chg="add mod">
-          <ac:chgData name="Ke Yu" userId="a844e5b4-5ccb-4234-998f-a7928449601c" providerId="ADAL" clId="{D0F47325-74C3-40D2-8CCD-80CCCBB5BD2B}" dt="2024-04-22T19:33:56.263" v="113"/>
-          <ac:spMkLst>
-            <pc:docMk/>
-            <pc:sldMk cId="1383264818" sldId="265"/>
-            <ac:spMk id="5" creationId="{30649CAE-8F04-32A6-653B-94B903CEAC3B}"/>
-          </ac:spMkLst>
-        </pc:spChg>
-        <pc:spChg chg="add mod">
-          <ac:chgData name="Ke Yu" userId="a844e5b4-5ccb-4234-998f-a7928449601c" providerId="ADAL" clId="{D0F47325-74C3-40D2-8CCD-80CCCBB5BD2B}" dt="2024-04-22T19:33:56.263" v="113"/>
-          <ac:spMkLst>
-            <pc:docMk/>
-            <pc:sldMk cId="1383264818" sldId="265"/>
-            <ac:spMk id="12" creationId="{AD3D57D4-99B8-7C32-01FD-B6CB5E26438C}"/>
-          </ac:spMkLst>
-        </pc:spChg>
-        <pc:spChg chg="add mod">
-          <ac:chgData name="Ke Yu" userId="a844e5b4-5ccb-4234-998f-a7928449601c" providerId="ADAL" clId="{D0F47325-74C3-40D2-8CCD-80CCCBB5BD2B}" dt="2024-04-22T19:33:56.263" v="113"/>
-          <ac:spMkLst>
-            <pc:docMk/>
-            <pc:sldMk cId="1383264818" sldId="265"/>
-            <ac:spMk id="18" creationId="{31AB9437-D7E7-1B4C-0AC5-D427D6B0D5FC}"/>
-          </ac:spMkLst>
-        </pc:spChg>
-        <pc:spChg chg="add mod">
-          <ac:chgData name="Ke Yu" userId="a844e5b4-5ccb-4234-998f-a7928449601c" providerId="ADAL" clId="{D0F47325-74C3-40D2-8CCD-80CCCBB5BD2B}" dt="2024-04-22T19:33:56.263" v="113"/>
-          <ac:spMkLst>
-            <pc:docMk/>
-            <pc:sldMk cId="1383264818" sldId="265"/>
-            <ac:spMk id="20" creationId="{97C4A7BF-031C-AFEF-432B-D3DB4C884A61}"/>
-          </ac:spMkLst>
-        </pc:spChg>
-        <pc:spChg chg="add mod">
-          <ac:chgData name="Ke Yu" userId="a844e5b4-5ccb-4234-998f-a7928449601c" providerId="ADAL" clId="{D0F47325-74C3-40D2-8CCD-80CCCBB5BD2B}" dt="2024-04-22T19:40:31.401" v="227" actId="1076"/>
-          <ac:spMkLst>
-            <pc:docMk/>
-            <pc:sldMk cId="1383264818" sldId="265"/>
-            <ac:spMk id="21" creationId="{1EC57452-87DE-B20F-662F-E39473475399}"/>
-          </ac:spMkLst>
-        </pc:spChg>
-        <pc:spChg chg="add mod">
-          <ac:chgData name="Ke Yu" userId="a844e5b4-5ccb-4234-998f-a7928449601c" providerId="ADAL" clId="{D0F47325-74C3-40D2-8CCD-80CCCBB5BD2B}" dt="2024-04-22T19:40:07.033" v="223" actId="1076"/>
-          <ac:spMkLst>
-            <pc:docMk/>
-            <pc:sldMk cId="1383264818" sldId="265"/>
-            <ac:spMk id="22" creationId="{2CCB023B-6B62-ED49-44E5-F9F71C43AF1B}"/>
-          </ac:spMkLst>
-        </pc:spChg>
-        <pc:spChg chg="add mod">
-          <ac:chgData name="Ke Yu" userId="a844e5b4-5ccb-4234-998f-a7928449601c" providerId="ADAL" clId="{D0F47325-74C3-40D2-8CCD-80CCCBB5BD2B}" dt="2024-04-22T19:40:12.514" v="224" actId="1076"/>
-          <ac:spMkLst>
-            <pc:docMk/>
-            <pc:sldMk cId="1383264818" sldId="265"/>
-            <ac:spMk id="23" creationId="{F6A32491-130D-053A-2153-B13CFF2C09C0}"/>
-          </ac:spMkLst>
-        </pc:spChg>
-        <pc:spChg chg="add mod">
-          <ac:chgData name="Ke Yu" userId="a844e5b4-5ccb-4234-998f-a7928449601c" providerId="ADAL" clId="{D0F47325-74C3-40D2-8CCD-80CCCBB5BD2B}" dt="2024-04-22T19:39:56.805" v="222" actId="1076"/>
-          <ac:spMkLst>
-            <pc:docMk/>
-            <pc:sldMk cId="1383264818" sldId="265"/>
-            <ac:spMk id="24" creationId="{FA7982D6-A923-7E78-1B34-0A3B613F19FB}"/>
-          </ac:spMkLst>
-        </pc:spChg>
-        <pc:spChg chg="add mod">
-          <ac:chgData name="Ke Yu" userId="a844e5b4-5ccb-4234-998f-a7928449601c" providerId="ADAL" clId="{D0F47325-74C3-40D2-8CCD-80CCCBB5BD2B}" dt="2024-04-22T19:38:30.209" v="215" actId="1076"/>
-          <ac:spMkLst>
-            <pc:docMk/>
-            <pc:sldMk cId="1383264818" sldId="265"/>
-            <ac:spMk id="25" creationId="{25250342-BCD6-3A3C-8869-F6252C41D382}"/>
-          </ac:spMkLst>
-        </pc:spChg>
-        <pc:spChg chg="add mod">
-          <ac:chgData name="Ke Yu" userId="a844e5b4-5ccb-4234-998f-a7928449601c" providerId="ADAL" clId="{D0F47325-74C3-40D2-8CCD-80CCCBB5BD2B}" dt="2024-04-22T19:41:34.973" v="236" actId="1076"/>
-          <ac:spMkLst>
-            <pc:docMk/>
-            <pc:sldMk cId="1383264818" sldId="265"/>
-            <ac:spMk id="26" creationId="{FE05BA3C-D553-48E8-AEE5-42EF220336FE}"/>
-          </ac:spMkLst>
-        </pc:spChg>
-        <pc:spChg chg="add mod">
-          <ac:chgData name="Ke Yu" userId="a844e5b4-5ccb-4234-998f-a7928449601c" providerId="ADAL" clId="{D0F47325-74C3-40D2-8CCD-80CCCBB5BD2B}" dt="2024-04-22T19:40:55.557" v="230" actId="1076"/>
-          <ac:spMkLst>
-            <pc:docMk/>
-            <pc:sldMk cId="1383264818" sldId="265"/>
-            <ac:spMk id="27" creationId="{B9BDBA53-87D4-5A5D-F13B-664FC81E8C42}"/>
-          </ac:spMkLst>
-        </pc:spChg>
-        <pc:spChg chg="add mod">
-          <ac:chgData name="Ke Yu" userId="a844e5b4-5ccb-4234-998f-a7928449601c" providerId="ADAL" clId="{D0F47325-74C3-40D2-8CCD-80CCCBB5BD2B}" dt="2024-04-22T19:40:45.491" v="229" actId="1076"/>
-          <ac:spMkLst>
-            <pc:docMk/>
-            <pc:sldMk cId="1383264818" sldId="265"/>
-            <ac:spMk id="28" creationId="{421658CF-1772-9BDD-9E1A-E8B16BD4FC8C}"/>
-          </ac:spMkLst>
-        </pc:spChg>
-        <pc:spChg chg="add mod">
-          <ac:chgData name="Ke Yu" userId="a844e5b4-5ccb-4234-998f-a7928449601c" providerId="ADAL" clId="{D0F47325-74C3-40D2-8CCD-80CCCBB5BD2B}" dt="2024-04-22T19:38:30.209" v="215" actId="1076"/>
-          <ac:spMkLst>
-            <pc:docMk/>
-            <pc:sldMk cId="1383264818" sldId="265"/>
-            <ac:spMk id="29" creationId="{F169305F-0FF2-61CC-F6E3-F8CEFDE2FFBB}"/>
-          </ac:spMkLst>
-        </pc:spChg>
-        <pc:spChg chg="add mod">
-          <ac:chgData name="Ke Yu" userId="a844e5b4-5ccb-4234-998f-a7928449601c" providerId="ADAL" clId="{D0F47325-74C3-40D2-8CCD-80CCCBB5BD2B}" dt="2024-04-22T19:39:56.805" v="222" actId="1076"/>
-          <ac:spMkLst>
-            <pc:docMk/>
-            <pc:sldMk cId="1383264818" sldId="265"/>
-            <ac:spMk id="30" creationId="{2C1F2E87-48A6-B21D-763C-E282A3C5F3EF}"/>
-          </ac:spMkLst>
-        </pc:spChg>
-        <pc:spChg chg="add mod">
-          <ac:chgData name="Ke Yu" userId="a844e5b4-5ccb-4234-998f-a7928449601c" providerId="ADAL" clId="{D0F47325-74C3-40D2-8CCD-80CCCBB5BD2B}" dt="2024-04-22T19:40:12.514" v="224" actId="1076"/>
-          <ac:spMkLst>
-            <pc:docMk/>
-            <pc:sldMk cId="1383264818" sldId="265"/>
-            <ac:spMk id="31" creationId="{534EE416-E669-69C3-0020-A9F13057F2CA}"/>
-          </ac:spMkLst>
-        </pc:spChg>
-        <pc:spChg chg="add mod">
-          <ac:chgData name="Ke Yu" userId="a844e5b4-5ccb-4234-998f-a7928449601c" providerId="ADAL" clId="{D0F47325-74C3-40D2-8CCD-80CCCBB5BD2B}" dt="2024-04-22T19:40:07.033" v="223" actId="1076"/>
-          <ac:spMkLst>
-            <pc:docMk/>
-            <pc:sldMk cId="1383264818" sldId="265"/>
-            <ac:spMk id="32" creationId="{464A1D9B-BA67-46F2-D245-8C2649111994}"/>
-          </ac:spMkLst>
-        </pc:spChg>
-        <pc:spChg chg="add mod">
-          <ac:chgData name="Ke Yu" userId="a844e5b4-5ccb-4234-998f-a7928449601c" providerId="ADAL" clId="{D0F47325-74C3-40D2-8CCD-80CCCBB5BD2B}" dt="2024-04-22T19:40:31.401" v="227" actId="1076"/>
-          <ac:spMkLst>
-            <pc:docMk/>
-            <pc:sldMk cId="1383264818" sldId="265"/>
-            <ac:spMk id="33" creationId="{176E6927-F816-052C-AEB2-425A1396D5D9}"/>
-          </ac:spMkLst>
-        </pc:spChg>
-        <pc:spChg chg="add mod">
-          <ac:chgData name="Ke Yu" userId="a844e5b4-5ccb-4234-998f-a7928449601c" providerId="ADAL" clId="{D0F47325-74C3-40D2-8CCD-80CCCBB5BD2B}" dt="2024-04-22T19:40:45.491" v="229" actId="1076"/>
-          <ac:spMkLst>
-            <pc:docMk/>
-            <pc:sldMk cId="1383264818" sldId="265"/>
-            <ac:spMk id="34" creationId="{80701983-190C-A364-2A0C-C227CD789E10}"/>
-          </ac:spMkLst>
-        </pc:spChg>
-        <pc:spChg chg="add mod">
-          <ac:chgData name="Ke Yu" userId="a844e5b4-5ccb-4234-998f-a7928449601c" providerId="ADAL" clId="{D0F47325-74C3-40D2-8CCD-80CCCBB5BD2B}" dt="2024-04-22T19:40:55.557" v="230" actId="1076"/>
-          <ac:spMkLst>
-            <pc:docMk/>
-            <pc:sldMk cId="1383264818" sldId="265"/>
-            <ac:spMk id="35" creationId="{A410DAEA-42C3-8532-2BED-9C1155CA5AF1}"/>
-          </ac:spMkLst>
-        </pc:spChg>
-        <pc:spChg chg="add mod">
-          <ac:chgData name="Ke Yu" userId="a844e5b4-5ccb-4234-998f-a7928449601c" providerId="ADAL" clId="{D0F47325-74C3-40D2-8CCD-80CCCBB5BD2B}" dt="2024-04-22T19:41:34.973" v="236" actId="1076"/>
-          <ac:spMkLst>
-            <pc:docMk/>
-            <pc:sldMk cId="1383264818" sldId="265"/>
-            <ac:spMk id="36" creationId="{7FF19CF3-C240-FB49-E102-161CB44FB5C4}"/>
-          </ac:spMkLst>
-        </pc:spChg>
-        <pc:spChg chg="add mod">
-          <ac:chgData name="Ke Yu" userId="a844e5b4-5ccb-4234-998f-a7928449601c" providerId="ADAL" clId="{D0F47325-74C3-40D2-8CCD-80CCCBB5BD2B}" dt="2024-04-22T19:41:49.676" v="242" actId="14100"/>
-          <ac:spMkLst>
-            <pc:docMk/>
-            <pc:sldMk cId="1383264818" sldId="265"/>
-            <ac:spMk id="37" creationId="{3211F362-5FFC-E55A-E1C1-ABD67C8EA6DA}"/>
-          </ac:spMkLst>
-        </pc:spChg>
-        <pc:spChg chg="add mod">
-          <ac:chgData name="Ke Yu" userId="a844e5b4-5ccb-4234-998f-a7928449601c" providerId="ADAL" clId="{D0F47325-74C3-40D2-8CCD-80CCCBB5BD2B}" dt="2024-04-22T19:41:40.874" v="239" actId="1076"/>
-          <ac:spMkLst>
-            <pc:docMk/>
-            <pc:sldMk cId="1383264818" sldId="265"/>
-            <ac:spMk id="38" creationId="{3D5E0D6B-68F3-347F-1CB5-B93D70B8E9E7}"/>
-          </ac:spMkLst>
-        </pc:spChg>
-        <pc:spChg chg="add mod">
-          <ac:chgData name="Ke Yu" userId="a844e5b4-5ccb-4234-998f-a7928449601c" providerId="ADAL" clId="{D0F47325-74C3-40D2-8CCD-80CCCBB5BD2B}" dt="2024-04-22T19:42:27.569" v="260" actId="20577"/>
-          <ac:spMkLst>
-            <pc:docMk/>
-            <pc:sldMk cId="1383264818" sldId="265"/>
-            <ac:spMk id="40" creationId="{955782E1-6859-59D2-71EC-D2764CD0C3B8}"/>
-          </ac:spMkLst>
-        </pc:spChg>
-        <pc:spChg chg="add mod">
-          <ac:chgData name="Ke Yu" userId="a844e5b4-5ccb-4234-998f-a7928449601c" providerId="ADAL" clId="{D0F47325-74C3-40D2-8CCD-80CCCBB5BD2B}" dt="2024-04-22T19:41:25.683" v="235" actId="1076"/>
-          <ac:spMkLst>
-            <pc:docMk/>
-            <pc:sldMk cId="1383264818" sldId="265"/>
-            <ac:spMk id="41" creationId="{3450CB5D-D1F3-AB35-49BD-89ECCDC60EAC}"/>
-          </ac:spMkLst>
-        </pc:spChg>
-        <pc:spChg chg="add mod">
-          <ac:chgData name="Ke Yu" userId="a844e5b4-5ccb-4234-998f-a7928449601c" providerId="ADAL" clId="{D0F47325-74C3-40D2-8CCD-80CCCBB5BD2B}" dt="2024-04-22T19:41:37.898" v="237" actId="20577"/>
-          <ac:spMkLst>
-            <pc:docMk/>
-            <pc:sldMk cId="1383264818" sldId="265"/>
-            <ac:spMk id="42" creationId="{E6F9572D-A99D-C554-0656-B491F195F80B}"/>
-          </ac:spMkLst>
-        </pc:spChg>
-        <pc:cxnChg chg="add mod">
-          <ac:chgData name="Ke Yu" userId="a844e5b4-5ccb-4234-998f-a7928449601c" providerId="ADAL" clId="{D0F47325-74C3-40D2-8CCD-80CCCBB5BD2B}" dt="2024-04-22T19:33:56.263" v="113"/>
-          <ac:cxnSpMkLst>
-            <pc:docMk/>
-            <pc:sldMk cId="1383264818" sldId="265"/>
-            <ac:cxnSpMk id="2" creationId="{03E4C5A1-554F-75F8-7587-57A3FF4D3C93}"/>
-          </ac:cxnSpMkLst>
-        </pc:cxnChg>
-        <pc:cxnChg chg="add mod">
-          <ac:chgData name="Ke Yu" userId="a844e5b4-5ccb-4234-998f-a7928449601c" providerId="ADAL" clId="{D0F47325-74C3-40D2-8CCD-80CCCBB5BD2B}" dt="2024-04-22T19:33:56.263" v="113"/>
-          <ac:cxnSpMkLst>
-            <pc:docMk/>
-            <pc:sldMk cId="1383264818" sldId="265"/>
-            <ac:cxnSpMk id="6" creationId="{C1F8B532-AFBD-B61F-A89A-D99B9980C093}"/>
-          </ac:cxnSpMkLst>
-        </pc:cxnChg>
-        <pc:cxnChg chg="add mod">
-          <ac:chgData name="Ke Yu" userId="a844e5b4-5ccb-4234-998f-a7928449601c" providerId="ADAL" clId="{D0F47325-74C3-40D2-8CCD-80CCCBB5BD2B}" dt="2024-04-22T19:33:56.263" v="113"/>
-          <ac:cxnSpMkLst>
-            <pc:docMk/>
-            <pc:sldMk cId="1383264818" sldId="265"/>
-            <ac:cxnSpMk id="7" creationId="{61F9790B-2C75-2EBF-E6C0-DF3ECAEBEF7E}"/>
-          </ac:cxnSpMkLst>
-        </pc:cxnChg>
-        <pc:cxnChg chg="add mod">
-          <ac:chgData name="Ke Yu" userId="a844e5b4-5ccb-4234-998f-a7928449601c" providerId="ADAL" clId="{D0F47325-74C3-40D2-8CCD-80CCCBB5BD2B}" dt="2024-04-22T19:33:56.263" v="113"/>
-          <ac:cxnSpMkLst>
-            <pc:docMk/>
-            <pc:sldMk cId="1383264818" sldId="265"/>
-            <ac:cxnSpMk id="8" creationId="{52290404-6682-78FD-459B-5CED22FFBE50}"/>
-          </ac:cxnSpMkLst>
-        </pc:cxnChg>
-        <pc:cxnChg chg="add mod">
-          <ac:chgData name="Ke Yu" userId="a844e5b4-5ccb-4234-998f-a7928449601c" providerId="ADAL" clId="{D0F47325-74C3-40D2-8CCD-80CCCBB5BD2B}" dt="2024-04-22T19:33:56.263" v="113"/>
-          <ac:cxnSpMkLst>
-            <pc:docMk/>
-            <pc:sldMk cId="1383264818" sldId="265"/>
-            <ac:cxnSpMk id="9" creationId="{DF6605BE-44A5-9FFE-3BC7-BDD83BDC1116}"/>
-          </ac:cxnSpMkLst>
-        </pc:cxnChg>
-        <pc:cxnChg chg="add mod">
-          <ac:chgData name="Ke Yu" userId="a844e5b4-5ccb-4234-998f-a7928449601c" providerId="ADAL" clId="{D0F47325-74C3-40D2-8CCD-80CCCBB5BD2B}" dt="2024-04-22T19:33:56.263" v="113"/>
-          <ac:cxnSpMkLst>
-            <pc:docMk/>
-            <pc:sldMk cId="1383264818" sldId="265"/>
-            <ac:cxnSpMk id="10" creationId="{B6C7CFE2-5733-8110-804C-982815A208AA}"/>
-          </ac:cxnSpMkLst>
-        </pc:cxnChg>
-        <pc:cxnChg chg="add mod">
-          <ac:chgData name="Ke Yu" userId="a844e5b4-5ccb-4234-998f-a7928449601c" providerId="ADAL" clId="{D0F47325-74C3-40D2-8CCD-80CCCBB5BD2B}" dt="2024-04-22T19:33:56.263" v="113"/>
-          <ac:cxnSpMkLst>
-            <pc:docMk/>
-            <pc:sldMk cId="1383264818" sldId="265"/>
-            <ac:cxnSpMk id="11" creationId="{66984965-CDB4-1642-414D-C1AEE9D414AB}"/>
-          </ac:cxnSpMkLst>
-        </pc:cxnChg>
-        <pc:cxnChg chg="add mod">
-          <ac:chgData name="Ke Yu" userId="a844e5b4-5ccb-4234-998f-a7928449601c" providerId="ADAL" clId="{D0F47325-74C3-40D2-8CCD-80CCCBB5BD2B}" dt="2024-04-22T19:33:56.263" v="113"/>
-          <ac:cxnSpMkLst>
-            <pc:docMk/>
-            <pc:sldMk cId="1383264818" sldId="265"/>
-            <ac:cxnSpMk id="13" creationId="{71B3FED4-5790-E62D-0647-F784A7D379A7}"/>
-          </ac:cxnSpMkLst>
-        </pc:cxnChg>
-        <pc:cxnChg chg="add mod">
-          <ac:chgData name="Ke Yu" userId="a844e5b4-5ccb-4234-998f-a7928449601c" providerId="ADAL" clId="{D0F47325-74C3-40D2-8CCD-80CCCBB5BD2B}" dt="2024-04-22T19:33:56.263" v="113"/>
-          <ac:cxnSpMkLst>
-            <pc:docMk/>
-            <pc:sldMk cId="1383264818" sldId="265"/>
-            <ac:cxnSpMk id="14" creationId="{9D8B1F0D-C468-317D-264C-BACD706DD360}"/>
-          </ac:cxnSpMkLst>
-        </pc:cxnChg>
-        <pc:cxnChg chg="add mod">
-          <ac:chgData name="Ke Yu" userId="a844e5b4-5ccb-4234-998f-a7928449601c" providerId="ADAL" clId="{D0F47325-74C3-40D2-8CCD-80CCCBB5BD2B}" dt="2024-04-22T19:33:56.263" v="113"/>
-          <ac:cxnSpMkLst>
-            <pc:docMk/>
-            <pc:sldMk cId="1383264818" sldId="265"/>
-            <ac:cxnSpMk id="15" creationId="{890E14A9-F00B-3A42-2EBF-898E119F87B3}"/>
-          </ac:cxnSpMkLst>
-        </pc:cxnChg>
-        <pc:cxnChg chg="add mod">
-          <ac:chgData name="Ke Yu" userId="a844e5b4-5ccb-4234-998f-a7928449601c" providerId="ADAL" clId="{D0F47325-74C3-40D2-8CCD-80CCCBB5BD2B}" dt="2024-04-22T19:33:56.263" v="113"/>
-          <ac:cxnSpMkLst>
-            <pc:docMk/>
-            <pc:sldMk cId="1383264818" sldId="265"/>
-            <ac:cxnSpMk id="16" creationId="{63D332AC-5607-75DD-5AAB-8ADB6CEF899B}"/>
-          </ac:cxnSpMkLst>
-        </pc:cxnChg>
-        <pc:cxnChg chg="add mod">
-          <ac:chgData name="Ke Yu" userId="a844e5b4-5ccb-4234-998f-a7928449601c" providerId="ADAL" clId="{D0F47325-74C3-40D2-8CCD-80CCCBB5BD2B}" dt="2024-04-22T19:33:56.263" v="113"/>
-          <ac:cxnSpMkLst>
-            <pc:docMk/>
-            <pc:sldMk cId="1383264818" sldId="265"/>
-            <ac:cxnSpMk id="17" creationId="{AD3D0766-DA12-19A1-E393-DBD18741103D}"/>
-          </ac:cxnSpMkLst>
-        </pc:cxnChg>
-        <pc:cxnChg chg="add mod">
-          <ac:chgData name="Ke Yu" userId="a844e5b4-5ccb-4234-998f-a7928449601c" providerId="ADAL" clId="{D0F47325-74C3-40D2-8CCD-80CCCBB5BD2B}" dt="2024-04-22T19:33:56.263" v="113"/>
-          <ac:cxnSpMkLst>
-            <pc:docMk/>
-            <pc:sldMk cId="1383264818" sldId="265"/>
-            <ac:cxnSpMk id="19" creationId="{1D24C180-CA3D-3F70-6248-F82567FBE62F}"/>
-          </ac:cxnSpMkLst>
-        </pc:cxnChg>
-      </pc:sldChg>
-    </pc:docChg>
-  </pc:docChgLst>
-</pc:chgInfo>
-</file>
-
 <file path=ppt/notesMasters/notesMaster1.xml><?xml version="1.0" encoding="utf-8"?>
 <p:notesMaster xmlns:a="http://schemas.openxmlformats.org/drawingml/2006/main" xmlns:r="http://schemas.openxmlformats.org/officeDocument/2006/relationships" xmlns:p="http://schemas.openxmlformats.org/presentationml/2006/main">
   <p:cSld>
@@ -2489,7 +201,7 @@
           <a:p>
             <a:fld id="{EB033B41-5916-4B0F-ABD7-E44CB5BFDEA7}" type="datetimeFigureOut">
               <a:rPr lang="en-US" smtClean="0"/>
-              <a:t>5/15/2024</a:t>
+              <a:t>7/16/2024</a:t>
             </a:fld>
             <a:endParaRPr lang="en-US"/>
           </a:p>
@@ -2756,6 +468,90 @@
 </p:notesMaster>
 </file>
 
+<file path=ppt/notesSlides/notesSlide1.xml><?xml version="1.0" encoding="utf-8"?>
+<p:notes xmlns:a="http://schemas.openxmlformats.org/drawingml/2006/main" xmlns:r="http://schemas.openxmlformats.org/officeDocument/2006/relationships" xmlns:p="http://schemas.openxmlformats.org/presentationml/2006/main">
+  <p:cSld>
+    <p:spTree>
+      <p:nvGrpSpPr>
+        <p:cNvPr id="1" name=""/>
+        <p:cNvGrpSpPr/>
+        <p:nvPr/>
+      </p:nvGrpSpPr>
+      <p:grpSpPr>
+        <a:xfrm>
+          <a:off x="0" y="0"/>
+          <a:ext cx="0" cy="0"/>
+          <a:chOff x="0" y="0"/>
+          <a:chExt cx="0" cy="0"/>
+        </a:xfrm>
+      </p:grpSpPr>
+      <p:sp>
+        <p:nvSpPr>
+          <p:cNvPr id="2" name="Slide Image Placeholder 1"/>
+          <p:cNvSpPr>
+            <a:spLocks noGrp="1" noRot="1" noChangeAspect="1"/>
+          </p:cNvSpPr>
+          <p:nvPr>
+            <p:ph type="sldImg"/>
+          </p:nvPr>
+        </p:nvSpPr>
+        <p:spPr/>
+      </p:sp>
+      <p:sp>
+        <p:nvSpPr>
+          <p:cNvPr id="3" name="Notes Placeholder 2"/>
+          <p:cNvSpPr>
+            <a:spLocks noGrp="1"/>
+          </p:cNvSpPr>
+          <p:nvPr>
+            <p:ph type="body" idx="1"/>
+          </p:nvPr>
+        </p:nvSpPr>
+        <p:spPr/>
+        <p:txBody>
+          <a:bodyPr/>
+          <a:lstStyle/>
+          <a:p>
+            <a:endParaRPr lang="en-US" dirty="0"/>
+          </a:p>
+        </p:txBody>
+      </p:sp>
+      <p:sp>
+        <p:nvSpPr>
+          <p:cNvPr id="4" name="Slide Number Placeholder 3"/>
+          <p:cNvSpPr>
+            <a:spLocks noGrp="1"/>
+          </p:cNvSpPr>
+          <p:nvPr>
+            <p:ph type="sldNum" sz="quarter" idx="5"/>
+          </p:nvPr>
+        </p:nvSpPr>
+        <p:spPr/>
+        <p:txBody>
+          <a:bodyPr/>
+          <a:lstStyle/>
+          <a:p>
+            <a:fld id="{8DB4507E-288C-4AB7-95D5-35ED6F428B87}" type="slidenum">
+              <a:rPr lang="en-US" smtClean="0"/>
+              <a:t>2</a:t>
+            </a:fld>
+            <a:endParaRPr lang="en-US"/>
+          </a:p>
+        </p:txBody>
+      </p:sp>
+    </p:spTree>
+    <p:extLst>
+      <p:ext uri="{BB962C8B-B14F-4D97-AF65-F5344CB8AC3E}">
+        <p14:creationId xmlns:p14="http://schemas.microsoft.com/office/powerpoint/2010/main" val="1418348184"/>
+      </p:ext>
+    </p:extLst>
+  </p:cSld>
+  <p:clrMapOvr>
+    <a:masterClrMapping/>
+  </p:clrMapOvr>
+</p:notes>
+</file>
+
 <file path=ppt/slideLayouts/slideLayout1.xml><?xml version="1.0" encoding="utf-8"?>
 <p:sldLayout xmlns:a="http://schemas.openxmlformats.org/drawingml/2006/main" xmlns:r="http://schemas.openxmlformats.org/officeDocument/2006/relationships" xmlns:p="http://schemas.openxmlformats.org/presentationml/2006/main" type="title" preserve="1">
   <p:cSld name="Title Slide">
@@ -2903,7 +699,7 @@
           <a:p>
             <a:fld id="{4FC11E3B-EF57-4989-9A3F-CE8491983F07}" type="datetimeFigureOut">
               <a:rPr lang="en-US" smtClean="0"/>
-              <a:t>5/15/2024</a:t>
+              <a:t>7/16/2024</a:t>
             </a:fld>
             <a:endParaRPr lang="en-US"/>
           </a:p>
@@ -3101,7 +897,7 @@
           <a:p>
             <a:fld id="{4FC11E3B-EF57-4989-9A3F-CE8491983F07}" type="datetimeFigureOut">
               <a:rPr lang="en-US" smtClean="0"/>
-              <a:t>5/15/2024</a:t>
+              <a:t>7/16/2024</a:t>
             </a:fld>
             <a:endParaRPr lang="en-US"/>
           </a:p>
@@ -3309,7 +1105,7 @@
           <a:p>
             <a:fld id="{4FC11E3B-EF57-4989-9A3F-CE8491983F07}" type="datetimeFigureOut">
               <a:rPr lang="en-US" smtClean="0"/>
-              <a:t>5/15/2024</a:t>
+              <a:t>7/16/2024</a:t>
             </a:fld>
             <a:endParaRPr lang="en-US"/>
           </a:p>
@@ -3507,7 +1303,7 @@
           <a:p>
             <a:fld id="{4FC11E3B-EF57-4989-9A3F-CE8491983F07}" type="datetimeFigureOut">
               <a:rPr lang="en-US" smtClean="0"/>
-              <a:t>5/15/2024</a:t>
+              <a:t>7/16/2024</a:t>
             </a:fld>
             <a:endParaRPr lang="en-US"/>
           </a:p>
@@ -3782,7 +1578,7 @@
           <a:p>
             <a:fld id="{4FC11E3B-EF57-4989-9A3F-CE8491983F07}" type="datetimeFigureOut">
               <a:rPr lang="en-US" smtClean="0"/>
-              <a:t>5/15/2024</a:t>
+              <a:t>7/16/2024</a:t>
             </a:fld>
             <a:endParaRPr lang="en-US"/>
           </a:p>
@@ -4047,7 +1843,7 @@
           <a:p>
             <a:fld id="{4FC11E3B-EF57-4989-9A3F-CE8491983F07}" type="datetimeFigureOut">
               <a:rPr lang="en-US" smtClean="0"/>
-              <a:t>5/15/2024</a:t>
+              <a:t>7/16/2024</a:t>
             </a:fld>
             <a:endParaRPr lang="en-US"/>
           </a:p>
@@ -4459,7 +2255,7 @@
           <a:p>
             <a:fld id="{4FC11E3B-EF57-4989-9A3F-CE8491983F07}" type="datetimeFigureOut">
               <a:rPr lang="en-US" smtClean="0"/>
-              <a:t>5/15/2024</a:t>
+              <a:t>7/16/2024</a:t>
             </a:fld>
             <a:endParaRPr lang="en-US"/>
           </a:p>
@@ -4600,7 +2396,7 @@
           <a:p>
             <a:fld id="{4FC11E3B-EF57-4989-9A3F-CE8491983F07}" type="datetimeFigureOut">
               <a:rPr lang="en-US" smtClean="0"/>
-              <a:t>5/15/2024</a:t>
+              <a:t>7/16/2024</a:t>
             </a:fld>
             <a:endParaRPr lang="en-US"/>
           </a:p>
@@ -4713,7 +2509,7 @@
           <a:p>
             <a:fld id="{4FC11E3B-EF57-4989-9A3F-CE8491983F07}" type="datetimeFigureOut">
               <a:rPr lang="en-US" smtClean="0"/>
-              <a:t>5/15/2024</a:t>
+              <a:t>7/16/2024</a:t>
             </a:fld>
             <a:endParaRPr lang="en-US"/>
           </a:p>
@@ -5024,7 +2820,7 @@
           <a:p>
             <a:fld id="{4FC11E3B-EF57-4989-9A3F-CE8491983F07}" type="datetimeFigureOut">
               <a:rPr lang="en-US" smtClean="0"/>
-              <a:t>5/15/2024</a:t>
+              <a:t>7/16/2024</a:t>
             </a:fld>
             <a:endParaRPr lang="en-US"/>
           </a:p>
@@ -5312,7 +3108,7 @@
           <a:p>
             <a:fld id="{4FC11E3B-EF57-4989-9A3F-CE8491983F07}" type="datetimeFigureOut">
               <a:rPr lang="en-US" smtClean="0"/>
-              <a:t>5/15/2024</a:t>
+              <a:t>7/16/2024</a:t>
             </a:fld>
             <a:endParaRPr lang="en-US"/>
           </a:p>
@@ -5553,7 +3349,7 @@
           <a:p>
             <a:fld id="{4FC11E3B-EF57-4989-9A3F-CE8491983F07}" type="datetimeFigureOut">
               <a:rPr lang="en-US" smtClean="0"/>
-              <a:t>5/15/2024</a:t>
+              <a:t>7/16/2024</a:t>
             </a:fld>
             <a:endParaRPr lang="en-US"/>
           </a:p>
@@ -5972,10 +3768,10 @@
       </p:grpSpPr>
       <p:pic>
         <p:nvPicPr>
-          <p:cNvPr id="60" name="Picture 59">
-            <a:extLst>
-              <a:ext uri="{FF2B5EF4-FFF2-40B4-BE49-F238E27FC236}">
-                <a16:creationId xmlns:a16="http://schemas.microsoft.com/office/drawing/2014/main" id="{9D50EC85-4098-1F6A-ED56-52CFC9EC1F85}"/>
+          <p:cNvPr id="4" name="Picture 3">
+            <a:extLst>
+              <a:ext uri="{FF2B5EF4-FFF2-40B4-BE49-F238E27FC236}">
+                <a16:creationId xmlns:a16="http://schemas.microsoft.com/office/drawing/2014/main" id="{B6A4B0E1-7642-8701-4BFE-CA994C44DEF2}"/>
               </a:ext>
             </a:extLst>
           </p:cNvPr>
@@ -5992,8 +3788,8 @@
         </p:blipFill>
         <p:spPr>
           <a:xfrm>
-            <a:off x="7831473" y="1911249"/>
-            <a:ext cx="4072481" cy="2853175"/>
+            <a:off x="7182486" y="1203183"/>
+            <a:ext cx="4034991" cy="2639915"/>
           </a:xfrm>
           <a:prstGeom prst="rect">
             <a:avLst/>
@@ -6049,8 +3845,8 @@
         </p:nvSpPr>
         <p:spPr>
           <a:xfrm>
-            <a:off x="248816" y="1027722"/>
-            <a:ext cx="4348027" cy="646331"/>
+            <a:off x="561852" y="1027722"/>
+            <a:ext cx="4034991" cy="369332"/>
           </a:xfrm>
           <a:prstGeom prst="rect">
             <a:avLst/>
@@ -6067,17 +3863,6 @@
               <a:rPr lang="en-US" dirty="0"/>
               <a:t>Size in XYZ: 100mm x 100mm x 200mm</a:t>
             </a:r>
-          </a:p>
-          <a:p>
-            <a:r>
-              <a:rPr lang="en-US" dirty="0"/>
-              <a:t>Same mesh as unconfined </a:t>
-            </a:r>
-            <a:r>
-              <a:rPr lang="en-US"/>
-              <a:t>compression test</a:t>
-            </a:r>
-            <a:endParaRPr lang="en-US" dirty="0"/>
           </a:p>
         </p:txBody>
       </p:sp>
@@ -6174,7 +3959,7 @@
         </p:nvSpPr>
         <p:spPr>
           <a:xfrm>
-            <a:off x="2092280" y="1911250"/>
+            <a:off x="2983968" y="1713240"/>
             <a:ext cx="709126" cy="369332"/>
           </a:xfrm>
           <a:prstGeom prst="rect">
@@ -6209,8 +3994,8 @@
         </p:nvSpPr>
         <p:spPr>
           <a:xfrm>
-            <a:off x="4391402" y="1500242"/>
-            <a:ext cx="3909856" cy="3970318"/>
+            <a:off x="4343945" y="1344534"/>
+            <a:ext cx="3909856" cy="5078313"/>
           </a:xfrm>
           <a:prstGeom prst="rect">
             <a:avLst/>
@@ -6225,23 +4010,19 @@
           <a:p>
             <a:r>
               <a:rPr lang="en-US" dirty="0"/>
-              <a:t>RP1 (50, 50, 200):</a:t>
+              <a:t>RP1 (100, 100, 200):</a:t>
             </a:r>
           </a:p>
           <a:p>
             <a:r>
               <a:rPr lang="en-US" dirty="0"/>
-              <a:t>(Central nodes at top)</a:t>
-            </a:r>
-          </a:p>
-          <a:p>
-            <a:r>
-              <a:rPr lang="en-US" dirty="0" err="1"/>
-              <a:t>Fx</a:t>
-            </a:r>
+              <a:t>(Edge node at top)</a:t>
+            </a:r>
+          </a:p>
+          <a:p>
             <a:r>
               <a:rPr lang="en-US" dirty="0"/>
-              <a:t> = P (Applied Force)</a:t>
+              <a:t>dx = P</a:t>
             </a:r>
           </a:p>
           <a:p>
@@ -6256,7 +4037,7 @@
           <a:p>
             <a:r>
               <a:rPr lang="en-US" dirty="0"/>
-              <a:t>(Central nodes at bottom)</a:t>
+              <a:t>(Central node at bottom)</a:t>
             </a:r>
           </a:p>
           <a:p>
@@ -6319,11 +4100,8 @@
           <a:p>
             <a:r>
               <a:rPr lang="en-US" dirty="0"/>
-              <a:t>Nodes on the top (z=200) are free</a:t>
-            </a:r>
-          </a:p>
-          <a:p>
-            <a:endParaRPr lang="en-US" dirty="0"/>
+              <a:t>Nodes on the top are free (z=200)</a:t>
+            </a:r>
           </a:p>
           <a:p>
             <a:r>
@@ -6375,6 +4153,42 @@
             <a:r>
               <a:rPr lang="en-US" dirty="0"/>
               <a:t> are the same</a:t>
+            </a:r>
+          </a:p>
+          <a:p>
+            <a:endParaRPr lang="en-US" dirty="0"/>
+          </a:p>
+          <a:p>
+            <a:r>
+              <a:rPr lang="en-US" b="1" dirty="0"/>
+              <a:t>Output Frequency: </a:t>
+            </a:r>
+            <a:r>
+              <a:rPr lang="en-US" dirty="0"/>
+              <a:t>dt = 0.00002s</a:t>
+            </a:r>
+          </a:p>
+          <a:p>
+            <a:r>
+              <a:rPr lang="en-US" b="1" dirty="0"/>
+              <a:t>Total time: </a:t>
+            </a:r>
+            <a:r>
+              <a:rPr lang="en-US" dirty="0"/>
+              <a:t>t = 0.1s</a:t>
+            </a:r>
+          </a:p>
+          <a:p>
+            <a:endParaRPr lang="en-US" dirty="0"/>
+          </a:p>
+          <a:p>
+            <a:r>
+              <a:rPr lang="en-US" b="1" dirty="0"/>
+              <a:t>Material mode: </a:t>
+            </a:r>
+            <a:r>
+              <a:rPr lang="en-US" dirty="0"/>
+              <a:t>Elastic</a:t>
             </a:r>
           </a:p>
         </p:txBody>
@@ -6674,7 +4488,7 @@
         </p:nvCxnSpPr>
         <p:spPr>
           <a:xfrm>
-            <a:off x="2725206" y="2194378"/>
+            <a:off x="3288474" y="2063750"/>
             <a:ext cx="756918" cy="0"/>
           </a:xfrm>
           <a:prstGeom prst="straightConnector1">
@@ -6716,7 +4530,7 @@
         </p:nvSpPr>
         <p:spPr>
           <a:xfrm>
-            <a:off x="2627239" y="2137026"/>
+            <a:off x="3190507" y="2006398"/>
             <a:ext cx="120852" cy="120852"/>
           </a:xfrm>
           <a:prstGeom prst="ellipse">
@@ -6822,7 +4636,7 @@
         </p:nvSpPr>
         <p:spPr>
           <a:xfrm>
-            <a:off x="3397271" y="1911249"/>
+            <a:off x="3960539" y="1780621"/>
             <a:ext cx="291616" cy="369332"/>
           </a:xfrm>
           <a:prstGeom prst="rect">
@@ -6862,7 +4676,7 @@
         </p:nvCxnSpPr>
         <p:spPr>
           <a:xfrm>
-            <a:off x="8876290" y="2728412"/>
+            <a:off x="8557008" y="1918977"/>
             <a:ext cx="0" cy="1364704"/>
           </a:xfrm>
           <a:prstGeom prst="line">
@@ -6889,10 +4703,10 @@
       </p:cxnSp>
       <p:sp>
         <p:nvSpPr>
-          <p:cNvPr id="58" name="TextBox 57">
-            <a:extLst>
-              <a:ext uri="{FF2B5EF4-FFF2-40B4-BE49-F238E27FC236}">
-                <a16:creationId xmlns:a16="http://schemas.microsoft.com/office/drawing/2014/main" id="{74B8D48F-3C0A-EEE8-5067-AA7F028E6ADC}"/>
+          <p:cNvPr id="2" name="TextBox 1">
+            <a:extLst>
+              <a:ext uri="{FF2B5EF4-FFF2-40B4-BE49-F238E27FC236}">
+                <a16:creationId xmlns:a16="http://schemas.microsoft.com/office/drawing/2014/main" id="{CE2B8636-ED8B-646F-F9B9-40725748AD6B}"/>
               </a:ext>
             </a:extLst>
           </p:cNvPr>
@@ -6901,8 +4715,8 @@
         </p:nvSpPr>
         <p:spPr>
           <a:xfrm>
-            <a:off x="8711251" y="4093116"/>
-            <a:ext cx="437119" cy="261610"/>
+            <a:off x="8532092" y="3048943"/>
+            <a:ext cx="885605" cy="261610"/>
           </a:xfrm>
           <a:prstGeom prst="rect">
             <a:avLst/>
@@ -6920,17 +4734,17 @@
                 <a:latin typeface="Times New Roman" panose="02020603050405020304" pitchFamily="18" charset="0"/>
                 <a:cs typeface="Times New Roman" panose="02020603050405020304" pitchFamily="18" charset="0"/>
               </a:rPr>
-              <a:t>0.01</a:t>
-            </a:r>
-          </a:p>
-        </p:txBody>
-      </p:sp>
-      <p:sp>
-        <p:nvSpPr>
-          <p:cNvPr id="2" name="TextBox 1">
-            <a:extLst>
-              <a:ext uri="{FF2B5EF4-FFF2-40B4-BE49-F238E27FC236}">
-                <a16:creationId xmlns:a16="http://schemas.microsoft.com/office/drawing/2014/main" id="{1ABB2F9C-8DAA-81F9-1E7B-56A3370FE96F}"/>
+              <a:t>t = 0.01004s</a:t>
+            </a:r>
+          </a:p>
+        </p:txBody>
+      </p:sp>
+      <p:sp>
+        <p:nvSpPr>
+          <p:cNvPr id="3" name="TextBox 2">
+            <a:extLst>
+              <a:ext uri="{FF2B5EF4-FFF2-40B4-BE49-F238E27FC236}">
+                <a16:creationId xmlns:a16="http://schemas.microsoft.com/office/drawing/2014/main" id="{A9320749-0A6A-C856-496C-D6CA23C49B5D}"/>
               </a:ext>
             </a:extLst>
           </p:cNvPr>
@@ -6939,8 +4753,8 @@
         </p:nvSpPr>
         <p:spPr>
           <a:xfrm>
-            <a:off x="8876290" y="3905550"/>
-            <a:ext cx="564442" cy="261610"/>
+            <a:off x="8525870" y="1657367"/>
+            <a:ext cx="891828" cy="261610"/>
           </a:xfrm>
           <a:prstGeom prst="rect">
             <a:avLst/>
@@ -6958,7 +4772,7 @@
                 <a:latin typeface="Times New Roman" panose="02020603050405020304" pitchFamily="18" charset="0"/>
                 <a:cs typeface="Times New Roman" panose="02020603050405020304" pitchFamily="18" charset="0"/>
               </a:rPr>
-              <a:t>0.011</a:t>
+              <a:t>t = 0.01s</a:t>
             </a:r>
           </a:p>
         </p:txBody>
@@ -6966,7 +4780,7 @@
     </p:spTree>
     <p:extLst>
       <p:ext uri="{BB962C8B-B14F-4D97-AF65-F5344CB8AC3E}">
-        <p14:creationId xmlns:p14="http://schemas.microsoft.com/office/powerpoint/2010/main" val="417035385"/>
+        <p14:creationId xmlns:p14="http://schemas.microsoft.com/office/powerpoint/2010/main" val="2800905179"/>
       </p:ext>
     </p:extLst>
   </p:cSld>
@@ -6993,50 +4807,12 @@
           <a:chExt cx="0" cy="0"/>
         </a:xfrm>
       </p:grpSpPr>
-      <p:sp>
-        <p:nvSpPr>
-          <p:cNvPr id="5" name="TextBox 4">
-            <a:extLst>
-              <a:ext uri="{FF2B5EF4-FFF2-40B4-BE49-F238E27FC236}">
-                <a16:creationId xmlns:a16="http://schemas.microsoft.com/office/drawing/2014/main" id="{6DA679CF-0520-ABC1-47C4-D13C35836300}"/>
-              </a:ext>
-            </a:extLst>
-          </p:cNvPr>
-          <p:cNvSpPr txBox="1"/>
-          <p:nvPr/>
-        </p:nvSpPr>
-        <p:spPr>
-          <a:xfrm>
-            <a:off x="545941" y="450980"/>
-            <a:ext cx="6096000" cy="646331"/>
-          </a:xfrm>
-          <a:prstGeom prst="rect">
-            <a:avLst/>
-          </a:prstGeom>
-          <a:noFill/>
-        </p:spPr>
-        <p:txBody>
-          <a:bodyPr wrap="square">
-            <a:spAutoFit/>
-          </a:bodyPr>
-          <a:lstStyle/>
-          <a:p>
-            <a:r>
-              <a:rPr lang="en-US" dirty="0"/>
-              <a:t>Elastic Material Property</a:t>
-            </a:r>
-          </a:p>
-          <a:p>
-            <a:endParaRPr lang="en-US" dirty="0"/>
-          </a:p>
-        </p:txBody>
-      </p:sp>
       <p:pic>
         <p:nvPicPr>
-          <p:cNvPr id="6" name="Picture 5">
-            <a:extLst>
-              <a:ext uri="{FF2B5EF4-FFF2-40B4-BE49-F238E27FC236}">
-                <a16:creationId xmlns:a16="http://schemas.microsoft.com/office/drawing/2014/main" id="{411ACAE5-F503-1407-AAFA-976670727CC2}"/>
+          <p:cNvPr id="2" name="Picture 1">
+            <a:extLst>
+              <a:ext uri="{FF2B5EF4-FFF2-40B4-BE49-F238E27FC236}">
+                <a16:creationId xmlns:a16="http://schemas.microsoft.com/office/drawing/2014/main" id="{6F67C396-9B3C-461E-38E7-18651EED56FE}"/>
               </a:ext>
             </a:extLst>
           </p:cNvPr>
@@ -7046,21 +4822,97 @@
           <p:nvPr/>
         </p:nvPicPr>
         <p:blipFill>
-          <a:blip r:embed="rId2"/>
+          <a:blip r:embed="rId3"/>
           <a:stretch>
             <a:fillRect/>
           </a:stretch>
         </p:blipFill>
         <p:spPr>
           <a:xfrm>
-            <a:off x="3593941" y="345471"/>
-            <a:ext cx="7492633" cy="5992887"/>
+            <a:off x="3593941" y="415109"/>
+            <a:ext cx="7493644" cy="5991911"/>
           </a:xfrm>
           <a:prstGeom prst="rect">
             <a:avLst/>
           </a:prstGeom>
         </p:spPr>
       </p:pic>
+      <p:sp>
+        <p:nvSpPr>
+          <p:cNvPr id="5" name="TextBox 4">
+            <a:extLst>
+              <a:ext uri="{FF2B5EF4-FFF2-40B4-BE49-F238E27FC236}">
+                <a16:creationId xmlns:a16="http://schemas.microsoft.com/office/drawing/2014/main" id="{6DA679CF-0520-ABC1-47C4-D13C35836300}"/>
+              </a:ext>
+            </a:extLst>
+          </p:cNvPr>
+          <p:cNvSpPr txBox="1"/>
+          <p:nvPr/>
+        </p:nvSpPr>
+        <p:spPr>
+          <a:xfrm>
+            <a:off x="545941" y="450980"/>
+            <a:ext cx="6096000" cy="369332"/>
+          </a:xfrm>
+          <a:prstGeom prst="rect">
+            <a:avLst/>
+          </a:prstGeom>
+          <a:noFill/>
+        </p:spPr>
+        <p:txBody>
+          <a:bodyPr wrap="square">
+            <a:spAutoFit/>
+          </a:bodyPr>
+          <a:lstStyle/>
+          <a:p>
+            <a:r>
+              <a:rPr lang="en-US" dirty="0"/>
+              <a:t>Material Property</a:t>
+            </a:r>
+          </a:p>
+        </p:txBody>
+      </p:sp>
+      <p:sp>
+        <p:nvSpPr>
+          <p:cNvPr id="4" name="TextBox 3">
+            <a:extLst>
+              <a:ext uri="{FF2B5EF4-FFF2-40B4-BE49-F238E27FC236}">
+                <a16:creationId xmlns:a16="http://schemas.microsoft.com/office/drawing/2014/main" id="{508C76B5-8A66-18F3-EF93-6FB057CDB43E}"/>
+              </a:ext>
+            </a:extLst>
+          </p:cNvPr>
+          <p:cNvSpPr txBox="1"/>
+          <p:nvPr/>
+        </p:nvSpPr>
+        <p:spPr>
+          <a:xfrm>
+            <a:off x="9112898" y="5945546"/>
+            <a:ext cx="292359" cy="369332"/>
+          </a:xfrm>
+          <a:prstGeom prst="rect">
+            <a:avLst/>
+          </a:prstGeom>
+          <a:solidFill>
+            <a:schemeClr val="bg1"/>
+          </a:solidFill>
+        </p:spPr>
+        <p:txBody>
+          <a:bodyPr wrap="square">
+            <a:spAutoFit/>
+          </a:bodyPr>
+          <a:lstStyle/>
+          <a:p>
+            <a:r>
+              <a:rPr lang="en-US" dirty="0">
+                <a:solidFill>
+                  <a:srgbClr val="FF0000"/>
+                </a:solidFill>
+              </a:rPr>
+              <a:t>1</a:t>
+            </a:r>
+          </a:p>
+        </p:txBody>
+      </p:sp>
     </p:spTree>
     <p:extLst>
       <p:ext uri="{BB962C8B-B14F-4D97-AF65-F5344CB8AC3E}">
@@ -7182,76 +5034,6 @@
           </a:p>
         </p:txBody>
       </p:sp>
-      <p:sp>
-        <p:nvSpPr>
-          <p:cNvPr id="4" name="TextBox 3">
-            <a:extLst>
-              <a:ext uri="{FF2B5EF4-FFF2-40B4-BE49-F238E27FC236}">
-                <a16:creationId xmlns:a16="http://schemas.microsoft.com/office/drawing/2014/main" id="{955DCA27-EAB7-BB80-F347-BC12CEB79B87}"/>
-              </a:ext>
-            </a:extLst>
-          </p:cNvPr>
-          <p:cNvSpPr txBox="1"/>
-          <p:nvPr/>
-        </p:nvSpPr>
-        <p:spPr>
-          <a:xfrm>
-            <a:off x="1791796" y="4625244"/>
-            <a:ext cx="709126" cy="369332"/>
-          </a:xfrm>
-          <a:prstGeom prst="rect">
-            <a:avLst/>
-          </a:prstGeom>
-          <a:noFill/>
-        </p:spPr>
-        <p:txBody>
-          <a:bodyPr wrap="square" rtlCol="0">
-            <a:spAutoFit/>
-          </a:bodyPr>
-          <a:lstStyle/>
-          <a:p>
-            <a:r>
-              <a:rPr lang="en-US" dirty="0"/>
-              <a:t>RP2</a:t>
-            </a:r>
-          </a:p>
-        </p:txBody>
-      </p:sp>
-      <p:sp>
-        <p:nvSpPr>
-          <p:cNvPr id="5" name="TextBox 4">
-            <a:extLst>
-              <a:ext uri="{FF2B5EF4-FFF2-40B4-BE49-F238E27FC236}">
-                <a16:creationId xmlns:a16="http://schemas.microsoft.com/office/drawing/2014/main" id="{30649CAE-8F04-32A6-653B-94B903CEAC3B}"/>
-              </a:ext>
-            </a:extLst>
-          </p:cNvPr>
-          <p:cNvSpPr txBox="1"/>
-          <p:nvPr/>
-        </p:nvSpPr>
-        <p:spPr>
-          <a:xfrm>
-            <a:off x="1987958" y="1708425"/>
-            <a:ext cx="709126" cy="369332"/>
-          </a:xfrm>
-          <a:prstGeom prst="rect">
-            <a:avLst/>
-          </a:prstGeom>
-          <a:noFill/>
-        </p:spPr>
-        <p:txBody>
-          <a:bodyPr wrap="square" rtlCol="0">
-            <a:spAutoFit/>
-          </a:bodyPr>
-          <a:lstStyle/>
-          <a:p>
-            <a:r>
-              <a:rPr lang="en-US" dirty="0"/>
-              <a:t>RP1</a:t>
-            </a:r>
-          </a:p>
-        </p:txBody>
-      </p:sp>
       <p:cxnSp>
         <p:nvCxnSpPr>
           <p:cNvPr id="6" name="Straight Connector 5">
@@ -7474,12 +5256,197 @@
           </a:fontRef>
         </p:style>
       </p:cxnSp>
-      <p:sp>
-        <p:nvSpPr>
-          <p:cNvPr id="12" name="Oval 11">
-            <a:extLst>
-              <a:ext uri="{FF2B5EF4-FFF2-40B4-BE49-F238E27FC236}">
-                <a16:creationId xmlns:a16="http://schemas.microsoft.com/office/drawing/2014/main" id="{AD3D57D4-99B8-7C32-01FD-B6CB5E26438C}"/>
+      <p:cxnSp>
+        <p:nvCxnSpPr>
+          <p:cNvPr id="13" name="Straight Connector 12">
+            <a:extLst>
+              <a:ext uri="{FF2B5EF4-FFF2-40B4-BE49-F238E27FC236}">
+                <a16:creationId xmlns:a16="http://schemas.microsoft.com/office/drawing/2014/main" id="{71B3FED4-5790-E62D-0647-F784A7D379A7}"/>
+              </a:ext>
+            </a:extLst>
+          </p:cNvPr>
+          <p:cNvCxnSpPr/>
+          <p:nvPr/>
+        </p:nvCxnSpPr>
+        <p:spPr>
+          <a:xfrm flipH="1">
+            <a:off x="2159412" y="4500395"/>
+            <a:ext cx="124849" cy="124849"/>
+          </a:xfrm>
+          <a:prstGeom prst="line">
+            <a:avLst/>
+          </a:prstGeom>
+          <a:ln w="28575"/>
+        </p:spPr>
+        <p:style>
+          <a:lnRef idx="1">
+            <a:schemeClr val="dk1"/>
+          </a:lnRef>
+          <a:fillRef idx="0">
+            <a:schemeClr val="dk1"/>
+          </a:fillRef>
+          <a:effectRef idx="0">
+            <a:schemeClr val="dk1"/>
+          </a:effectRef>
+          <a:fontRef idx="minor">
+            <a:schemeClr val="tx1"/>
+          </a:fontRef>
+        </p:style>
+      </p:cxnSp>
+      <p:cxnSp>
+        <p:nvCxnSpPr>
+          <p:cNvPr id="14" name="Straight Connector 13">
+            <a:extLst>
+              <a:ext uri="{FF2B5EF4-FFF2-40B4-BE49-F238E27FC236}">
+                <a16:creationId xmlns:a16="http://schemas.microsoft.com/office/drawing/2014/main" id="{9D8B1F0D-C468-317D-264C-BACD706DD360}"/>
+              </a:ext>
+            </a:extLst>
+          </p:cNvPr>
+          <p:cNvCxnSpPr/>
+          <p:nvPr/>
+        </p:nvCxnSpPr>
+        <p:spPr>
+          <a:xfrm flipH="1">
+            <a:off x="2311812" y="4500395"/>
+            <a:ext cx="124849" cy="124849"/>
+          </a:xfrm>
+          <a:prstGeom prst="line">
+            <a:avLst/>
+          </a:prstGeom>
+          <a:ln w="28575"/>
+        </p:spPr>
+        <p:style>
+          <a:lnRef idx="1">
+            <a:schemeClr val="dk1"/>
+          </a:lnRef>
+          <a:fillRef idx="0">
+            <a:schemeClr val="dk1"/>
+          </a:fillRef>
+          <a:effectRef idx="0">
+            <a:schemeClr val="dk1"/>
+          </a:effectRef>
+          <a:fontRef idx="minor">
+            <a:schemeClr val="tx1"/>
+          </a:fontRef>
+        </p:style>
+      </p:cxnSp>
+      <p:cxnSp>
+        <p:nvCxnSpPr>
+          <p:cNvPr id="15" name="Straight Connector 14">
+            <a:extLst>
+              <a:ext uri="{FF2B5EF4-FFF2-40B4-BE49-F238E27FC236}">
+                <a16:creationId xmlns:a16="http://schemas.microsoft.com/office/drawing/2014/main" id="{890E14A9-F00B-3A42-2EBF-898E119F87B3}"/>
+              </a:ext>
+            </a:extLst>
+          </p:cNvPr>
+          <p:cNvCxnSpPr/>
+          <p:nvPr/>
+        </p:nvCxnSpPr>
+        <p:spPr>
+          <a:xfrm flipH="1">
+            <a:off x="2464212" y="4500395"/>
+            <a:ext cx="124849" cy="124849"/>
+          </a:xfrm>
+          <a:prstGeom prst="line">
+            <a:avLst/>
+          </a:prstGeom>
+          <a:ln w="28575"/>
+        </p:spPr>
+        <p:style>
+          <a:lnRef idx="1">
+            <a:schemeClr val="dk1"/>
+          </a:lnRef>
+          <a:fillRef idx="0">
+            <a:schemeClr val="dk1"/>
+          </a:fillRef>
+          <a:effectRef idx="0">
+            <a:schemeClr val="dk1"/>
+          </a:effectRef>
+          <a:fontRef idx="minor">
+            <a:schemeClr val="tx1"/>
+          </a:fontRef>
+        </p:style>
+      </p:cxnSp>
+      <p:cxnSp>
+        <p:nvCxnSpPr>
+          <p:cNvPr id="16" name="Straight Connector 15">
+            <a:extLst>
+              <a:ext uri="{FF2B5EF4-FFF2-40B4-BE49-F238E27FC236}">
+                <a16:creationId xmlns:a16="http://schemas.microsoft.com/office/drawing/2014/main" id="{63D332AC-5607-75DD-5AAB-8ADB6CEF899B}"/>
+              </a:ext>
+            </a:extLst>
+          </p:cNvPr>
+          <p:cNvCxnSpPr/>
+          <p:nvPr/>
+        </p:nvCxnSpPr>
+        <p:spPr>
+          <a:xfrm flipH="1">
+            <a:off x="2615770" y="4500395"/>
+            <a:ext cx="124849" cy="124849"/>
+          </a:xfrm>
+          <a:prstGeom prst="line">
+            <a:avLst/>
+          </a:prstGeom>
+          <a:ln w="28575"/>
+        </p:spPr>
+        <p:style>
+          <a:lnRef idx="1">
+            <a:schemeClr val="dk1"/>
+          </a:lnRef>
+          <a:fillRef idx="0">
+            <a:schemeClr val="dk1"/>
+          </a:fillRef>
+          <a:effectRef idx="0">
+            <a:schemeClr val="dk1"/>
+          </a:effectRef>
+          <a:fontRef idx="minor">
+            <a:schemeClr val="tx1"/>
+          </a:fontRef>
+        </p:style>
+      </p:cxnSp>
+      <p:cxnSp>
+        <p:nvCxnSpPr>
+          <p:cNvPr id="17" name="Straight Connector 16">
+            <a:extLst>
+              <a:ext uri="{FF2B5EF4-FFF2-40B4-BE49-F238E27FC236}">
+                <a16:creationId xmlns:a16="http://schemas.microsoft.com/office/drawing/2014/main" id="{AD3D0766-DA12-19A1-E393-DBD18741103D}"/>
+              </a:ext>
+            </a:extLst>
+          </p:cNvPr>
+          <p:cNvCxnSpPr/>
+          <p:nvPr/>
+        </p:nvCxnSpPr>
+        <p:spPr>
+          <a:xfrm flipH="1">
+            <a:off x="2768170" y="4500395"/>
+            <a:ext cx="124849" cy="124849"/>
+          </a:xfrm>
+          <a:prstGeom prst="line">
+            <a:avLst/>
+          </a:prstGeom>
+          <a:ln w="28575"/>
+        </p:spPr>
+        <p:style>
+          <a:lnRef idx="1">
+            <a:schemeClr val="dk1"/>
+          </a:lnRef>
+          <a:fillRef idx="0">
+            <a:schemeClr val="dk1"/>
+          </a:fillRef>
+          <a:effectRef idx="0">
+            <a:schemeClr val="dk1"/>
+          </a:effectRef>
+          <a:fontRef idx="minor">
+            <a:schemeClr val="tx1"/>
+          </a:fontRef>
+        </p:style>
+      </p:cxnSp>
+      <p:sp>
+        <p:nvSpPr>
+          <p:cNvPr id="18" name="Oval 17">
+            <a:extLst>
+              <a:ext uri="{FF2B5EF4-FFF2-40B4-BE49-F238E27FC236}">
+                <a16:creationId xmlns:a16="http://schemas.microsoft.com/office/drawing/2014/main" id="{31AB9437-D7E7-1B4C-0AC5-D427D6B0D5FC}"/>
               </a:ext>
             </a:extLst>
           </p:cNvPr>
@@ -7488,7 +5455,7 @@
         </p:nvSpPr>
         <p:spPr>
           <a:xfrm>
-            <a:off x="2014419" y="4416571"/>
+            <a:off x="2008304" y="2024027"/>
             <a:ext cx="120852" cy="120852"/>
           </a:xfrm>
           <a:prstGeom prst="ellipse">
@@ -7526,197 +5493,12 @@
           </a:p>
         </p:txBody>
       </p:sp>
-      <p:cxnSp>
-        <p:nvCxnSpPr>
-          <p:cNvPr id="13" name="Straight Connector 12">
-            <a:extLst>
-              <a:ext uri="{FF2B5EF4-FFF2-40B4-BE49-F238E27FC236}">
-                <a16:creationId xmlns:a16="http://schemas.microsoft.com/office/drawing/2014/main" id="{71B3FED4-5790-E62D-0647-F784A7D379A7}"/>
-              </a:ext>
-            </a:extLst>
-          </p:cNvPr>
-          <p:cNvCxnSpPr/>
-          <p:nvPr/>
-        </p:nvCxnSpPr>
-        <p:spPr>
-          <a:xfrm flipH="1">
-            <a:off x="2159412" y="4500395"/>
-            <a:ext cx="124849" cy="124849"/>
-          </a:xfrm>
-          <a:prstGeom prst="line">
-            <a:avLst/>
-          </a:prstGeom>
-          <a:ln w="28575"/>
-        </p:spPr>
-        <p:style>
-          <a:lnRef idx="1">
-            <a:schemeClr val="dk1"/>
-          </a:lnRef>
-          <a:fillRef idx="0">
-            <a:schemeClr val="dk1"/>
-          </a:fillRef>
-          <a:effectRef idx="0">
-            <a:schemeClr val="dk1"/>
-          </a:effectRef>
-          <a:fontRef idx="minor">
-            <a:schemeClr val="tx1"/>
-          </a:fontRef>
-        </p:style>
-      </p:cxnSp>
-      <p:cxnSp>
-        <p:nvCxnSpPr>
-          <p:cNvPr id="14" name="Straight Connector 13">
-            <a:extLst>
-              <a:ext uri="{FF2B5EF4-FFF2-40B4-BE49-F238E27FC236}">
-                <a16:creationId xmlns:a16="http://schemas.microsoft.com/office/drawing/2014/main" id="{9D8B1F0D-C468-317D-264C-BACD706DD360}"/>
-              </a:ext>
-            </a:extLst>
-          </p:cNvPr>
-          <p:cNvCxnSpPr/>
-          <p:nvPr/>
-        </p:nvCxnSpPr>
-        <p:spPr>
-          <a:xfrm flipH="1">
-            <a:off x="2311812" y="4500395"/>
-            <a:ext cx="124849" cy="124849"/>
-          </a:xfrm>
-          <a:prstGeom prst="line">
-            <a:avLst/>
-          </a:prstGeom>
-          <a:ln w="28575"/>
-        </p:spPr>
-        <p:style>
-          <a:lnRef idx="1">
-            <a:schemeClr val="dk1"/>
-          </a:lnRef>
-          <a:fillRef idx="0">
-            <a:schemeClr val="dk1"/>
-          </a:fillRef>
-          <a:effectRef idx="0">
-            <a:schemeClr val="dk1"/>
-          </a:effectRef>
-          <a:fontRef idx="minor">
-            <a:schemeClr val="tx1"/>
-          </a:fontRef>
-        </p:style>
-      </p:cxnSp>
-      <p:cxnSp>
-        <p:nvCxnSpPr>
-          <p:cNvPr id="15" name="Straight Connector 14">
-            <a:extLst>
-              <a:ext uri="{FF2B5EF4-FFF2-40B4-BE49-F238E27FC236}">
-                <a16:creationId xmlns:a16="http://schemas.microsoft.com/office/drawing/2014/main" id="{890E14A9-F00B-3A42-2EBF-898E119F87B3}"/>
-              </a:ext>
-            </a:extLst>
-          </p:cNvPr>
-          <p:cNvCxnSpPr/>
-          <p:nvPr/>
-        </p:nvCxnSpPr>
-        <p:spPr>
-          <a:xfrm flipH="1">
-            <a:off x="2464212" y="4500395"/>
-            <a:ext cx="124849" cy="124849"/>
-          </a:xfrm>
-          <a:prstGeom prst="line">
-            <a:avLst/>
-          </a:prstGeom>
-          <a:ln w="28575"/>
-        </p:spPr>
-        <p:style>
-          <a:lnRef idx="1">
-            <a:schemeClr val="dk1"/>
-          </a:lnRef>
-          <a:fillRef idx="0">
-            <a:schemeClr val="dk1"/>
-          </a:fillRef>
-          <a:effectRef idx="0">
-            <a:schemeClr val="dk1"/>
-          </a:effectRef>
-          <a:fontRef idx="minor">
-            <a:schemeClr val="tx1"/>
-          </a:fontRef>
-        </p:style>
-      </p:cxnSp>
-      <p:cxnSp>
-        <p:nvCxnSpPr>
-          <p:cNvPr id="16" name="Straight Connector 15">
-            <a:extLst>
-              <a:ext uri="{FF2B5EF4-FFF2-40B4-BE49-F238E27FC236}">
-                <a16:creationId xmlns:a16="http://schemas.microsoft.com/office/drawing/2014/main" id="{63D332AC-5607-75DD-5AAB-8ADB6CEF899B}"/>
-              </a:ext>
-            </a:extLst>
-          </p:cNvPr>
-          <p:cNvCxnSpPr/>
-          <p:nvPr/>
-        </p:nvCxnSpPr>
-        <p:spPr>
-          <a:xfrm flipH="1">
-            <a:off x="2615770" y="4500395"/>
-            <a:ext cx="124849" cy="124849"/>
-          </a:xfrm>
-          <a:prstGeom prst="line">
-            <a:avLst/>
-          </a:prstGeom>
-          <a:ln w="28575"/>
-        </p:spPr>
-        <p:style>
-          <a:lnRef idx="1">
-            <a:schemeClr val="dk1"/>
-          </a:lnRef>
-          <a:fillRef idx="0">
-            <a:schemeClr val="dk1"/>
-          </a:fillRef>
-          <a:effectRef idx="0">
-            <a:schemeClr val="dk1"/>
-          </a:effectRef>
-          <a:fontRef idx="minor">
-            <a:schemeClr val="tx1"/>
-          </a:fontRef>
-        </p:style>
-      </p:cxnSp>
-      <p:cxnSp>
-        <p:nvCxnSpPr>
-          <p:cNvPr id="17" name="Straight Connector 16">
-            <a:extLst>
-              <a:ext uri="{FF2B5EF4-FFF2-40B4-BE49-F238E27FC236}">
-                <a16:creationId xmlns:a16="http://schemas.microsoft.com/office/drawing/2014/main" id="{AD3D0766-DA12-19A1-E393-DBD18741103D}"/>
-              </a:ext>
-            </a:extLst>
-          </p:cNvPr>
-          <p:cNvCxnSpPr/>
-          <p:nvPr/>
-        </p:nvCxnSpPr>
-        <p:spPr>
-          <a:xfrm flipH="1">
-            <a:off x="2768170" y="4500395"/>
-            <a:ext cx="124849" cy="124849"/>
-          </a:xfrm>
-          <a:prstGeom prst="line">
-            <a:avLst/>
-          </a:prstGeom>
-          <a:ln w="28575"/>
-        </p:spPr>
-        <p:style>
-          <a:lnRef idx="1">
-            <a:schemeClr val="dk1"/>
-          </a:lnRef>
-          <a:fillRef idx="0">
-            <a:schemeClr val="dk1"/>
-          </a:fillRef>
-          <a:effectRef idx="0">
-            <a:schemeClr val="dk1"/>
-          </a:effectRef>
-          <a:fontRef idx="minor">
-            <a:schemeClr val="tx1"/>
-          </a:fontRef>
-        </p:style>
-      </p:cxnSp>
-      <p:sp>
-        <p:nvSpPr>
-          <p:cNvPr id="18" name="Oval 17">
-            <a:extLst>
-              <a:ext uri="{FF2B5EF4-FFF2-40B4-BE49-F238E27FC236}">
-                <a16:creationId xmlns:a16="http://schemas.microsoft.com/office/drawing/2014/main" id="{31AB9437-D7E7-1B4C-0AC5-D427D6B0D5FC}"/>
+      <p:sp>
+        <p:nvSpPr>
+          <p:cNvPr id="21" name="Oval 20">
+            <a:extLst>
+              <a:ext uri="{FF2B5EF4-FFF2-40B4-BE49-F238E27FC236}">
+                <a16:creationId xmlns:a16="http://schemas.microsoft.com/office/drawing/2014/main" id="{1EC57452-87DE-B20F-662F-E39473475399}"/>
               </a:ext>
             </a:extLst>
           </p:cNvPr>
@@ -7725,7 +5507,7 @@
         </p:nvSpPr>
         <p:spPr>
           <a:xfrm>
-            <a:off x="2008304" y="2024027"/>
+            <a:off x="2008082" y="3224305"/>
             <a:ext cx="120852" cy="120852"/>
           </a:xfrm>
           <a:prstGeom prst="ellipse">
@@ -7763,94 +5545,12 @@
           </a:p>
         </p:txBody>
       </p:sp>
-      <p:cxnSp>
-        <p:nvCxnSpPr>
-          <p:cNvPr id="19" name="Straight Arrow Connector 18">
-            <a:extLst>
-              <a:ext uri="{FF2B5EF4-FFF2-40B4-BE49-F238E27FC236}">
-                <a16:creationId xmlns:a16="http://schemas.microsoft.com/office/drawing/2014/main" id="{1D24C180-CA3D-3F70-6248-F82567FBE62F}"/>
-              </a:ext>
-            </a:extLst>
-          </p:cNvPr>
-          <p:cNvCxnSpPr>
-            <a:cxnSpLocks/>
-          </p:cNvCxnSpPr>
-          <p:nvPr/>
-        </p:nvCxnSpPr>
-        <p:spPr>
-          <a:xfrm>
-            <a:off x="2106594" y="2068400"/>
-            <a:ext cx="756918" cy="0"/>
-          </a:xfrm>
-          <a:prstGeom prst="straightConnector1">
-            <a:avLst/>
-          </a:prstGeom>
-          <a:ln w="57150">
-            <a:solidFill>
-              <a:schemeClr val="tx1"/>
-            </a:solidFill>
-            <a:tailEnd type="triangle"/>
-          </a:ln>
-        </p:spPr>
-        <p:style>
-          <a:lnRef idx="1">
-            <a:schemeClr val="accent1"/>
-          </a:lnRef>
-          <a:fillRef idx="0">
-            <a:schemeClr val="accent1"/>
-          </a:fillRef>
-          <a:effectRef idx="0">
-            <a:schemeClr val="accent1"/>
-          </a:effectRef>
-          <a:fontRef idx="minor">
-            <a:schemeClr val="tx1"/>
-          </a:fontRef>
-        </p:style>
-      </p:cxnSp>
-      <p:sp>
-        <p:nvSpPr>
-          <p:cNvPr id="20" name="TextBox 19">
-            <a:extLst>
-              <a:ext uri="{FF2B5EF4-FFF2-40B4-BE49-F238E27FC236}">
-                <a16:creationId xmlns:a16="http://schemas.microsoft.com/office/drawing/2014/main" id="{97C4A7BF-031C-AFEF-432B-D3DB4C884A61}"/>
-              </a:ext>
-            </a:extLst>
-          </p:cNvPr>
-          <p:cNvSpPr txBox="1"/>
-          <p:nvPr/>
-        </p:nvSpPr>
-        <p:spPr>
-          <a:xfrm>
-            <a:off x="2778659" y="1785271"/>
-            <a:ext cx="291616" cy="369332"/>
-          </a:xfrm>
-          <a:prstGeom prst="rect">
-            <a:avLst/>
-          </a:prstGeom>
-          <a:noFill/>
-        </p:spPr>
-        <p:txBody>
-          <a:bodyPr wrap="square">
-            <a:spAutoFit/>
-          </a:bodyPr>
-          <a:lstStyle/>
-          <a:p>
-            <a:r>
-              <a:rPr lang="en-US" i="1" dirty="0">
-                <a:latin typeface="Times New Roman" panose="02020603050405020304" pitchFamily="18" charset="0"/>
-                <a:cs typeface="Times New Roman" panose="02020603050405020304" pitchFamily="18" charset="0"/>
-              </a:rPr>
-              <a:t>P</a:t>
-            </a:r>
-          </a:p>
-        </p:txBody>
-      </p:sp>
-      <p:sp>
-        <p:nvSpPr>
-          <p:cNvPr id="21" name="Oval 20">
-            <a:extLst>
-              <a:ext uri="{FF2B5EF4-FFF2-40B4-BE49-F238E27FC236}">
-                <a16:creationId xmlns:a16="http://schemas.microsoft.com/office/drawing/2014/main" id="{1EC57452-87DE-B20F-662F-E39473475399}"/>
+      <p:sp>
+        <p:nvSpPr>
+          <p:cNvPr id="22" name="Oval 21">
+            <a:extLst>
+              <a:ext uri="{FF2B5EF4-FFF2-40B4-BE49-F238E27FC236}">
+                <a16:creationId xmlns:a16="http://schemas.microsoft.com/office/drawing/2014/main" id="{2CCB023B-6B62-ED49-44E5-F9F71C43AF1B}"/>
               </a:ext>
             </a:extLst>
           </p:cNvPr>
@@ -7859,7 +5559,7 @@
         </p:nvSpPr>
         <p:spPr>
           <a:xfrm>
-            <a:off x="2008082" y="3224305"/>
+            <a:off x="2008082" y="3472517"/>
             <a:ext cx="120852" cy="120852"/>
           </a:xfrm>
           <a:prstGeom prst="ellipse">
@@ -7899,10 +5599,10 @@
       </p:sp>
       <p:sp>
         <p:nvSpPr>
-          <p:cNvPr id="22" name="Oval 21">
-            <a:extLst>
-              <a:ext uri="{FF2B5EF4-FFF2-40B4-BE49-F238E27FC236}">
-                <a16:creationId xmlns:a16="http://schemas.microsoft.com/office/drawing/2014/main" id="{2CCB023B-6B62-ED49-44E5-F9F71C43AF1B}"/>
+          <p:cNvPr id="23" name="Oval 22">
+            <a:extLst>
+              <a:ext uri="{FF2B5EF4-FFF2-40B4-BE49-F238E27FC236}">
+                <a16:creationId xmlns:a16="http://schemas.microsoft.com/office/drawing/2014/main" id="{F6A32491-130D-053A-2153-B13CFF2C09C0}"/>
               </a:ext>
             </a:extLst>
           </p:cNvPr>
@@ -7911,7 +5611,7 @@
         </p:nvSpPr>
         <p:spPr>
           <a:xfrm>
-            <a:off x="2008082" y="3472517"/>
+            <a:off x="2008705" y="3721594"/>
             <a:ext cx="120852" cy="120852"/>
           </a:xfrm>
           <a:prstGeom prst="ellipse">
@@ -7951,10 +5651,10 @@
       </p:sp>
       <p:sp>
         <p:nvSpPr>
-          <p:cNvPr id="23" name="Oval 22">
-            <a:extLst>
-              <a:ext uri="{FF2B5EF4-FFF2-40B4-BE49-F238E27FC236}">
-                <a16:creationId xmlns:a16="http://schemas.microsoft.com/office/drawing/2014/main" id="{F6A32491-130D-053A-2153-B13CFF2C09C0}"/>
+          <p:cNvPr id="24" name="Oval 23">
+            <a:extLst>
+              <a:ext uri="{FF2B5EF4-FFF2-40B4-BE49-F238E27FC236}">
+                <a16:creationId xmlns:a16="http://schemas.microsoft.com/office/drawing/2014/main" id="{FA7982D6-A923-7E78-1B34-0A3B613F19FB}"/>
               </a:ext>
             </a:extLst>
           </p:cNvPr>
@@ -7963,7 +5663,7 @@
         </p:nvSpPr>
         <p:spPr>
           <a:xfrm>
-            <a:off x="2008705" y="3721594"/>
+            <a:off x="2008082" y="3970875"/>
             <a:ext cx="120852" cy="120852"/>
           </a:xfrm>
           <a:prstGeom prst="ellipse">
@@ -8003,10 +5703,10 @@
       </p:sp>
       <p:sp>
         <p:nvSpPr>
-          <p:cNvPr id="24" name="Oval 23">
-            <a:extLst>
-              <a:ext uri="{FF2B5EF4-FFF2-40B4-BE49-F238E27FC236}">
-                <a16:creationId xmlns:a16="http://schemas.microsoft.com/office/drawing/2014/main" id="{FA7982D6-A923-7E78-1B34-0A3B613F19FB}"/>
+          <p:cNvPr id="25" name="Oval 24">
+            <a:extLst>
+              <a:ext uri="{FF2B5EF4-FFF2-40B4-BE49-F238E27FC236}">
+                <a16:creationId xmlns:a16="http://schemas.microsoft.com/office/drawing/2014/main" id="{25250342-BCD6-3A3C-8869-F6252C41D382}"/>
               </a:ext>
             </a:extLst>
           </p:cNvPr>
@@ -8015,7 +5715,7 @@
         </p:nvSpPr>
         <p:spPr>
           <a:xfrm>
-            <a:off x="2008082" y="3970875"/>
+            <a:off x="2008082" y="4215349"/>
             <a:ext cx="120852" cy="120852"/>
           </a:xfrm>
           <a:prstGeom prst="ellipse">
@@ -8055,10 +5755,10 @@
       </p:sp>
       <p:sp>
         <p:nvSpPr>
-          <p:cNvPr id="25" name="Oval 24">
-            <a:extLst>
-              <a:ext uri="{FF2B5EF4-FFF2-40B4-BE49-F238E27FC236}">
-                <a16:creationId xmlns:a16="http://schemas.microsoft.com/office/drawing/2014/main" id="{25250342-BCD6-3A3C-8869-F6252C41D382}"/>
+          <p:cNvPr id="26" name="Oval 25">
+            <a:extLst>
+              <a:ext uri="{FF2B5EF4-FFF2-40B4-BE49-F238E27FC236}">
+                <a16:creationId xmlns:a16="http://schemas.microsoft.com/office/drawing/2014/main" id="{FE05BA3C-D553-48E8-AEE5-42EF220336FE}"/>
               </a:ext>
             </a:extLst>
           </p:cNvPr>
@@ -8067,7 +5767,7 @@
         </p:nvSpPr>
         <p:spPr>
           <a:xfrm>
-            <a:off x="2008082" y="4215349"/>
+            <a:off x="2008082" y="2508122"/>
             <a:ext cx="120852" cy="120852"/>
           </a:xfrm>
           <a:prstGeom prst="ellipse">
@@ -8107,10 +5807,10 @@
       </p:sp>
       <p:sp>
         <p:nvSpPr>
-          <p:cNvPr id="26" name="Oval 25">
-            <a:extLst>
-              <a:ext uri="{FF2B5EF4-FFF2-40B4-BE49-F238E27FC236}">
-                <a16:creationId xmlns:a16="http://schemas.microsoft.com/office/drawing/2014/main" id="{FE05BA3C-D553-48E8-AEE5-42EF220336FE}"/>
+          <p:cNvPr id="27" name="Oval 26">
+            <a:extLst>
+              <a:ext uri="{FF2B5EF4-FFF2-40B4-BE49-F238E27FC236}">
+                <a16:creationId xmlns:a16="http://schemas.microsoft.com/office/drawing/2014/main" id="{B9BDBA53-87D4-5A5D-F13B-664FC81E8C42}"/>
               </a:ext>
             </a:extLst>
           </p:cNvPr>
@@ -8119,7 +5819,7 @@
         </p:nvSpPr>
         <p:spPr>
           <a:xfrm>
-            <a:off x="2008082" y="2508122"/>
+            <a:off x="2008082" y="2738233"/>
             <a:ext cx="120852" cy="120852"/>
           </a:xfrm>
           <a:prstGeom prst="ellipse">
@@ -8159,10 +5859,10 @@
       </p:sp>
       <p:sp>
         <p:nvSpPr>
-          <p:cNvPr id="27" name="Oval 26">
-            <a:extLst>
-              <a:ext uri="{FF2B5EF4-FFF2-40B4-BE49-F238E27FC236}">
-                <a16:creationId xmlns:a16="http://schemas.microsoft.com/office/drawing/2014/main" id="{B9BDBA53-87D4-5A5D-F13B-664FC81E8C42}"/>
+          <p:cNvPr id="28" name="Oval 27">
+            <a:extLst>
+              <a:ext uri="{FF2B5EF4-FFF2-40B4-BE49-F238E27FC236}">
+                <a16:creationId xmlns:a16="http://schemas.microsoft.com/office/drawing/2014/main" id="{421658CF-1772-9BDD-9E1A-E8B16BD4FC8C}"/>
               </a:ext>
             </a:extLst>
           </p:cNvPr>
@@ -8171,7 +5871,7 @@
         </p:nvSpPr>
         <p:spPr>
           <a:xfrm>
-            <a:off x="2008082" y="2738233"/>
+            <a:off x="2008705" y="2982154"/>
             <a:ext cx="120852" cy="120852"/>
           </a:xfrm>
           <a:prstGeom prst="ellipse">
@@ -8211,58 +5911,6 @@
       </p:sp>
       <p:sp>
         <p:nvSpPr>
-          <p:cNvPr id="28" name="Oval 27">
-            <a:extLst>
-              <a:ext uri="{FF2B5EF4-FFF2-40B4-BE49-F238E27FC236}">
-                <a16:creationId xmlns:a16="http://schemas.microsoft.com/office/drawing/2014/main" id="{421658CF-1772-9BDD-9E1A-E8B16BD4FC8C}"/>
-              </a:ext>
-            </a:extLst>
-          </p:cNvPr>
-          <p:cNvSpPr/>
-          <p:nvPr/>
-        </p:nvSpPr>
-        <p:spPr>
-          <a:xfrm>
-            <a:off x="2008705" y="2982154"/>
-            <a:ext cx="120852" cy="120852"/>
-          </a:xfrm>
-          <a:prstGeom prst="ellipse">
-            <a:avLst/>
-          </a:prstGeom>
-          <a:solidFill>
-            <a:srgbClr val="FF0000"/>
-          </a:solidFill>
-          <a:ln>
-            <a:noFill/>
-          </a:ln>
-        </p:spPr>
-        <p:style>
-          <a:lnRef idx="2">
-            <a:schemeClr val="accent1">
-              <a:shade val="15000"/>
-            </a:schemeClr>
-          </a:lnRef>
-          <a:fillRef idx="1">
-            <a:schemeClr val="accent1"/>
-          </a:fillRef>
-          <a:effectRef idx="0">
-            <a:schemeClr val="accent1"/>
-          </a:effectRef>
-          <a:fontRef idx="minor">
-            <a:schemeClr val="lt1"/>
-          </a:fontRef>
-        </p:style>
-        <p:txBody>
-          <a:bodyPr rtlCol="0" anchor="ctr"/>
-          <a:lstStyle/>
-          <a:p>
-            <a:pPr algn="ctr"/>
-            <a:endParaRPr lang="en-US"/>
-          </a:p>
-        </p:txBody>
-      </p:sp>
-      <p:sp>
-        <p:nvSpPr>
           <p:cNvPr id="29" name="TextBox 28">
             <a:extLst>
               <a:ext uri="{FF2B5EF4-FFF2-40B4-BE49-F238E27FC236}">
@@ -8647,7 +6295,7 @@
           <a:p>
             <a:r>
               <a:rPr lang="da-DK" dirty="0"/>
-              <a:t>(The node index start from 1)</a:t>
+              <a:t>(The node index starts from 1)</a:t>
             </a:r>
           </a:p>
           <a:p>
@@ -8976,7 +6624,7 @@
         </p:nvSpPr>
         <p:spPr>
           <a:xfrm>
-            <a:off x="1987958" y="1708425"/>
+            <a:off x="2499283" y="1737334"/>
             <a:ext cx="709126" cy="369332"/>
           </a:xfrm>
           <a:prstGeom prst="rect">
@@ -9524,7 +7172,7 @@
         </p:nvCxnSpPr>
         <p:spPr>
           <a:xfrm>
-            <a:off x="2106594" y="2068400"/>
+            <a:off x="2670121" y="2062656"/>
             <a:ext cx="756918" cy="0"/>
           </a:xfrm>
           <a:prstGeom prst="straightConnector1">
@@ -9566,7 +7214,7 @@
         </p:nvSpPr>
         <p:spPr>
           <a:xfrm>
-            <a:off x="2778659" y="1785271"/>
+            <a:off x="3342186" y="1779527"/>
             <a:ext cx="291616" cy="369332"/>
           </a:xfrm>
           <a:prstGeom prst="rect">
@@ -10445,84 +8093,83 @@
       </p:sp>
       <p:pic>
         <p:nvPicPr>
-          <p:cNvPr id="1025" name="Picture 1">
-            <a:extLst>
-              <a:ext uri="{FF2B5EF4-FFF2-40B4-BE49-F238E27FC236}">
-                <a16:creationId xmlns:a16="http://schemas.microsoft.com/office/drawing/2014/main" id="{7F470059-016A-3769-F4C4-572486E56843}"/>
+          <p:cNvPr id="43" name="Picture 42">
+            <a:extLst>
+              <a:ext uri="{FF2B5EF4-FFF2-40B4-BE49-F238E27FC236}">
+                <a16:creationId xmlns:a16="http://schemas.microsoft.com/office/drawing/2014/main" id="{BA458981-89FD-1F1F-B9A0-B22BCFE4F949}"/>
               </a:ext>
             </a:extLst>
           </p:cNvPr>
           <p:cNvPicPr>
-            <a:picLocks noChangeAspect="1" noChangeArrowheads="1"/>
+            <a:picLocks noChangeAspect="1"/>
           </p:cNvPicPr>
           <p:nvPr/>
         </p:nvPicPr>
         <p:blipFill>
-          <a:blip r:embed="rId2">
-            <a:extLst>
-              <a:ext uri="{28A0092B-C50C-407E-A947-70E740481C1C}">
-                <a14:useLocalDpi xmlns:a14="http://schemas.microsoft.com/office/drawing/2010/main" val="0"/>
-              </a:ext>
-            </a:extLst>
-          </a:blip>
-          <a:srcRect/>
+          <a:blip r:embed="rId2"/>
           <a:stretch>
             <a:fillRect/>
           </a:stretch>
         </p:blipFill>
-        <p:spPr bwMode="auto">
-          <a:xfrm>
-            <a:off x="3405077" y="65682"/>
-            <a:ext cx="8085282" cy="6792317"/>
+        <p:spPr>
+          <a:xfrm>
+            <a:off x="3719778" y="-83843"/>
+            <a:ext cx="7507635" cy="6858000"/>
           </a:xfrm>
           <a:prstGeom prst="rect">
             <a:avLst/>
           </a:prstGeom>
-          <a:noFill/>
-          <a:extLst>
-            <a:ext uri="{909E8E84-426E-40DD-AFC4-6F175D3DCCD1}">
-              <a14:hiddenFill xmlns:a14="http://schemas.microsoft.com/office/drawing/2010/main">
-                <a:solidFill>
-                  <a:srgbClr val="FFFFFF"/>
-                </a:solidFill>
-              </a14:hiddenFill>
-            </a:ext>
-          </a:extLst>
         </p:spPr>
       </p:pic>
       <p:sp>
         <p:nvSpPr>
-          <p:cNvPr id="42" name="TextBox 41">
-            <a:extLst>
-              <a:ext uri="{FF2B5EF4-FFF2-40B4-BE49-F238E27FC236}">
-                <a16:creationId xmlns:a16="http://schemas.microsoft.com/office/drawing/2014/main" id="{7111D6E6-68A0-8AEF-8E9F-768021D435E5}"/>
-              </a:ext>
-            </a:extLst>
-          </p:cNvPr>
-          <p:cNvSpPr txBox="1"/>
-          <p:nvPr/>
-        </p:nvSpPr>
-        <p:spPr>
-          <a:xfrm>
-            <a:off x="2004722" y="653400"/>
-            <a:ext cx="1944839" cy="369332"/>
-          </a:xfrm>
-          <a:prstGeom prst="rect">
-            <a:avLst/>
-          </a:prstGeom>
-          <a:noFill/>
-        </p:spPr>
-        <p:txBody>
-          <a:bodyPr wrap="square">
-            <a:spAutoFit/>
-          </a:bodyPr>
-          <a:lstStyle/>
-          <a:p>
-            <a:r>
-              <a:rPr lang="da-DK" dirty="0"/>
-              <a:t>Results for node5</a:t>
-            </a:r>
-            <a:endParaRPr lang="en-US" dirty="0"/>
+          <p:cNvPr id="44" name="Oval 43">
+            <a:extLst>
+              <a:ext uri="{FF2B5EF4-FFF2-40B4-BE49-F238E27FC236}">
+                <a16:creationId xmlns:a16="http://schemas.microsoft.com/office/drawing/2014/main" id="{AD3D57D4-99B8-7C32-01FD-B6CB5E26438C}"/>
+              </a:ext>
+            </a:extLst>
+          </p:cNvPr>
+          <p:cNvSpPr/>
+          <p:nvPr/>
+        </p:nvSpPr>
+        <p:spPr>
+          <a:xfrm>
+            <a:off x="2608572" y="1994640"/>
+            <a:ext cx="120852" cy="120852"/>
+          </a:xfrm>
+          <a:prstGeom prst="ellipse">
+            <a:avLst/>
+          </a:prstGeom>
+          <a:solidFill>
+            <a:srgbClr val="FF0000"/>
+          </a:solidFill>
+          <a:ln>
+            <a:noFill/>
+          </a:ln>
+        </p:spPr>
+        <p:style>
+          <a:lnRef idx="2">
+            <a:schemeClr val="accent1">
+              <a:shade val="15000"/>
+            </a:schemeClr>
+          </a:lnRef>
+          <a:fillRef idx="1">
+            <a:schemeClr val="accent1"/>
+          </a:fillRef>
+          <a:effectRef idx="0">
+            <a:schemeClr val="accent1"/>
+          </a:effectRef>
+          <a:fontRef idx="minor">
+            <a:schemeClr val="lt1"/>
+          </a:fontRef>
+        </p:style>
+        <p:txBody>
+          <a:bodyPr rtlCol="0" anchor="ctr"/>
+          <a:lstStyle/>
+          <a:p>
+            <a:pPr algn="ctr"/>
+            <a:endParaRPr lang="en-US"/>
           </a:p>
         </p:txBody>
       </p:sp>
@@ -10556,51 +8203,6 @@
           <a:chExt cx="0" cy="0"/>
         </a:xfrm>
       </p:grpSpPr>
-      <p:pic>
-        <p:nvPicPr>
-          <p:cNvPr id="2050" name="Picture 2">
-            <a:extLst>
-              <a:ext uri="{FF2B5EF4-FFF2-40B4-BE49-F238E27FC236}">
-                <a16:creationId xmlns:a16="http://schemas.microsoft.com/office/drawing/2014/main" id="{600DF493-2564-C1DB-C061-4E368D594FB5}"/>
-              </a:ext>
-            </a:extLst>
-          </p:cNvPr>
-          <p:cNvPicPr>
-            <a:picLocks noChangeAspect="1" noChangeArrowheads="1"/>
-          </p:cNvPicPr>
-          <p:nvPr/>
-        </p:nvPicPr>
-        <p:blipFill rotWithShape="1">
-          <a:blip r:embed="rId2">
-            <a:extLst>
-              <a:ext uri="{28A0092B-C50C-407E-A947-70E740481C1C}">
-                <a14:useLocalDpi xmlns:a14="http://schemas.microsoft.com/office/drawing/2010/main" val="0"/>
-              </a:ext>
-            </a:extLst>
-          </a:blip>
-          <a:srcRect l="8054" r="6393"/>
-          <a:stretch/>
-        </p:blipFill>
-        <p:spPr bwMode="auto">
-          <a:xfrm>
-            <a:off x="2488405" y="401386"/>
-            <a:ext cx="9481457" cy="6204857"/>
-          </a:xfrm>
-          <a:prstGeom prst="rect">
-            <a:avLst/>
-          </a:prstGeom>
-          <a:noFill/>
-          <a:extLst>
-            <a:ext uri="{909E8E84-426E-40DD-AFC4-6F175D3DCCD1}">
-              <a14:hiddenFill xmlns:a14="http://schemas.microsoft.com/office/drawing/2010/main">
-                <a:solidFill>
-                  <a:srgbClr val="FFFFFF"/>
-                </a:solidFill>
-              </a14:hiddenFill>
-            </a:ext>
-          </a:extLst>
-        </p:spPr>
-      </p:pic>
       <p:sp>
         <p:nvSpPr>
           <p:cNvPr id="2" name="TextBox 1">
@@ -10637,432 +8239,42 @@
           </a:p>
         </p:txBody>
       </p:sp>
-    </p:spTree>
-    <p:extLst>
-      <p:ext uri="{BB962C8B-B14F-4D97-AF65-F5344CB8AC3E}">
-        <p14:creationId xmlns:p14="http://schemas.microsoft.com/office/powerpoint/2010/main" val="882077120"/>
-      </p:ext>
-    </p:extLst>
-  </p:cSld>
-  <p:clrMapOvr>
-    <a:masterClrMapping/>
-  </p:clrMapOvr>
-</p:sld>
-</file>
-
-<file path=ppt/slides/slide6.xml><?xml version="1.0" encoding="utf-8"?>
-<p:sld xmlns:a="http://schemas.openxmlformats.org/drawingml/2006/main" xmlns:r="http://schemas.openxmlformats.org/officeDocument/2006/relationships" xmlns:p="http://schemas.openxmlformats.org/presentationml/2006/main">
-  <p:cSld>
-    <p:spTree>
-      <p:nvGrpSpPr>
-        <p:cNvPr id="1" name=""/>
-        <p:cNvGrpSpPr/>
-        <p:nvPr/>
-      </p:nvGrpSpPr>
-      <p:grpSpPr>
-        <a:xfrm>
-          <a:off x="0" y="0"/>
-          <a:ext cx="0" cy="0"/>
-          <a:chOff x="0" y="0"/>
-          <a:chExt cx="0" cy="0"/>
-        </a:xfrm>
-      </p:grpSpPr>
-      <p:sp>
-        <p:nvSpPr>
-          <p:cNvPr id="2" name="TextBox 1">
-            <a:extLst>
-              <a:ext uri="{FF2B5EF4-FFF2-40B4-BE49-F238E27FC236}">
-                <a16:creationId xmlns:a16="http://schemas.microsoft.com/office/drawing/2014/main" id="{CF5BBB42-073C-3434-2D18-81CFA2553DE7}"/>
-              </a:ext>
-            </a:extLst>
-          </p:cNvPr>
-          <p:cNvSpPr txBox="1"/>
-          <p:nvPr/>
-        </p:nvSpPr>
-        <p:spPr>
-          <a:xfrm>
-            <a:off x="222138" y="590065"/>
-            <a:ext cx="1944839" cy="369332"/>
-          </a:xfrm>
-          <a:prstGeom prst="rect">
-            <a:avLst/>
-          </a:prstGeom>
-          <a:noFill/>
-        </p:spPr>
-        <p:txBody>
-          <a:bodyPr wrap="square">
-            <a:spAutoFit/>
-          </a:bodyPr>
-          <a:lstStyle/>
-          <a:p>
-            <a:r>
-              <a:rPr lang="da-DK" dirty="0"/>
-              <a:t>Results for node9</a:t>
-            </a:r>
-            <a:endParaRPr lang="en-US" dirty="0"/>
-          </a:p>
-        </p:txBody>
-      </p:sp>
       <p:pic>
         <p:nvPicPr>
-          <p:cNvPr id="3073" name="Picture 1">
-            <a:extLst>
-              <a:ext uri="{FF2B5EF4-FFF2-40B4-BE49-F238E27FC236}">
-                <a16:creationId xmlns:a16="http://schemas.microsoft.com/office/drawing/2014/main" id="{AF098D35-A51C-3AAA-BF28-4775B56634C1}"/>
+          <p:cNvPr id="4" name="Picture 3">
+            <a:extLst>
+              <a:ext uri="{FF2B5EF4-FFF2-40B4-BE49-F238E27FC236}">
+                <a16:creationId xmlns:a16="http://schemas.microsoft.com/office/drawing/2014/main" id="{D7003009-9DD8-BCCC-8C05-DF9ABC2FD49E}"/>
               </a:ext>
             </a:extLst>
           </p:cNvPr>
           <p:cNvPicPr>
-            <a:picLocks noChangeAspect="1" noChangeArrowheads="1"/>
+            <a:picLocks noChangeAspect="1"/>
           </p:cNvPicPr>
           <p:nvPr/>
         </p:nvPicPr>
-        <p:blipFill rotWithShape="1">
-          <a:blip r:embed="rId2">
-            <a:extLst>
-              <a:ext uri="{28A0092B-C50C-407E-A947-70E740481C1C}">
-                <a14:useLocalDpi xmlns:a14="http://schemas.microsoft.com/office/drawing/2010/main" val="0"/>
-              </a:ext>
-            </a:extLst>
-          </a:blip>
-          <a:srcRect l="7196" r="7172"/>
-          <a:stretch/>
+        <p:blipFill>
+          <a:blip r:embed="rId2"/>
+          <a:stretch>
+            <a:fillRect/>
+          </a:stretch>
         </p:blipFill>
-        <p:spPr bwMode="auto">
-          <a:xfrm>
-            <a:off x="2166977" y="397868"/>
-            <a:ext cx="9695285" cy="6338875"/>
+        <p:spPr>
+          <a:xfrm>
+            <a:off x="3324808" y="728787"/>
+            <a:ext cx="8400661" cy="5400425"/>
           </a:xfrm>
           <a:prstGeom prst="rect">
             <a:avLst/>
           </a:prstGeom>
-          <a:noFill/>
-          <a:extLst>
-            <a:ext uri="{909E8E84-426E-40DD-AFC4-6F175D3DCCD1}">
-              <a14:hiddenFill xmlns:a14="http://schemas.microsoft.com/office/drawing/2010/main">
-                <a:solidFill>
-                  <a:srgbClr val="FFFFFF"/>
-                </a:solidFill>
-              </a14:hiddenFill>
-            </a:ext>
-          </a:extLst>
         </p:spPr>
       </p:pic>
-    </p:spTree>
-    <p:extLst>
-      <p:ext uri="{BB962C8B-B14F-4D97-AF65-F5344CB8AC3E}">
-        <p14:creationId xmlns:p14="http://schemas.microsoft.com/office/powerpoint/2010/main" val="2491402160"/>
-      </p:ext>
-    </p:extLst>
-  </p:cSld>
-  <p:clrMapOvr>
-    <a:masterClrMapping/>
-  </p:clrMapOvr>
-</p:sld>
-</file>
-
-<file path=ppt/slides/slide7.xml><?xml version="1.0" encoding="utf-8"?>
-<p:sld xmlns:a="http://schemas.openxmlformats.org/drawingml/2006/main" xmlns:r="http://schemas.openxmlformats.org/officeDocument/2006/relationships" xmlns:p="http://schemas.openxmlformats.org/presentationml/2006/main">
-  <p:cSld>
-    <p:spTree>
-      <p:nvGrpSpPr>
-        <p:cNvPr id="1" name=""/>
-        <p:cNvGrpSpPr/>
-        <p:nvPr/>
-      </p:nvGrpSpPr>
-      <p:grpSpPr>
-        <a:xfrm>
-          <a:off x="0" y="0"/>
-          <a:ext cx="0" cy="0"/>
-          <a:chOff x="0" y="0"/>
-          <a:chExt cx="0" cy="0"/>
-        </a:xfrm>
-      </p:grpSpPr>
-      <p:grpSp>
-        <p:nvGrpSpPr>
-          <p:cNvPr id="2" name="Group 1">
-            <a:extLst>
-              <a:ext uri="{FF2B5EF4-FFF2-40B4-BE49-F238E27FC236}">
-                <a16:creationId xmlns:a16="http://schemas.microsoft.com/office/drawing/2014/main" id="{6A662A22-ABCF-D10F-0566-8625C7D72A82}"/>
-              </a:ext>
-            </a:extLst>
-          </p:cNvPr>
-          <p:cNvGrpSpPr/>
-          <p:nvPr/>
-        </p:nvGrpSpPr>
-        <p:grpSpPr>
-          <a:xfrm>
-            <a:off x="481367" y="5533584"/>
-            <a:ext cx="690078" cy="538370"/>
-            <a:chOff x="972904" y="4854117"/>
-            <a:chExt cx="690078" cy="538370"/>
-          </a:xfrm>
-        </p:grpSpPr>
-        <p:grpSp>
-          <p:nvGrpSpPr>
-            <p:cNvPr id="3" name="Group 2">
-              <a:extLst>
-                <a:ext uri="{FF2B5EF4-FFF2-40B4-BE49-F238E27FC236}">
-                  <a16:creationId xmlns:a16="http://schemas.microsoft.com/office/drawing/2014/main" id="{A27EDFE4-D5E8-52DE-A19F-C5630A0416ED}"/>
-                </a:ext>
-              </a:extLst>
-            </p:cNvPr>
-            <p:cNvGrpSpPr/>
-            <p:nvPr/>
-          </p:nvGrpSpPr>
-          <p:grpSpPr>
-            <a:xfrm>
-              <a:off x="1128930" y="5023159"/>
-              <a:ext cx="534052" cy="369328"/>
-              <a:chOff x="951371" y="4989160"/>
-              <a:chExt cx="722045" cy="499336"/>
-            </a:xfrm>
-          </p:grpSpPr>
-          <p:cxnSp>
-            <p:nvCxnSpPr>
-              <p:cNvPr id="7" name="Straight Arrow Connector 6">
-                <a:extLst>
-                  <a:ext uri="{FF2B5EF4-FFF2-40B4-BE49-F238E27FC236}">
-                    <a16:creationId xmlns:a16="http://schemas.microsoft.com/office/drawing/2014/main" id="{A24B8E8C-9EE2-CB6B-BBA8-A21062C42433}"/>
-                  </a:ext>
-                </a:extLst>
-              </p:cNvPr>
-              <p:cNvCxnSpPr>
-                <a:cxnSpLocks/>
-              </p:cNvCxnSpPr>
-              <p:nvPr/>
-            </p:nvCxnSpPr>
-            <p:spPr>
-              <a:xfrm flipV="1">
-                <a:off x="1165412" y="5410582"/>
-                <a:ext cx="508004" cy="63892"/>
-              </a:xfrm>
-              <a:prstGeom prst="straightConnector1">
-                <a:avLst/>
-              </a:prstGeom>
-              <a:ln w="25400">
-                <a:tailEnd type="triangle"/>
-              </a:ln>
-            </p:spPr>
-            <p:style>
-              <a:lnRef idx="1">
-                <a:schemeClr val="dk1"/>
-              </a:lnRef>
-              <a:fillRef idx="0">
-                <a:schemeClr val="dk1"/>
-              </a:fillRef>
-              <a:effectRef idx="0">
-                <a:schemeClr val="dk1"/>
-              </a:effectRef>
-              <a:fontRef idx="minor">
-                <a:schemeClr val="tx1"/>
-              </a:fontRef>
-            </p:style>
-          </p:cxnSp>
-          <p:cxnSp>
-            <p:nvCxnSpPr>
-              <p:cNvPr id="8" name="Straight Arrow Connector 7">
-                <a:extLst>
-                  <a:ext uri="{FF2B5EF4-FFF2-40B4-BE49-F238E27FC236}">
-                    <a16:creationId xmlns:a16="http://schemas.microsoft.com/office/drawing/2014/main" id="{10DA7CA4-E127-24A4-2876-F747B7B1A7EB}"/>
-                  </a:ext>
-                </a:extLst>
-              </p:cNvPr>
-              <p:cNvCxnSpPr>
-                <a:cxnSpLocks/>
-              </p:cNvCxnSpPr>
-              <p:nvPr/>
-            </p:nvCxnSpPr>
-            <p:spPr>
-              <a:xfrm flipV="1">
-                <a:off x="1165412" y="4989160"/>
-                <a:ext cx="0" cy="499336"/>
-              </a:xfrm>
-              <a:prstGeom prst="straightConnector1">
-                <a:avLst/>
-              </a:prstGeom>
-              <a:ln w="25400">
-                <a:tailEnd type="triangle"/>
-              </a:ln>
-            </p:spPr>
-            <p:style>
-              <a:lnRef idx="1">
-                <a:schemeClr val="dk1"/>
-              </a:lnRef>
-              <a:fillRef idx="0">
-                <a:schemeClr val="dk1"/>
-              </a:fillRef>
-              <a:effectRef idx="0">
-                <a:schemeClr val="dk1"/>
-              </a:effectRef>
-              <a:fontRef idx="minor">
-                <a:schemeClr val="tx1"/>
-              </a:fontRef>
-            </p:style>
-          </p:cxnSp>
-          <p:cxnSp>
-            <p:nvCxnSpPr>
-              <p:cNvPr id="9" name="Straight Arrow Connector 8">
-                <a:extLst>
-                  <a:ext uri="{FF2B5EF4-FFF2-40B4-BE49-F238E27FC236}">
-                    <a16:creationId xmlns:a16="http://schemas.microsoft.com/office/drawing/2014/main" id="{19B9526B-42C6-4970-392A-1388F6CDF29E}"/>
-                  </a:ext>
-                </a:extLst>
-              </p:cNvPr>
-              <p:cNvCxnSpPr>
-                <a:cxnSpLocks/>
-              </p:cNvCxnSpPr>
-              <p:nvPr/>
-            </p:nvCxnSpPr>
-            <p:spPr>
-              <a:xfrm flipH="1" flipV="1">
-                <a:off x="951371" y="5330217"/>
-                <a:ext cx="212003" cy="144258"/>
-              </a:xfrm>
-              <a:prstGeom prst="straightConnector1">
-                <a:avLst/>
-              </a:prstGeom>
-              <a:ln w="25400">
-                <a:tailEnd type="triangle"/>
-              </a:ln>
-            </p:spPr>
-            <p:style>
-              <a:lnRef idx="1">
-                <a:schemeClr val="dk1"/>
-              </a:lnRef>
-              <a:fillRef idx="0">
-                <a:schemeClr val="dk1"/>
-              </a:fillRef>
-              <a:effectRef idx="0">
-                <a:schemeClr val="dk1"/>
-              </a:effectRef>
-              <a:fontRef idx="minor">
-                <a:schemeClr val="tx1"/>
-              </a:fontRef>
-            </p:style>
-          </p:cxnSp>
-        </p:grpSp>
-        <p:sp>
-          <p:nvSpPr>
-            <p:cNvPr id="4" name="TextBox 3">
-              <a:extLst>
-                <a:ext uri="{FF2B5EF4-FFF2-40B4-BE49-F238E27FC236}">
-                  <a16:creationId xmlns:a16="http://schemas.microsoft.com/office/drawing/2014/main" id="{051DC55E-8787-8990-96E8-49F3FF2009EC}"/>
-                </a:ext>
-              </a:extLst>
-            </p:cNvPr>
-            <p:cNvSpPr txBox="1"/>
-            <p:nvPr/>
-          </p:nvSpPr>
-          <p:spPr>
-            <a:xfrm>
-              <a:off x="1429671" y="5093840"/>
-              <a:ext cx="190070" cy="276999"/>
-            </a:xfrm>
-            <a:prstGeom prst="rect">
-              <a:avLst/>
-            </a:prstGeom>
-            <a:noFill/>
-          </p:spPr>
-          <p:txBody>
-            <a:bodyPr wrap="square">
-              <a:spAutoFit/>
-            </a:bodyPr>
-            <a:lstStyle/>
-            <a:p>
-              <a:r>
-                <a:rPr lang="en-US" sz="1200" dirty="0">
-                  <a:latin typeface="Times New Roman" panose="02020603050405020304" pitchFamily="18" charset="0"/>
-                  <a:cs typeface="Times New Roman" panose="02020603050405020304" pitchFamily="18" charset="0"/>
-                </a:rPr>
-                <a:t>X</a:t>
-              </a:r>
-            </a:p>
-          </p:txBody>
-        </p:sp>
-        <p:sp>
-          <p:nvSpPr>
-            <p:cNvPr id="5" name="TextBox 4">
-              <a:extLst>
-                <a:ext uri="{FF2B5EF4-FFF2-40B4-BE49-F238E27FC236}">
-                  <a16:creationId xmlns:a16="http://schemas.microsoft.com/office/drawing/2014/main" id="{804AE2F2-FB44-8243-86C3-30F25DE36341}"/>
-                </a:ext>
-              </a:extLst>
-            </p:cNvPr>
-            <p:cNvSpPr txBox="1"/>
-            <p:nvPr/>
-          </p:nvSpPr>
-          <p:spPr>
-            <a:xfrm>
-              <a:off x="1222908" y="4854117"/>
-              <a:ext cx="190070" cy="276999"/>
-            </a:xfrm>
-            <a:prstGeom prst="rect">
-              <a:avLst/>
-            </a:prstGeom>
-            <a:noFill/>
-          </p:spPr>
-          <p:txBody>
-            <a:bodyPr wrap="square">
-              <a:spAutoFit/>
-            </a:bodyPr>
-            <a:lstStyle/>
-            <a:p>
-              <a:r>
-                <a:rPr lang="en-US" sz="1200" dirty="0">
-                  <a:latin typeface="Times New Roman" panose="02020603050405020304" pitchFamily="18" charset="0"/>
-                  <a:cs typeface="Times New Roman" panose="02020603050405020304" pitchFamily="18" charset="0"/>
-                </a:rPr>
-                <a:t>Z</a:t>
-              </a:r>
-            </a:p>
-          </p:txBody>
-        </p:sp>
-        <p:sp>
-          <p:nvSpPr>
-            <p:cNvPr id="6" name="TextBox 5">
-              <a:extLst>
-                <a:ext uri="{FF2B5EF4-FFF2-40B4-BE49-F238E27FC236}">
-                  <a16:creationId xmlns:a16="http://schemas.microsoft.com/office/drawing/2014/main" id="{D67618EC-BFC2-BC49-C73A-6D5789009A43}"/>
-                </a:ext>
-              </a:extLst>
-            </p:cNvPr>
-            <p:cNvSpPr txBox="1"/>
-            <p:nvPr/>
-          </p:nvSpPr>
-          <p:spPr>
-            <a:xfrm>
-              <a:off x="972904" y="5064768"/>
-              <a:ext cx="190070" cy="276999"/>
-            </a:xfrm>
-            <a:prstGeom prst="rect">
-              <a:avLst/>
-            </a:prstGeom>
-            <a:noFill/>
-          </p:spPr>
-          <p:txBody>
-            <a:bodyPr wrap="square">
-              <a:spAutoFit/>
-            </a:bodyPr>
-            <a:lstStyle/>
-            <a:p>
-              <a:r>
-                <a:rPr lang="en-US" sz="1200" dirty="0">
-                  <a:latin typeface="Times New Roman" panose="02020603050405020304" pitchFamily="18" charset="0"/>
-                  <a:cs typeface="Times New Roman" panose="02020603050405020304" pitchFamily="18" charset="0"/>
-                </a:rPr>
-                <a:t>Y</a:t>
-              </a:r>
-            </a:p>
-          </p:txBody>
-        </p:sp>
-      </p:grpSp>
       <p:cxnSp>
         <p:nvCxnSpPr>
-          <p:cNvPr id="10" name="Straight Arrow Connector 9">
-            <a:extLst>
-              <a:ext uri="{FF2B5EF4-FFF2-40B4-BE49-F238E27FC236}">
-                <a16:creationId xmlns:a16="http://schemas.microsoft.com/office/drawing/2014/main" id="{EA64F21A-515C-B4E9-5CE0-D97FD2670244}"/>
+          <p:cNvPr id="5" name="Straight Connector 4">
+            <a:extLst>
+              <a:ext uri="{FF2B5EF4-FFF2-40B4-BE49-F238E27FC236}">
+                <a16:creationId xmlns:a16="http://schemas.microsoft.com/office/drawing/2014/main" id="{8FB4A976-7EFC-4577-D3BB-B3F1FCBF5918}"/>
               </a:ext>
             </a:extLst>
           </p:cNvPr>
@@ -11072,17 +8284,210 @@
           <p:nvPr/>
         </p:nvCxnSpPr>
         <p:spPr>
-          <a:xfrm flipV="1">
-            <a:off x="1950875" y="6036064"/>
-            <a:ext cx="2033296" cy="243501"/>
-          </a:xfrm>
-          <a:prstGeom prst="straightConnector1">
-            <a:avLst/>
-          </a:prstGeom>
-          <a:ln w="28575">
-            <a:headEnd type="triangle" w="med" len="med"/>
-            <a:tailEnd type="triangle" w="med" len="med"/>
+          <a:xfrm>
+            <a:off x="882659" y="4500869"/>
+            <a:ext cx="1754154" cy="0"/>
+          </a:xfrm>
+          <a:prstGeom prst="line">
+            <a:avLst/>
+          </a:prstGeom>
+          <a:ln w="38100"/>
+        </p:spPr>
+        <p:style>
+          <a:lnRef idx="1">
+            <a:schemeClr val="dk1"/>
+          </a:lnRef>
+          <a:fillRef idx="0">
+            <a:schemeClr val="dk1"/>
+          </a:fillRef>
+          <a:effectRef idx="0">
+            <a:schemeClr val="dk1"/>
+          </a:effectRef>
+          <a:fontRef idx="minor">
+            <a:schemeClr val="tx1"/>
+          </a:fontRef>
+        </p:style>
+      </p:cxnSp>
+      <p:sp>
+        <p:nvSpPr>
+          <p:cNvPr id="6" name="Rectangle 5">
+            <a:extLst>
+              <a:ext uri="{FF2B5EF4-FFF2-40B4-BE49-F238E27FC236}">
+                <a16:creationId xmlns:a16="http://schemas.microsoft.com/office/drawing/2014/main" id="{787C8196-43AC-92E0-B789-1CFF02E7DED3}"/>
+              </a:ext>
+            </a:extLst>
+          </p:cNvPr>
+          <p:cNvSpPr/>
+          <p:nvPr/>
+        </p:nvSpPr>
+        <p:spPr>
+          <a:xfrm>
+            <a:off x="1159469" y="2094037"/>
+            <a:ext cx="1200535" cy="2389180"/>
+          </a:xfrm>
+          <a:prstGeom prst="rect">
+            <a:avLst/>
+          </a:prstGeom>
+          <a:noFill/>
+          <a:ln w="38100">
+            <a:solidFill>
+              <a:schemeClr val="tx1"/>
+            </a:solidFill>
           </a:ln>
+        </p:spPr>
+        <p:style>
+          <a:lnRef idx="2">
+            <a:schemeClr val="accent1">
+              <a:shade val="15000"/>
+            </a:schemeClr>
+          </a:lnRef>
+          <a:fillRef idx="1">
+            <a:schemeClr val="accent1"/>
+          </a:fillRef>
+          <a:effectRef idx="0">
+            <a:schemeClr val="accent1"/>
+          </a:effectRef>
+          <a:fontRef idx="minor">
+            <a:schemeClr val="lt1"/>
+          </a:fontRef>
+        </p:style>
+        <p:txBody>
+          <a:bodyPr rtlCol="0" anchor="ctr"/>
+          <a:lstStyle/>
+          <a:p>
+            <a:pPr algn="ctr"/>
+            <a:endParaRPr lang="en-US"/>
+          </a:p>
+        </p:txBody>
+      </p:sp>
+      <p:sp>
+        <p:nvSpPr>
+          <p:cNvPr id="7" name="TextBox 6">
+            <a:extLst>
+              <a:ext uri="{FF2B5EF4-FFF2-40B4-BE49-F238E27FC236}">
+                <a16:creationId xmlns:a16="http://schemas.microsoft.com/office/drawing/2014/main" id="{3ABB8639-3FDA-74A0-0AB3-D270891127BA}"/>
+              </a:ext>
+            </a:extLst>
+          </p:cNvPr>
+          <p:cNvSpPr txBox="1"/>
+          <p:nvPr/>
+        </p:nvSpPr>
+        <p:spPr>
+          <a:xfrm>
+            <a:off x="1482802" y="4631464"/>
+            <a:ext cx="709126" cy="369332"/>
+          </a:xfrm>
+          <a:prstGeom prst="rect">
+            <a:avLst/>
+          </a:prstGeom>
+          <a:noFill/>
+        </p:spPr>
+        <p:txBody>
+          <a:bodyPr wrap="square" rtlCol="0">
+            <a:spAutoFit/>
+          </a:bodyPr>
+          <a:lstStyle/>
+          <a:p>
+            <a:r>
+              <a:rPr lang="en-US" dirty="0"/>
+              <a:t>RP2</a:t>
+            </a:r>
+          </a:p>
+        </p:txBody>
+      </p:sp>
+      <p:sp>
+        <p:nvSpPr>
+          <p:cNvPr id="8" name="TextBox 7">
+            <a:extLst>
+              <a:ext uri="{FF2B5EF4-FFF2-40B4-BE49-F238E27FC236}">
+                <a16:creationId xmlns:a16="http://schemas.microsoft.com/office/drawing/2014/main" id="{8C1B1158-E34D-CF5C-FC2F-E7D204C2D5A7}"/>
+              </a:ext>
+            </a:extLst>
+          </p:cNvPr>
+          <p:cNvSpPr txBox="1"/>
+          <p:nvPr/>
+        </p:nvSpPr>
+        <p:spPr>
+          <a:xfrm>
+            <a:off x="2190289" y="1743554"/>
+            <a:ext cx="709126" cy="369332"/>
+          </a:xfrm>
+          <a:prstGeom prst="rect">
+            <a:avLst/>
+          </a:prstGeom>
+          <a:noFill/>
+        </p:spPr>
+        <p:txBody>
+          <a:bodyPr wrap="square" rtlCol="0">
+            <a:spAutoFit/>
+          </a:bodyPr>
+          <a:lstStyle/>
+          <a:p>
+            <a:r>
+              <a:rPr lang="en-US" dirty="0"/>
+              <a:t>RP1</a:t>
+            </a:r>
+          </a:p>
+        </p:txBody>
+      </p:sp>
+      <p:cxnSp>
+        <p:nvCxnSpPr>
+          <p:cNvPr id="9" name="Straight Connector 8">
+            <a:extLst>
+              <a:ext uri="{FF2B5EF4-FFF2-40B4-BE49-F238E27FC236}">
+                <a16:creationId xmlns:a16="http://schemas.microsoft.com/office/drawing/2014/main" id="{3D0BE908-06D0-2322-D393-0AC55FC36AF2}"/>
+              </a:ext>
+            </a:extLst>
+          </p:cNvPr>
+          <p:cNvCxnSpPr/>
+          <p:nvPr/>
+        </p:nvCxnSpPr>
+        <p:spPr>
+          <a:xfrm flipH="1">
+            <a:off x="930422" y="4506615"/>
+            <a:ext cx="124849" cy="124849"/>
+          </a:xfrm>
+          <a:prstGeom prst="line">
+            <a:avLst/>
+          </a:prstGeom>
+          <a:ln w="28575"/>
+        </p:spPr>
+        <p:style>
+          <a:lnRef idx="1">
+            <a:schemeClr val="dk1"/>
+          </a:lnRef>
+          <a:fillRef idx="0">
+            <a:schemeClr val="dk1"/>
+          </a:fillRef>
+          <a:effectRef idx="0">
+            <a:schemeClr val="dk1"/>
+          </a:effectRef>
+          <a:fontRef idx="minor">
+            <a:schemeClr val="tx1"/>
+          </a:fontRef>
+        </p:style>
+      </p:cxnSp>
+      <p:cxnSp>
+        <p:nvCxnSpPr>
+          <p:cNvPr id="10" name="Straight Connector 9">
+            <a:extLst>
+              <a:ext uri="{FF2B5EF4-FFF2-40B4-BE49-F238E27FC236}">
+                <a16:creationId xmlns:a16="http://schemas.microsoft.com/office/drawing/2014/main" id="{B8A7120E-DEFB-49E2-DDE1-91B31A1BE950}"/>
+              </a:ext>
+            </a:extLst>
+          </p:cNvPr>
+          <p:cNvCxnSpPr/>
+          <p:nvPr/>
+        </p:nvCxnSpPr>
+        <p:spPr>
+          <a:xfrm flipH="1">
+            <a:off x="1082822" y="4506615"/>
+            <a:ext cx="124849" cy="124849"/>
+          </a:xfrm>
+          <a:prstGeom prst="line">
+            <a:avLst/>
+          </a:prstGeom>
+          <a:ln w="28575"/>
         </p:spPr>
         <p:style>
           <a:lnRef idx="1">
@@ -11104,7 +8509,7 @@
           <p:cNvPr id="11" name="Straight Connector 10">
             <a:extLst>
               <a:ext uri="{FF2B5EF4-FFF2-40B4-BE49-F238E27FC236}">
-                <a16:creationId xmlns:a16="http://schemas.microsoft.com/office/drawing/2014/main" id="{F1D6DF95-3494-63CF-BBA4-D76D77243152}"/>
+                <a16:creationId xmlns:a16="http://schemas.microsoft.com/office/drawing/2014/main" id="{24A45847-8106-B2D7-2AA2-E70CB9B55256}"/>
               </a:ext>
             </a:extLst>
           </p:cNvPr>
@@ -11112,9 +8517,9 @@
           <p:nvPr/>
         </p:nvCxnSpPr>
         <p:spPr>
-          <a:xfrm>
-            <a:off x="1933918" y="6157815"/>
-            <a:ext cx="0" cy="261257"/>
+          <a:xfrm flipH="1">
+            <a:off x="1235222" y="4506615"/>
+            <a:ext cx="124849" cy="124849"/>
           </a:xfrm>
           <a:prstGeom prst="line">
             <a:avLst/>
@@ -11141,7 +8546,7 @@
           <p:cNvPr id="12" name="Straight Connector 11">
             <a:extLst>
               <a:ext uri="{FF2B5EF4-FFF2-40B4-BE49-F238E27FC236}">
-                <a16:creationId xmlns:a16="http://schemas.microsoft.com/office/drawing/2014/main" id="{567117FC-58D1-F00F-7042-9C884DBA9D35}"/>
+                <a16:creationId xmlns:a16="http://schemas.microsoft.com/office/drawing/2014/main" id="{08056DF1-C36E-1637-506F-212118BA3A23}"/>
               </a:ext>
             </a:extLst>
           </p:cNvPr>
@@ -11149,86 +8554,9 @@
           <p:nvPr/>
         </p:nvCxnSpPr>
         <p:spPr>
-          <a:xfrm>
-            <a:off x="3994749" y="5912139"/>
-            <a:ext cx="0" cy="261257"/>
-          </a:xfrm>
-          <a:prstGeom prst="line">
-            <a:avLst/>
-          </a:prstGeom>
-          <a:ln w="28575"/>
-        </p:spPr>
-        <p:style>
-          <a:lnRef idx="1">
-            <a:schemeClr val="dk1"/>
-          </a:lnRef>
-          <a:fillRef idx="0">
-            <a:schemeClr val="dk1"/>
-          </a:fillRef>
-          <a:effectRef idx="0">
-            <a:schemeClr val="dk1"/>
-          </a:effectRef>
-          <a:fontRef idx="minor">
-            <a:schemeClr val="tx1"/>
-          </a:fontRef>
-        </p:style>
-      </p:cxnSp>
-      <p:sp>
-        <p:nvSpPr>
-          <p:cNvPr id="13" name="TextBox 12">
-            <a:extLst>
-              <a:ext uri="{FF2B5EF4-FFF2-40B4-BE49-F238E27FC236}">
-                <a16:creationId xmlns:a16="http://schemas.microsoft.com/office/drawing/2014/main" id="{DC3A3717-B913-3CC4-0D49-194452D93BE4}"/>
-              </a:ext>
-            </a:extLst>
-          </p:cNvPr>
-          <p:cNvSpPr txBox="1"/>
-          <p:nvPr/>
-        </p:nvSpPr>
-        <p:spPr>
-          <a:xfrm>
-            <a:off x="2804261" y="5812706"/>
-            <a:ext cx="346946" cy="369332"/>
-          </a:xfrm>
-          <a:prstGeom prst="rect">
-            <a:avLst/>
-          </a:prstGeom>
-          <a:noFill/>
-        </p:spPr>
-        <p:txBody>
-          <a:bodyPr wrap="square">
-            <a:spAutoFit/>
-          </a:bodyPr>
-          <a:lstStyle/>
-          <a:p>
-            <a:r>
-              <a:rPr lang="en-US" dirty="0">
-                <a:latin typeface="Times New Roman" panose="02020603050405020304" pitchFamily="18" charset="0"/>
-                <a:cs typeface="Times New Roman" panose="02020603050405020304" pitchFamily="18" charset="0"/>
-              </a:rPr>
-              <a:t>B</a:t>
-            </a:r>
-          </a:p>
-        </p:txBody>
-      </p:sp>
-      <p:cxnSp>
-        <p:nvCxnSpPr>
-          <p:cNvPr id="14" name="Straight Connector 13">
-            <a:extLst>
-              <a:ext uri="{FF2B5EF4-FFF2-40B4-BE49-F238E27FC236}">
-                <a16:creationId xmlns:a16="http://schemas.microsoft.com/office/drawing/2014/main" id="{6D300C0E-762D-7012-DB1A-D876BC125289}"/>
-              </a:ext>
-            </a:extLst>
-          </p:cNvPr>
-          <p:cNvCxnSpPr>
-            <a:cxnSpLocks/>
-          </p:cNvCxnSpPr>
-          <p:nvPr/>
-        </p:nvCxnSpPr>
-        <p:spPr>
-          <a:xfrm>
-            <a:off x="4148603" y="1299391"/>
-            <a:ext cx="270328" cy="0"/>
+          <a:xfrm flipH="1">
+            <a:off x="1383765" y="4506615"/>
+            <a:ext cx="124849" cy="124849"/>
           </a:xfrm>
           <a:prstGeom prst="line">
             <a:avLst/>
@@ -11252,30 +8580,25 @@
       </p:cxnSp>
       <p:cxnSp>
         <p:nvCxnSpPr>
-          <p:cNvPr id="15" name="Straight Arrow Connector 14">
-            <a:extLst>
-              <a:ext uri="{FF2B5EF4-FFF2-40B4-BE49-F238E27FC236}">
-                <a16:creationId xmlns:a16="http://schemas.microsoft.com/office/drawing/2014/main" id="{C499BFC0-1550-0EE7-6AE7-0DDBB54765F5}"/>
-              </a:ext>
-            </a:extLst>
-          </p:cNvPr>
-          <p:cNvCxnSpPr>
-            <a:cxnSpLocks/>
-          </p:cNvCxnSpPr>
+          <p:cNvPr id="13" name="Straight Connector 12">
+            <a:extLst>
+              <a:ext uri="{FF2B5EF4-FFF2-40B4-BE49-F238E27FC236}">
+                <a16:creationId xmlns:a16="http://schemas.microsoft.com/office/drawing/2014/main" id="{73EE7A0C-2CC1-2738-CB98-3905AB1BC651}"/>
+              </a:ext>
+            </a:extLst>
+          </p:cNvPr>
+          <p:cNvCxnSpPr/>
           <p:nvPr/>
         </p:nvCxnSpPr>
         <p:spPr>
-          <a:xfrm flipV="1">
-            <a:off x="4282342" y="1299391"/>
-            <a:ext cx="0" cy="4323087"/>
-          </a:xfrm>
-          <a:prstGeom prst="straightConnector1">
-            <a:avLst/>
-          </a:prstGeom>
-          <a:ln w="28575">
-            <a:headEnd type="triangle" w="med" len="med"/>
-            <a:tailEnd type="triangle" w="med" len="med"/>
-          </a:ln>
+          <a:xfrm flipH="1">
+            <a:off x="1536165" y="4506615"/>
+            <a:ext cx="124849" cy="124849"/>
+          </a:xfrm>
+          <a:prstGeom prst="line">
+            <a:avLst/>
+          </a:prstGeom>
+          <a:ln w="28575"/>
         </p:spPr>
         <p:style>
           <a:lnRef idx="1">
@@ -11294,22 +8617,20 @@
       </p:cxnSp>
       <p:cxnSp>
         <p:nvCxnSpPr>
-          <p:cNvPr id="16" name="Straight Connector 15">
-            <a:extLst>
-              <a:ext uri="{FF2B5EF4-FFF2-40B4-BE49-F238E27FC236}">
-                <a16:creationId xmlns:a16="http://schemas.microsoft.com/office/drawing/2014/main" id="{BE193A5E-3E54-3B3B-246E-893F4C9836A5}"/>
-              </a:ext>
-            </a:extLst>
-          </p:cNvPr>
-          <p:cNvCxnSpPr>
-            <a:cxnSpLocks/>
-          </p:cNvCxnSpPr>
+          <p:cNvPr id="14" name="Straight Connector 13">
+            <a:extLst>
+              <a:ext uri="{FF2B5EF4-FFF2-40B4-BE49-F238E27FC236}">
+                <a16:creationId xmlns:a16="http://schemas.microsoft.com/office/drawing/2014/main" id="{AA099EDF-BFE3-1AA7-8E70-C5B5006C450D}"/>
+              </a:ext>
+            </a:extLst>
+          </p:cNvPr>
+          <p:cNvCxnSpPr/>
           <p:nvPr/>
         </p:nvCxnSpPr>
         <p:spPr>
-          <a:xfrm>
-            <a:off x="4148603" y="5622478"/>
-            <a:ext cx="270328" cy="0"/>
+          <a:xfrm flipH="1">
+            <a:off x="1688565" y="4506615"/>
+            <a:ext cx="124849" cy="124849"/>
           </a:xfrm>
           <a:prstGeom prst="line">
             <a:avLst/>
@@ -11333,92 +8654,62 @@
       </p:cxnSp>
       <p:sp>
         <p:nvSpPr>
-          <p:cNvPr id="17" name="TextBox 16">
-            <a:extLst>
-              <a:ext uri="{FF2B5EF4-FFF2-40B4-BE49-F238E27FC236}">
-                <a16:creationId xmlns:a16="http://schemas.microsoft.com/office/drawing/2014/main" id="{EE8A55CD-CB6C-AA6B-62C6-71412FC1BCB1}"/>
-              </a:ext>
-            </a:extLst>
-          </p:cNvPr>
-          <p:cNvSpPr txBox="1"/>
-          <p:nvPr/>
-        </p:nvSpPr>
-        <p:spPr>
-          <a:xfrm>
-            <a:off x="4253750" y="3244334"/>
-            <a:ext cx="374234" cy="369332"/>
-          </a:xfrm>
-          <a:prstGeom prst="rect">
-            <a:avLst/>
-          </a:prstGeom>
-          <a:noFill/>
-        </p:spPr>
-        <p:txBody>
-          <a:bodyPr wrap="square">
-            <a:spAutoFit/>
-          </a:bodyPr>
-          <a:lstStyle/>
-          <a:p>
-            <a:r>
-              <a:rPr lang="en-US" dirty="0">
-                <a:latin typeface="Times New Roman" panose="02020603050405020304" pitchFamily="18" charset="0"/>
-                <a:cs typeface="Times New Roman" panose="02020603050405020304" pitchFamily="18" charset="0"/>
-              </a:rPr>
-              <a:t>H</a:t>
-            </a:r>
-          </a:p>
-        </p:txBody>
-      </p:sp>
-      <p:pic>
-        <p:nvPicPr>
-          <p:cNvPr id="18" name="Picture 17">
-            <a:extLst>
-              <a:ext uri="{FF2B5EF4-FFF2-40B4-BE49-F238E27FC236}">
-                <a16:creationId xmlns:a16="http://schemas.microsoft.com/office/drawing/2014/main" id="{054A4735-CDE6-28E0-92FE-92BCEC990B4C}"/>
-              </a:ext>
-            </a:extLst>
-          </p:cNvPr>
-          <p:cNvPicPr>
-            <a:picLocks noChangeAspect="1"/>
-          </p:cNvPicPr>
-          <p:nvPr/>
-        </p:nvPicPr>
-        <p:blipFill rotWithShape="1">
-          <a:blip r:embed="rId2">
-            <a:extLst>
-              <a:ext uri="{BEBA8EAE-BF5A-486C-A8C5-ECC9F3942E4B}">
-                <a14:imgProps xmlns:a14="http://schemas.microsoft.com/office/drawing/2010/main">
-                  <a14:imgLayer r:embed="rId3">
-                    <a14:imgEffect>
-                      <a14:brightnessContrast bright="10000" contrast="-10000"/>
-                    </a14:imgEffect>
-                  </a14:imgLayer>
-                </a14:imgProps>
-              </a:ext>
-              <a:ext uri="{28A0092B-C50C-407E-A947-70E740481C1C}">
-                <a14:useLocalDpi xmlns:a14="http://schemas.microsoft.com/office/drawing/2010/main" val="0"/>
-              </a:ext>
-            </a:extLst>
-          </a:blip>
-          <a:srcRect l="41447" t="33122" r="42535" b="24779"/>
-          <a:stretch/>
-        </p:blipFill>
-        <p:spPr>
-          <a:xfrm>
-            <a:off x="1134003" y="976605"/>
-            <a:ext cx="3094667" cy="4931548"/>
-          </a:xfrm>
-          <a:prstGeom prst="rect">
-            <a:avLst/>
-          </a:prstGeom>
-        </p:spPr>
-      </p:pic>
+          <p:cNvPr id="15" name="Oval 14">
+            <a:extLst>
+              <a:ext uri="{FF2B5EF4-FFF2-40B4-BE49-F238E27FC236}">
+                <a16:creationId xmlns:a16="http://schemas.microsoft.com/office/drawing/2014/main" id="{73A8225D-A91F-9D81-7AC4-9C4668B47097}"/>
+              </a:ext>
+            </a:extLst>
+          </p:cNvPr>
+          <p:cNvSpPr/>
+          <p:nvPr/>
+        </p:nvSpPr>
+        <p:spPr>
+          <a:xfrm>
+            <a:off x="1705425" y="4422791"/>
+            <a:ext cx="120852" cy="120852"/>
+          </a:xfrm>
+          <a:prstGeom prst="ellipse">
+            <a:avLst/>
+          </a:prstGeom>
+          <a:solidFill>
+            <a:srgbClr val="FF0000"/>
+          </a:solidFill>
+          <a:ln>
+            <a:noFill/>
+          </a:ln>
+        </p:spPr>
+        <p:style>
+          <a:lnRef idx="2">
+            <a:schemeClr val="accent1">
+              <a:shade val="15000"/>
+            </a:schemeClr>
+          </a:lnRef>
+          <a:fillRef idx="1">
+            <a:schemeClr val="accent1"/>
+          </a:fillRef>
+          <a:effectRef idx="0">
+            <a:schemeClr val="accent1"/>
+          </a:effectRef>
+          <a:fontRef idx="minor">
+            <a:schemeClr val="lt1"/>
+          </a:fontRef>
+        </p:style>
+        <p:txBody>
+          <a:bodyPr rtlCol="0" anchor="ctr"/>
+          <a:lstStyle/>
+          <a:p>
+            <a:pPr algn="ctr"/>
+            <a:endParaRPr lang="en-US"/>
+          </a:p>
+        </p:txBody>
+      </p:sp>
       <p:cxnSp>
         <p:nvCxnSpPr>
-          <p:cNvPr id="19" name="Straight Connector 18">
-            <a:extLst>
-              <a:ext uri="{FF2B5EF4-FFF2-40B4-BE49-F238E27FC236}">
-                <a16:creationId xmlns:a16="http://schemas.microsoft.com/office/drawing/2014/main" id="{A4670F0D-6DA8-DB1C-35D7-2D452D1E577D}"/>
+          <p:cNvPr id="16" name="Straight Connector 15">
+            <a:extLst>
+              <a:ext uri="{FF2B5EF4-FFF2-40B4-BE49-F238E27FC236}">
+                <a16:creationId xmlns:a16="http://schemas.microsoft.com/office/drawing/2014/main" id="{910BBB6A-9B2E-0E81-66EC-1FADFF400529}"/>
               </a:ext>
             </a:extLst>
           </p:cNvPr>
@@ -11426,9 +8717,9 @@
           <p:nvPr/>
         </p:nvCxnSpPr>
         <p:spPr>
-          <a:xfrm>
-            <a:off x="1298918" y="5533584"/>
-            <a:ext cx="0" cy="261257"/>
+          <a:xfrm flipH="1">
+            <a:off x="1850418" y="4506615"/>
+            <a:ext cx="124849" cy="124849"/>
           </a:xfrm>
           <a:prstGeom prst="line">
             <a:avLst/>
@@ -11452,30 +8743,25 @@
       </p:cxnSp>
       <p:cxnSp>
         <p:nvCxnSpPr>
-          <p:cNvPr id="20" name="Straight Arrow Connector 19">
-            <a:extLst>
-              <a:ext uri="{FF2B5EF4-FFF2-40B4-BE49-F238E27FC236}">
-                <a16:creationId xmlns:a16="http://schemas.microsoft.com/office/drawing/2014/main" id="{3B069793-0555-1DB4-28A2-BCC81B9E22F3}"/>
-              </a:ext>
-            </a:extLst>
-          </p:cNvPr>
-          <p:cNvCxnSpPr>
-            <a:cxnSpLocks/>
-          </p:cNvCxnSpPr>
+          <p:cNvPr id="17" name="Straight Connector 16">
+            <a:extLst>
+              <a:ext uri="{FF2B5EF4-FFF2-40B4-BE49-F238E27FC236}">
+                <a16:creationId xmlns:a16="http://schemas.microsoft.com/office/drawing/2014/main" id="{6B4F78C9-D9D4-3D08-5B08-529880CE851F}"/>
+              </a:ext>
+            </a:extLst>
+          </p:cNvPr>
+          <p:cNvCxnSpPr/>
           <p:nvPr/>
         </p:nvCxnSpPr>
         <p:spPr>
-          <a:xfrm>
-            <a:off x="1288331" y="5635140"/>
-            <a:ext cx="628631" cy="653303"/>
-          </a:xfrm>
-          <a:prstGeom prst="straightConnector1">
-            <a:avLst/>
-          </a:prstGeom>
-          <a:ln w="28575">
-            <a:headEnd type="triangle" w="med" len="med"/>
-            <a:tailEnd type="triangle" w="med" len="med"/>
-          </a:ln>
+          <a:xfrm flipH="1">
+            <a:off x="2002818" y="4506615"/>
+            <a:ext cx="124849" cy="124849"/>
+          </a:xfrm>
+          <a:prstGeom prst="line">
+            <a:avLst/>
+          </a:prstGeom>
+          <a:ln w="28575"/>
         </p:spPr>
         <p:style>
           <a:lnRef idx="1">
@@ -11492,50 +8778,175 @@
           </a:fontRef>
         </p:style>
       </p:cxnSp>
-      <p:sp>
-        <p:nvSpPr>
-          <p:cNvPr id="21" name="TextBox 20">
-            <a:extLst>
-              <a:ext uri="{FF2B5EF4-FFF2-40B4-BE49-F238E27FC236}">
-                <a16:creationId xmlns:a16="http://schemas.microsoft.com/office/drawing/2014/main" id="{FB97E792-92AA-9A7F-6BF0-91004BF11668}"/>
-              </a:ext>
-            </a:extLst>
-          </p:cNvPr>
-          <p:cNvSpPr txBox="1"/>
-          <p:nvPr/>
-        </p:nvSpPr>
-        <p:spPr>
-          <a:xfrm>
-            <a:off x="1463834" y="5565441"/>
-            <a:ext cx="325655" cy="369332"/>
-          </a:xfrm>
-          <a:prstGeom prst="rect">
-            <a:avLst/>
-          </a:prstGeom>
-          <a:noFill/>
-        </p:spPr>
-        <p:txBody>
-          <a:bodyPr wrap="square">
-            <a:spAutoFit/>
-          </a:bodyPr>
-          <a:lstStyle/>
-          <a:p>
-            <a:r>
-              <a:rPr lang="en-US" dirty="0">
-                <a:latin typeface="Times New Roman" panose="02020603050405020304" pitchFamily="18" charset="0"/>
-                <a:cs typeface="Times New Roman" panose="02020603050405020304" pitchFamily="18" charset="0"/>
-              </a:rPr>
-              <a:t>D</a:t>
-            </a:r>
-          </a:p>
-        </p:txBody>
-      </p:sp>
       <p:cxnSp>
         <p:nvCxnSpPr>
-          <p:cNvPr id="24" name="Straight Arrow Connector 23">
-            <a:extLst>
-              <a:ext uri="{FF2B5EF4-FFF2-40B4-BE49-F238E27FC236}">
-                <a16:creationId xmlns:a16="http://schemas.microsoft.com/office/drawing/2014/main" id="{13DAABCF-9EAD-9CE7-E9B4-B93E858823B8}"/>
+          <p:cNvPr id="18" name="Straight Connector 17">
+            <a:extLst>
+              <a:ext uri="{FF2B5EF4-FFF2-40B4-BE49-F238E27FC236}">
+                <a16:creationId xmlns:a16="http://schemas.microsoft.com/office/drawing/2014/main" id="{447D1D08-16E9-BBAE-7FE0-D555469CA032}"/>
+              </a:ext>
+            </a:extLst>
+          </p:cNvPr>
+          <p:cNvCxnSpPr/>
+          <p:nvPr/>
+        </p:nvCxnSpPr>
+        <p:spPr>
+          <a:xfrm flipH="1">
+            <a:off x="2155218" y="4506615"/>
+            <a:ext cx="124849" cy="124849"/>
+          </a:xfrm>
+          <a:prstGeom prst="line">
+            <a:avLst/>
+          </a:prstGeom>
+          <a:ln w="28575"/>
+        </p:spPr>
+        <p:style>
+          <a:lnRef idx="1">
+            <a:schemeClr val="dk1"/>
+          </a:lnRef>
+          <a:fillRef idx="0">
+            <a:schemeClr val="dk1"/>
+          </a:fillRef>
+          <a:effectRef idx="0">
+            <a:schemeClr val="dk1"/>
+          </a:effectRef>
+          <a:fontRef idx="minor">
+            <a:schemeClr val="tx1"/>
+          </a:fontRef>
+        </p:style>
+      </p:cxnSp>
+      <p:cxnSp>
+        <p:nvCxnSpPr>
+          <p:cNvPr id="19" name="Straight Connector 18">
+            <a:extLst>
+              <a:ext uri="{FF2B5EF4-FFF2-40B4-BE49-F238E27FC236}">
+                <a16:creationId xmlns:a16="http://schemas.microsoft.com/office/drawing/2014/main" id="{D8CF16B4-61A7-8640-7702-5B7988191B57}"/>
+              </a:ext>
+            </a:extLst>
+          </p:cNvPr>
+          <p:cNvCxnSpPr/>
+          <p:nvPr/>
+        </p:nvCxnSpPr>
+        <p:spPr>
+          <a:xfrm flipH="1">
+            <a:off x="2306776" y="4506615"/>
+            <a:ext cx="124849" cy="124849"/>
+          </a:xfrm>
+          <a:prstGeom prst="line">
+            <a:avLst/>
+          </a:prstGeom>
+          <a:ln w="28575"/>
+        </p:spPr>
+        <p:style>
+          <a:lnRef idx="1">
+            <a:schemeClr val="dk1"/>
+          </a:lnRef>
+          <a:fillRef idx="0">
+            <a:schemeClr val="dk1"/>
+          </a:fillRef>
+          <a:effectRef idx="0">
+            <a:schemeClr val="dk1"/>
+          </a:effectRef>
+          <a:fontRef idx="minor">
+            <a:schemeClr val="tx1"/>
+          </a:fontRef>
+        </p:style>
+      </p:cxnSp>
+      <p:cxnSp>
+        <p:nvCxnSpPr>
+          <p:cNvPr id="20" name="Straight Connector 19">
+            <a:extLst>
+              <a:ext uri="{FF2B5EF4-FFF2-40B4-BE49-F238E27FC236}">
+                <a16:creationId xmlns:a16="http://schemas.microsoft.com/office/drawing/2014/main" id="{C2169830-97B5-8B2C-71F3-65BB8F1393EB}"/>
+              </a:ext>
+            </a:extLst>
+          </p:cNvPr>
+          <p:cNvCxnSpPr/>
+          <p:nvPr/>
+        </p:nvCxnSpPr>
+        <p:spPr>
+          <a:xfrm flipH="1">
+            <a:off x="2459176" y="4506615"/>
+            <a:ext cx="124849" cy="124849"/>
+          </a:xfrm>
+          <a:prstGeom prst="line">
+            <a:avLst/>
+          </a:prstGeom>
+          <a:ln w="28575"/>
+        </p:spPr>
+        <p:style>
+          <a:lnRef idx="1">
+            <a:schemeClr val="dk1"/>
+          </a:lnRef>
+          <a:fillRef idx="0">
+            <a:schemeClr val="dk1"/>
+          </a:fillRef>
+          <a:effectRef idx="0">
+            <a:schemeClr val="dk1"/>
+          </a:effectRef>
+          <a:fontRef idx="minor">
+            <a:schemeClr val="tx1"/>
+          </a:fontRef>
+        </p:style>
+      </p:cxnSp>
+      <p:sp>
+        <p:nvSpPr>
+          <p:cNvPr id="21" name="Oval 20">
+            <a:extLst>
+              <a:ext uri="{FF2B5EF4-FFF2-40B4-BE49-F238E27FC236}">
+                <a16:creationId xmlns:a16="http://schemas.microsoft.com/office/drawing/2014/main" id="{FD7AF2A0-F150-0015-5A75-2CA5430A40F1}"/>
+              </a:ext>
+            </a:extLst>
+          </p:cNvPr>
+          <p:cNvSpPr/>
+          <p:nvPr/>
+        </p:nvSpPr>
+        <p:spPr>
+          <a:xfrm>
+            <a:off x="1699310" y="2030247"/>
+            <a:ext cx="120852" cy="120852"/>
+          </a:xfrm>
+          <a:prstGeom prst="ellipse">
+            <a:avLst/>
+          </a:prstGeom>
+          <a:solidFill>
+            <a:srgbClr val="FF0000"/>
+          </a:solidFill>
+          <a:ln>
+            <a:noFill/>
+          </a:ln>
+        </p:spPr>
+        <p:style>
+          <a:lnRef idx="2">
+            <a:schemeClr val="accent1">
+              <a:shade val="15000"/>
+            </a:schemeClr>
+          </a:lnRef>
+          <a:fillRef idx="1">
+            <a:schemeClr val="accent1"/>
+          </a:fillRef>
+          <a:effectRef idx="0">
+            <a:schemeClr val="accent1"/>
+          </a:effectRef>
+          <a:fontRef idx="minor">
+            <a:schemeClr val="lt1"/>
+          </a:fontRef>
+        </p:style>
+        <p:txBody>
+          <a:bodyPr rtlCol="0" anchor="ctr"/>
+          <a:lstStyle/>
+          <a:p>
+            <a:pPr algn="ctr"/>
+            <a:endParaRPr lang="en-US"/>
+          </a:p>
+        </p:txBody>
+      </p:sp>
+      <p:cxnSp>
+        <p:nvCxnSpPr>
+          <p:cNvPr id="22" name="Straight Arrow Connector 21">
+            <a:extLst>
+              <a:ext uri="{FF2B5EF4-FFF2-40B4-BE49-F238E27FC236}">
+                <a16:creationId xmlns:a16="http://schemas.microsoft.com/office/drawing/2014/main" id="{68F1EEC9-2A37-E360-BB5D-B04B920AC846}"/>
               </a:ext>
             </a:extLst>
           </p:cNvPr>
@@ -11546,7 +8957,7 @@
         </p:nvCxnSpPr>
         <p:spPr>
           <a:xfrm>
-            <a:off x="2639186" y="1194738"/>
+            <a:off x="2361127" y="2068876"/>
             <a:ext cx="756918" cy="0"/>
           </a:xfrm>
           <a:prstGeom prst="straightConnector1">
@@ -11576,10 +8987,10 @@
       </p:cxnSp>
       <p:sp>
         <p:nvSpPr>
-          <p:cNvPr id="25" name="TextBox 24">
-            <a:extLst>
-              <a:ext uri="{FF2B5EF4-FFF2-40B4-BE49-F238E27FC236}">
-                <a16:creationId xmlns:a16="http://schemas.microsoft.com/office/drawing/2014/main" id="{36AB844B-9717-7FD3-859B-EBDAC1FBDEF5}"/>
+          <p:cNvPr id="23" name="TextBox 22">
+            <a:extLst>
+              <a:ext uri="{FF2B5EF4-FFF2-40B4-BE49-F238E27FC236}">
+                <a16:creationId xmlns:a16="http://schemas.microsoft.com/office/drawing/2014/main" id="{BC71586C-0D9C-1A8B-4424-A6DD11C99113}"/>
               </a:ext>
             </a:extLst>
           </p:cNvPr>
@@ -11588,7 +8999,7 @@
         </p:nvSpPr>
         <p:spPr>
           <a:xfrm>
-            <a:off x="2871837" y="772167"/>
+            <a:off x="3033192" y="1785747"/>
             <a:ext cx="291616" cy="369332"/>
           </a:xfrm>
           <a:prstGeom prst="rect">
@@ -11612,10 +9023,915 @@
           </a:p>
         </p:txBody>
       </p:sp>
+      <p:sp>
+        <p:nvSpPr>
+          <p:cNvPr id="24" name="Oval 23">
+            <a:extLst>
+              <a:ext uri="{FF2B5EF4-FFF2-40B4-BE49-F238E27FC236}">
+                <a16:creationId xmlns:a16="http://schemas.microsoft.com/office/drawing/2014/main" id="{ED4F989C-A347-A670-864C-37C65C8454FA}"/>
+              </a:ext>
+            </a:extLst>
+          </p:cNvPr>
+          <p:cNvSpPr/>
+          <p:nvPr/>
+        </p:nvSpPr>
+        <p:spPr>
+          <a:xfrm>
+            <a:off x="1699088" y="3230525"/>
+            <a:ext cx="120852" cy="120852"/>
+          </a:xfrm>
+          <a:prstGeom prst="ellipse">
+            <a:avLst/>
+          </a:prstGeom>
+          <a:solidFill>
+            <a:srgbClr val="FF0000"/>
+          </a:solidFill>
+          <a:ln>
+            <a:noFill/>
+          </a:ln>
+        </p:spPr>
+        <p:style>
+          <a:lnRef idx="2">
+            <a:schemeClr val="accent1">
+              <a:shade val="15000"/>
+            </a:schemeClr>
+          </a:lnRef>
+          <a:fillRef idx="1">
+            <a:schemeClr val="accent1"/>
+          </a:fillRef>
+          <a:effectRef idx="0">
+            <a:schemeClr val="accent1"/>
+          </a:effectRef>
+          <a:fontRef idx="minor">
+            <a:schemeClr val="lt1"/>
+          </a:fontRef>
+        </p:style>
+        <p:txBody>
+          <a:bodyPr rtlCol="0" anchor="ctr"/>
+          <a:lstStyle/>
+          <a:p>
+            <a:pPr algn="ctr"/>
+            <a:endParaRPr lang="en-US"/>
+          </a:p>
+        </p:txBody>
+      </p:sp>
+      <p:sp>
+        <p:nvSpPr>
+          <p:cNvPr id="25" name="Oval 24">
+            <a:extLst>
+              <a:ext uri="{FF2B5EF4-FFF2-40B4-BE49-F238E27FC236}">
+                <a16:creationId xmlns:a16="http://schemas.microsoft.com/office/drawing/2014/main" id="{E7D1CA53-7486-9391-C747-3CBB0CDF827E}"/>
+              </a:ext>
+            </a:extLst>
+          </p:cNvPr>
+          <p:cNvSpPr/>
+          <p:nvPr/>
+        </p:nvSpPr>
+        <p:spPr>
+          <a:xfrm>
+            <a:off x="1699088" y="3478737"/>
+            <a:ext cx="120852" cy="120852"/>
+          </a:xfrm>
+          <a:prstGeom prst="ellipse">
+            <a:avLst/>
+          </a:prstGeom>
+          <a:solidFill>
+            <a:srgbClr val="FF0000"/>
+          </a:solidFill>
+          <a:ln>
+            <a:noFill/>
+          </a:ln>
+        </p:spPr>
+        <p:style>
+          <a:lnRef idx="2">
+            <a:schemeClr val="accent1">
+              <a:shade val="15000"/>
+            </a:schemeClr>
+          </a:lnRef>
+          <a:fillRef idx="1">
+            <a:schemeClr val="accent1"/>
+          </a:fillRef>
+          <a:effectRef idx="0">
+            <a:schemeClr val="accent1"/>
+          </a:effectRef>
+          <a:fontRef idx="minor">
+            <a:schemeClr val="lt1"/>
+          </a:fontRef>
+        </p:style>
+        <p:txBody>
+          <a:bodyPr rtlCol="0" anchor="ctr"/>
+          <a:lstStyle/>
+          <a:p>
+            <a:pPr algn="ctr"/>
+            <a:endParaRPr lang="en-US"/>
+          </a:p>
+        </p:txBody>
+      </p:sp>
+      <p:sp>
+        <p:nvSpPr>
+          <p:cNvPr id="26" name="Oval 25">
+            <a:extLst>
+              <a:ext uri="{FF2B5EF4-FFF2-40B4-BE49-F238E27FC236}">
+                <a16:creationId xmlns:a16="http://schemas.microsoft.com/office/drawing/2014/main" id="{BCFC70ED-6DB6-72BA-5113-7AC35EC51F68}"/>
+              </a:ext>
+            </a:extLst>
+          </p:cNvPr>
+          <p:cNvSpPr/>
+          <p:nvPr/>
+        </p:nvSpPr>
+        <p:spPr>
+          <a:xfrm>
+            <a:off x="1699711" y="3727814"/>
+            <a:ext cx="120852" cy="120852"/>
+          </a:xfrm>
+          <a:prstGeom prst="ellipse">
+            <a:avLst/>
+          </a:prstGeom>
+          <a:solidFill>
+            <a:srgbClr val="FF0000"/>
+          </a:solidFill>
+          <a:ln>
+            <a:noFill/>
+          </a:ln>
+        </p:spPr>
+        <p:style>
+          <a:lnRef idx="2">
+            <a:schemeClr val="accent1">
+              <a:shade val="15000"/>
+            </a:schemeClr>
+          </a:lnRef>
+          <a:fillRef idx="1">
+            <a:schemeClr val="accent1"/>
+          </a:fillRef>
+          <a:effectRef idx="0">
+            <a:schemeClr val="accent1"/>
+          </a:effectRef>
+          <a:fontRef idx="minor">
+            <a:schemeClr val="lt1"/>
+          </a:fontRef>
+        </p:style>
+        <p:txBody>
+          <a:bodyPr rtlCol="0" anchor="ctr"/>
+          <a:lstStyle/>
+          <a:p>
+            <a:pPr algn="ctr"/>
+            <a:endParaRPr lang="en-US"/>
+          </a:p>
+        </p:txBody>
+      </p:sp>
+      <p:sp>
+        <p:nvSpPr>
+          <p:cNvPr id="27" name="Oval 26">
+            <a:extLst>
+              <a:ext uri="{FF2B5EF4-FFF2-40B4-BE49-F238E27FC236}">
+                <a16:creationId xmlns:a16="http://schemas.microsoft.com/office/drawing/2014/main" id="{2E0A7CCC-513B-B77C-8E4E-60B7E789182E}"/>
+              </a:ext>
+            </a:extLst>
+          </p:cNvPr>
+          <p:cNvSpPr/>
+          <p:nvPr/>
+        </p:nvSpPr>
+        <p:spPr>
+          <a:xfrm>
+            <a:off x="1699088" y="3977095"/>
+            <a:ext cx="120852" cy="120852"/>
+          </a:xfrm>
+          <a:prstGeom prst="ellipse">
+            <a:avLst/>
+          </a:prstGeom>
+          <a:solidFill>
+            <a:srgbClr val="FF0000"/>
+          </a:solidFill>
+          <a:ln>
+            <a:noFill/>
+          </a:ln>
+        </p:spPr>
+        <p:style>
+          <a:lnRef idx="2">
+            <a:schemeClr val="accent1">
+              <a:shade val="15000"/>
+            </a:schemeClr>
+          </a:lnRef>
+          <a:fillRef idx="1">
+            <a:schemeClr val="accent1"/>
+          </a:fillRef>
+          <a:effectRef idx="0">
+            <a:schemeClr val="accent1"/>
+          </a:effectRef>
+          <a:fontRef idx="minor">
+            <a:schemeClr val="lt1"/>
+          </a:fontRef>
+        </p:style>
+        <p:txBody>
+          <a:bodyPr rtlCol="0" anchor="ctr"/>
+          <a:lstStyle/>
+          <a:p>
+            <a:pPr algn="ctr"/>
+            <a:endParaRPr lang="en-US"/>
+          </a:p>
+        </p:txBody>
+      </p:sp>
+      <p:sp>
+        <p:nvSpPr>
+          <p:cNvPr id="28" name="Oval 27">
+            <a:extLst>
+              <a:ext uri="{FF2B5EF4-FFF2-40B4-BE49-F238E27FC236}">
+                <a16:creationId xmlns:a16="http://schemas.microsoft.com/office/drawing/2014/main" id="{73CC8E21-FC3C-BF55-C1A2-66923A5DA007}"/>
+              </a:ext>
+            </a:extLst>
+          </p:cNvPr>
+          <p:cNvSpPr/>
+          <p:nvPr/>
+        </p:nvSpPr>
+        <p:spPr>
+          <a:xfrm>
+            <a:off x="1699088" y="4221569"/>
+            <a:ext cx="120852" cy="120852"/>
+          </a:xfrm>
+          <a:prstGeom prst="ellipse">
+            <a:avLst/>
+          </a:prstGeom>
+          <a:solidFill>
+            <a:srgbClr val="FF0000"/>
+          </a:solidFill>
+          <a:ln>
+            <a:noFill/>
+          </a:ln>
+        </p:spPr>
+        <p:style>
+          <a:lnRef idx="2">
+            <a:schemeClr val="accent1">
+              <a:shade val="15000"/>
+            </a:schemeClr>
+          </a:lnRef>
+          <a:fillRef idx="1">
+            <a:schemeClr val="accent1"/>
+          </a:fillRef>
+          <a:effectRef idx="0">
+            <a:schemeClr val="accent1"/>
+          </a:effectRef>
+          <a:fontRef idx="minor">
+            <a:schemeClr val="lt1"/>
+          </a:fontRef>
+        </p:style>
+        <p:txBody>
+          <a:bodyPr rtlCol="0" anchor="ctr"/>
+          <a:lstStyle/>
+          <a:p>
+            <a:pPr algn="ctr"/>
+            <a:endParaRPr lang="en-US"/>
+          </a:p>
+        </p:txBody>
+      </p:sp>
+      <p:sp>
+        <p:nvSpPr>
+          <p:cNvPr id="29" name="Oval 28">
+            <a:extLst>
+              <a:ext uri="{FF2B5EF4-FFF2-40B4-BE49-F238E27FC236}">
+                <a16:creationId xmlns:a16="http://schemas.microsoft.com/office/drawing/2014/main" id="{C3A7E0A2-7152-D543-E657-D4675A2F4332}"/>
+              </a:ext>
+            </a:extLst>
+          </p:cNvPr>
+          <p:cNvSpPr/>
+          <p:nvPr/>
+        </p:nvSpPr>
+        <p:spPr>
+          <a:xfrm>
+            <a:off x="1699088" y="2514342"/>
+            <a:ext cx="120852" cy="120852"/>
+          </a:xfrm>
+          <a:prstGeom prst="ellipse">
+            <a:avLst/>
+          </a:prstGeom>
+          <a:solidFill>
+            <a:srgbClr val="FF0000"/>
+          </a:solidFill>
+          <a:ln>
+            <a:noFill/>
+          </a:ln>
+        </p:spPr>
+        <p:style>
+          <a:lnRef idx="2">
+            <a:schemeClr val="accent1">
+              <a:shade val="15000"/>
+            </a:schemeClr>
+          </a:lnRef>
+          <a:fillRef idx="1">
+            <a:schemeClr val="accent1"/>
+          </a:fillRef>
+          <a:effectRef idx="0">
+            <a:schemeClr val="accent1"/>
+          </a:effectRef>
+          <a:fontRef idx="minor">
+            <a:schemeClr val="lt1"/>
+          </a:fontRef>
+        </p:style>
+        <p:txBody>
+          <a:bodyPr rtlCol="0" anchor="ctr"/>
+          <a:lstStyle/>
+          <a:p>
+            <a:pPr algn="ctr"/>
+            <a:endParaRPr lang="en-US"/>
+          </a:p>
+        </p:txBody>
+      </p:sp>
+      <p:sp>
+        <p:nvSpPr>
+          <p:cNvPr id="30" name="Oval 29">
+            <a:extLst>
+              <a:ext uri="{FF2B5EF4-FFF2-40B4-BE49-F238E27FC236}">
+                <a16:creationId xmlns:a16="http://schemas.microsoft.com/office/drawing/2014/main" id="{56F9E4E4-0221-83BF-B887-EA328DA8AFD9}"/>
+              </a:ext>
+            </a:extLst>
+          </p:cNvPr>
+          <p:cNvSpPr/>
+          <p:nvPr/>
+        </p:nvSpPr>
+        <p:spPr>
+          <a:xfrm>
+            <a:off x="1699088" y="2744453"/>
+            <a:ext cx="120852" cy="120852"/>
+          </a:xfrm>
+          <a:prstGeom prst="ellipse">
+            <a:avLst/>
+          </a:prstGeom>
+          <a:solidFill>
+            <a:srgbClr val="FF0000"/>
+          </a:solidFill>
+          <a:ln>
+            <a:noFill/>
+          </a:ln>
+        </p:spPr>
+        <p:style>
+          <a:lnRef idx="2">
+            <a:schemeClr val="accent1">
+              <a:shade val="15000"/>
+            </a:schemeClr>
+          </a:lnRef>
+          <a:fillRef idx="1">
+            <a:schemeClr val="accent1"/>
+          </a:fillRef>
+          <a:effectRef idx="0">
+            <a:schemeClr val="accent1"/>
+          </a:effectRef>
+          <a:fontRef idx="minor">
+            <a:schemeClr val="lt1"/>
+          </a:fontRef>
+        </p:style>
+        <p:txBody>
+          <a:bodyPr rtlCol="0" anchor="ctr"/>
+          <a:lstStyle/>
+          <a:p>
+            <a:pPr algn="ctr"/>
+            <a:endParaRPr lang="en-US"/>
+          </a:p>
+        </p:txBody>
+      </p:sp>
+      <p:sp>
+        <p:nvSpPr>
+          <p:cNvPr id="31" name="Oval 30">
+            <a:extLst>
+              <a:ext uri="{FF2B5EF4-FFF2-40B4-BE49-F238E27FC236}">
+                <a16:creationId xmlns:a16="http://schemas.microsoft.com/office/drawing/2014/main" id="{06B75B61-B5D4-4987-FB7C-FFDECCB7E874}"/>
+              </a:ext>
+            </a:extLst>
+          </p:cNvPr>
+          <p:cNvSpPr/>
+          <p:nvPr/>
+        </p:nvSpPr>
+        <p:spPr>
+          <a:xfrm>
+            <a:off x="1699711" y="2988374"/>
+            <a:ext cx="120852" cy="120852"/>
+          </a:xfrm>
+          <a:prstGeom prst="ellipse">
+            <a:avLst/>
+          </a:prstGeom>
+          <a:solidFill>
+            <a:srgbClr val="FF0000"/>
+          </a:solidFill>
+          <a:ln>
+            <a:noFill/>
+          </a:ln>
+        </p:spPr>
+        <p:style>
+          <a:lnRef idx="2">
+            <a:schemeClr val="accent1">
+              <a:shade val="15000"/>
+            </a:schemeClr>
+          </a:lnRef>
+          <a:fillRef idx="1">
+            <a:schemeClr val="accent1"/>
+          </a:fillRef>
+          <a:effectRef idx="0">
+            <a:schemeClr val="accent1"/>
+          </a:effectRef>
+          <a:fontRef idx="minor">
+            <a:schemeClr val="lt1"/>
+          </a:fontRef>
+        </p:style>
+        <p:txBody>
+          <a:bodyPr rtlCol="0" anchor="ctr"/>
+          <a:lstStyle/>
+          <a:p>
+            <a:pPr algn="ctr"/>
+            <a:endParaRPr lang="en-US"/>
+          </a:p>
+        </p:txBody>
+      </p:sp>
+      <p:sp>
+        <p:nvSpPr>
+          <p:cNvPr id="32" name="TextBox 31">
+            <a:extLst>
+              <a:ext uri="{FF2B5EF4-FFF2-40B4-BE49-F238E27FC236}">
+                <a16:creationId xmlns:a16="http://schemas.microsoft.com/office/drawing/2014/main" id="{6407CCD2-B537-D7F8-3500-66FFC7029B06}"/>
+              </a:ext>
+            </a:extLst>
+          </p:cNvPr>
+          <p:cNvSpPr txBox="1"/>
+          <p:nvPr/>
+        </p:nvSpPr>
+        <p:spPr>
+          <a:xfrm>
+            <a:off x="1445967" y="4137759"/>
+            <a:ext cx="328494" cy="307777"/>
+          </a:xfrm>
+          <a:prstGeom prst="rect">
+            <a:avLst/>
+          </a:prstGeom>
+          <a:noFill/>
+        </p:spPr>
+        <p:txBody>
+          <a:bodyPr wrap="square" rtlCol="0">
+            <a:spAutoFit/>
+          </a:bodyPr>
+          <a:lstStyle/>
+          <a:p>
+            <a:r>
+              <a:rPr lang="en-US" sz="1400" dirty="0"/>
+              <a:t>1</a:t>
+            </a:r>
+          </a:p>
+        </p:txBody>
+      </p:sp>
+      <p:sp>
+        <p:nvSpPr>
+          <p:cNvPr id="33" name="TextBox 32">
+            <a:extLst>
+              <a:ext uri="{FF2B5EF4-FFF2-40B4-BE49-F238E27FC236}">
+                <a16:creationId xmlns:a16="http://schemas.microsoft.com/office/drawing/2014/main" id="{D0316373-76AD-5F25-9D8D-9F38DBFC8A70}"/>
+              </a:ext>
+            </a:extLst>
+          </p:cNvPr>
+          <p:cNvSpPr txBox="1"/>
+          <p:nvPr/>
+        </p:nvSpPr>
+        <p:spPr>
+          <a:xfrm>
+            <a:off x="1444409" y="3843992"/>
+            <a:ext cx="328494" cy="307777"/>
+          </a:xfrm>
+          <a:prstGeom prst="rect">
+            <a:avLst/>
+          </a:prstGeom>
+          <a:noFill/>
+        </p:spPr>
+        <p:txBody>
+          <a:bodyPr wrap="square" rtlCol="0">
+            <a:spAutoFit/>
+          </a:bodyPr>
+          <a:lstStyle/>
+          <a:p>
+            <a:r>
+              <a:rPr lang="en-US" sz="1400" dirty="0"/>
+              <a:t>2</a:t>
+            </a:r>
+          </a:p>
+        </p:txBody>
+      </p:sp>
+      <p:sp>
+        <p:nvSpPr>
+          <p:cNvPr id="34" name="TextBox 33">
+            <a:extLst>
+              <a:ext uri="{FF2B5EF4-FFF2-40B4-BE49-F238E27FC236}">
+                <a16:creationId xmlns:a16="http://schemas.microsoft.com/office/drawing/2014/main" id="{E5DD8FAB-F888-6060-D426-04455AB29BEB}"/>
+              </a:ext>
+            </a:extLst>
+          </p:cNvPr>
+          <p:cNvSpPr txBox="1"/>
+          <p:nvPr/>
+        </p:nvSpPr>
+        <p:spPr>
+          <a:xfrm>
+            <a:off x="1445875" y="3628293"/>
+            <a:ext cx="328494" cy="307777"/>
+          </a:xfrm>
+          <a:prstGeom prst="rect">
+            <a:avLst/>
+          </a:prstGeom>
+          <a:noFill/>
+        </p:spPr>
+        <p:txBody>
+          <a:bodyPr wrap="square" rtlCol="0">
+            <a:spAutoFit/>
+          </a:bodyPr>
+          <a:lstStyle/>
+          <a:p>
+            <a:r>
+              <a:rPr lang="en-US" sz="1400" dirty="0"/>
+              <a:t>3</a:t>
+            </a:r>
+          </a:p>
+        </p:txBody>
+      </p:sp>
+      <p:sp>
+        <p:nvSpPr>
+          <p:cNvPr id="35" name="TextBox 34">
+            <a:extLst>
+              <a:ext uri="{FF2B5EF4-FFF2-40B4-BE49-F238E27FC236}">
+                <a16:creationId xmlns:a16="http://schemas.microsoft.com/office/drawing/2014/main" id="{F6720012-B960-0578-9D59-C0C186A6C212}"/>
+              </a:ext>
+            </a:extLst>
+          </p:cNvPr>
+          <p:cNvSpPr txBox="1"/>
+          <p:nvPr/>
+        </p:nvSpPr>
+        <p:spPr>
+          <a:xfrm>
+            <a:off x="1444631" y="3382546"/>
+            <a:ext cx="328494" cy="307777"/>
+          </a:xfrm>
+          <a:prstGeom prst="rect">
+            <a:avLst/>
+          </a:prstGeom>
+          <a:noFill/>
+        </p:spPr>
+        <p:txBody>
+          <a:bodyPr wrap="square" rtlCol="0">
+            <a:spAutoFit/>
+          </a:bodyPr>
+          <a:lstStyle/>
+          <a:p>
+            <a:r>
+              <a:rPr lang="en-US" sz="1400" dirty="0"/>
+              <a:t>4</a:t>
+            </a:r>
+          </a:p>
+        </p:txBody>
+      </p:sp>
+      <p:sp>
+        <p:nvSpPr>
+          <p:cNvPr id="36" name="TextBox 35">
+            <a:extLst>
+              <a:ext uri="{FF2B5EF4-FFF2-40B4-BE49-F238E27FC236}">
+                <a16:creationId xmlns:a16="http://schemas.microsoft.com/office/drawing/2014/main" id="{29AC1FD6-D684-12E1-3A0B-EEE0B00D732E}"/>
+              </a:ext>
+            </a:extLst>
+          </p:cNvPr>
+          <p:cNvSpPr txBox="1"/>
+          <p:nvPr/>
+        </p:nvSpPr>
+        <p:spPr>
+          <a:xfrm>
+            <a:off x="1444409" y="3127744"/>
+            <a:ext cx="328494" cy="307777"/>
+          </a:xfrm>
+          <a:prstGeom prst="rect">
+            <a:avLst/>
+          </a:prstGeom>
+          <a:noFill/>
+        </p:spPr>
+        <p:txBody>
+          <a:bodyPr wrap="square" rtlCol="0">
+            <a:spAutoFit/>
+          </a:bodyPr>
+          <a:lstStyle/>
+          <a:p>
+            <a:r>
+              <a:rPr lang="en-US" sz="1400" dirty="0"/>
+              <a:t>5</a:t>
+            </a:r>
+          </a:p>
+        </p:txBody>
+      </p:sp>
+      <p:sp>
+        <p:nvSpPr>
+          <p:cNvPr id="37" name="TextBox 36">
+            <a:extLst>
+              <a:ext uri="{FF2B5EF4-FFF2-40B4-BE49-F238E27FC236}">
+                <a16:creationId xmlns:a16="http://schemas.microsoft.com/office/drawing/2014/main" id="{E8C37686-955B-50FE-8194-32D02CED57B8}"/>
+              </a:ext>
+            </a:extLst>
+          </p:cNvPr>
+          <p:cNvSpPr txBox="1"/>
+          <p:nvPr/>
+        </p:nvSpPr>
+        <p:spPr>
+          <a:xfrm>
+            <a:off x="1444631" y="2899583"/>
+            <a:ext cx="328494" cy="307777"/>
+          </a:xfrm>
+          <a:prstGeom prst="rect">
+            <a:avLst/>
+          </a:prstGeom>
+          <a:noFill/>
+        </p:spPr>
+        <p:txBody>
+          <a:bodyPr wrap="square" rtlCol="0">
+            <a:spAutoFit/>
+          </a:bodyPr>
+          <a:lstStyle/>
+          <a:p>
+            <a:r>
+              <a:rPr lang="en-US" sz="1400" dirty="0"/>
+              <a:t>6</a:t>
+            </a:r>
+          </a:p>
+        </p:txBody>
+      </p:sp>
+      <p:sp>
+        <p:nvSpPr>
+          <p:cNvPr id="38" name="TextBox 37">
+            <a:extLst>
+              <a:ext uri="{FF2B5EF4-FFF2-40B4-BE49-F238E27FC236}">
+                <a16:creationId xmlns:a16="http://schemas.microsoft.com/office/drawing/2014/main" id="{43172D75-ED0B-7145-F9B1-90835D0FF791}"/>
+              </a:ext>
+            </a:extLst>
+          </p:cNvPr>
+          <p:cNvSpPr txBox="1"/>
+          <p:nvPr/>
+        </p:nvSpPr>
+        <p:spPr>
+          <a:xfrm>
+            <a:off x="1434120" y="2652102"/>
+            <a:ext cx="328494" cy="307777"/>
+          </a:xfrm>
+          <a:prstGeom prst="rect">
+            <a:avLst/>
+          </a:prstGeom>
+          <a:noFill/>
+        </p:spPr>
+        <p:txBody>
+          <a:bodyPr wrap="square" rtlCol="0">
+            <a:spAutoFit/>
+          </a:bodyPr>
+          <a:lstStyle/>
+          <a:p>
+            <a:r>
+              <a:rPr lang="en-US" sz="1400" dirty="0"/>
+              <a:t>7</a:t>
+            </a:r>
+          </a:p>
+        </p:txBody>
+      </p:sp>
+      <p:sp>
+        <p:nvSpPr>
+          <p:cNvPr id="39" name="TextBox 38">
+            <a:extLst>
+              <a:ext uri="{FF2B5EF4-FFF2-40B4-BE49-F238E27FC236}">
+                <a16:creationId xmlns:a16="http://schemas.microsoft.com/office/drawing/2014/main" id="{C93D86B0-883D-D156-BD2A-125415278FB3}"/>
+              </a:ext>
+            </a:extLst>
+          </p:cNvPr>
+          <p:cNvSpPr txBox="1"/>
+          <p:nvPr/>
+        </p:nvSpPr>
+        <p:spPr>
+          <a:xfrm>
+            <a:off x="1444631" y="2420713"/>
+            <a:ext cx="328494" cy="307777"/>
+          </a:xfrm>
+          <a:prstGeom prst="rect">
+            <a:avLst/>
+          </a:prstGeom>
+          <a:noFill/>
+        </p:spPr>
+        <p:txBody>
+          <a:bodyPr wrap="square" rtlCol="0">
+            <a:spAutoFit/>
+          </a:bodyPr>
+          <a:lstStyle/>
+          <a:p>
+            <a:r>
+              <a:rPr lang="en-US" sz="1400" dirty="0"/>
+              <a:t>8</a:t>
+            </a:r>
+          </a:p>
+        </p:txBody>
+      </p:sp>
+      <p:sp>
+        <p:nvSpPr>
+          <p:cNvPr id="40" name="TextBox 39">
+            <a:extLst>
+              <a:ext uri="{FF2B5EF4-FFF2-40B4-BE49-F238E27FC236}">
+                <a16:creationId xmlns:a16="http://schemas.microsoft.com/office/drawing/2014/main" id="{B3BEF658-65E2-6E64-7F42-07F961F5E675}"/>
+              </a:ext>
+            </a:extLst>
+          </p:cNvPr>
+          <p:cNvSpPr txBox="1"/>
+          <p:nvPr/>
+        </p:nvSpPr>
+        <p:spPr>
+          <a:xfrm>
+            <a:off x="1383765" y="1866067"/>
+            <a:ext cx="423492" cy="307777"/>
+          </a:xfrm>
+          <a:prstGeom prst="rect">
+            <a:avLst/>
+          </a:prstGeom>
+          <a:noFill/>
+        </p:spPr>
+        <p:txBody>
+          <a:bodyPr wrap="square" rtlCol="0">
+            <a:spAutoFit/>
+          </a:bodyPr>
+          <a:lstStyle/>
+          <a:p>
+            <a:r>
+              <a:rPr lang="en-US" sz="1400" dirty="0"/>
+              <a:t>10</a:t>
+            </a:r>
+          </a:p>
+        </p:txBody>
+      </p:sp>
+      <p:sp>
+        <p:nvSpPr>
+          <p:cNvPr id="41" name="TextBox 40">
+            <a:extLst>
+              <a:ext uri="{FF2B5EF4-FFF2-40B4-BE49-F238E27FC236}">
+                <a16:creationId xmlns:a16="http://schemas.microsoft.com/office/drawing/2014/main" id="{8A392862-5813-F36C-1016-A82F6976115F}"/>
+              </a:ext>
+            </a:extLst>
+          </p:cNvPr>
+          <p:cNvSpPr txBox="1"/>
+          <p:nvPr/>
+        </p:nvSpPr>
+        <p:spPr>
+          <a:xfrm>
+            <a:off x="1035737" y="1746400"/>
+            <a:ext cx="638132" cy="307777"/>
+          </a:xfrm>
+          <a:prstGeom prst="rect">
+            <a:avLst/>
+          </a:prstGeom>
+          <a:noFill/>
+        </p:spPr>
+        <p:txBody>
+          <a:bodyPr wrap="square" rtlCol="0">
+            <a:spAutoFit/>
+          </a:bodyPr>
+          <a:lstStyle/>
+          <a:p>
+            <a:r>
+              <a:rPr lang="en-US" sz="1400" dirty="0"/>
+              <a:t>Node</a:t>
+            </a:r>
+          </a:p>
+        </p:txBody>
+      </p:sp>
+      <p:sp>
+        <p:nvSpPr>
+          <p:cNvPr id="42" name="Oval 41">
+            <a:extLst>
+              <a:ext uri="{FF2B5EF4-FFF2-40B4-BE49-F238E27FC236}">
+                <a16:creationId xmlns:a16="http://schemas.microsoft.com/office/drawing/2014/main" id="{645DC75B-4FD1-2324-C7B6-C98F3449F6E0}"/>
+              </a:ext>
+            </a:extLst>
+          </p:cNvPr>
+          <p:cNvSpPr/>
+          <p:nvPr/>
+        </p:nvSpPr>
+        <p:spPr>
+          <a:xfrm>
+            <a:off x="1695728" y="2273432"/>
+            <a:ext cx="120852" cy="120852"/>
+          </a:xfrm>
+          <a:prstGeom prst="ellipse">
+            <a:avLst/>
+          </a:prstGeom>
+          <a:solidFill>
+            <a:srgbClr val="FF0000"/>
+          </a:solidFill>
+          <a:ln>
+            <a:noFill/>
+          </a:ln>
+        </p:spPr>
+        <p:style>
+          <a:lnRef idx="2">
+            <a:schemeClr val="accent1">
+              <a:shade val="15000"/>
+            </a:schemeClr>
+          </a:lnRef>
+          <a:fillRef idx="1">
+            <a:schemeClr val="accent1"/>
+          </a:fillRef>
+          <a:effectRef idx="0">
+            <a:schemeClr val="accent1"/>
+          </a:effectRef>
+          <a:fontRef idx="minor">
+            <a:schemeClr val="lt1"/>
+          </a:fontRef>
+        </p:style>
+        <p:txBody>
+          <a:bodyPr rtlCol="0" anchor="ctr"/>
+          <a:lstStyle/>
+          <a:p>
+            <a:pPr algn="ctr"/>
+            <a:endParaRPr lang="en-US"/>
+          </a:p>
+        </p:txBody>
+      </p:sp>
+      <p:sp>
+        <p:nvSpPr>
+          <p:cNvPr id="43" name="TextBox 42">
+            <a:extLst>
+              <a:ext uri="{FF2B5EF4-FFF2-40B4-BE49-F238E27FC236}">
+                <a16:creationId xmlns:a16="http://schemas.microsoft.com/office/drawing/2014/main" id="{F772557C-B822-8776-44D9-B5F81F543F24}"/>
+              </a:ext>
+            </a:extLst>
+          </p:cNvPr>
+          <p:cNvSpPr txBox="1"/>
+          <p:nvPr/>
+        </p:nvSpPr>
+        <p:spPr>
+          <a:xfrm>
+            <a:off x="1441271" y="2179803"/>
+            <a:ext cx="328494" cy="307777"/>
+          </a:xfrm>
+          <a:prstGeom prst="rect">
+            <a:avLst/>
+          </a:prstGeom>
+          <a:noFill/>
+        </p:spPr>
+        <p:txBody>
+          <a:bodyPr wrap="square" rtlCol="0">
+            <a:spAutoFit/>
+          </a:bodyPr>
+          <a:lstStyle/>
+          <a:p>
+            <a:r>
+              <a:rPr lang="en-US" sz="1400" dirty="0"/>
+              <a:t>9</a:t>
+            </a:r>
+          </a:p>
+        </p:txBody>
+      </p:sp>
+      <p:sp>
+        <p:nvSpPr>
+          <p:cNvPr id="44" name="Oval 43">
+            <a:extLst>
+              <a:ext uri="{FF2B5EF4-FFF2-40B4-BE49-F238E27FC236}">
+                <a16:creationId xmlns:a16="http://schemas.microsoft.com/office/drawing/2014/main" id="{36956777-E59F-54D1-2AC6-0409AC8726D2}"/>
+              </a:ext>
+            </a:extLst>
+          </p:cNvPr>
+          <p:cNvSpPr/>
+          <p:nvPr/>
+        </p:nvSpPr>
+        <p:spPr>
+          <a:xfrm>
+            <a:off x="2299578" y="2000860"/>
+            <a:ext cx="120852" cy="120852"/>
+          </a:xfrm>
+          <a:prstGeom prst="ellipse">
+            <a:avLst/>
+          </a:prstGeom>
+          <a:solidFill>
+            <a:srgbClr val="FF0000"/>
+          </a:solidFill>
+          <a:ln>
+            <a:noFill/>
+          </a:ln>
+        </p:spPr>
+        <p:style>
+          <a:lnRef idx="2">
+            <a:schemeClr val="accent1">
+              <a:shade val="15000"/>
+            </a:schemeClr>
+          </a:lnRef>
+          <a:fillRef idx="1">
+            <a:schemeClr val="accent1"/>
+          </a:fillRef>
+          <a:effectRef idx="0">
+            <a:schemeClr val="accent1"/>
+          </a:effectRef>
+          <a:fontRef idx="minor">
+            <a:schemeClr val="lt1"/>
+          </a:fontRef>
+        </p:style>
+        <p:txBody>
+          <a:bodyPr rtlCol="0" anchor="ctr"/>
+          <a:lstStyle/>
+          <a:p>
+            <a:pPr algn="ctr"/>
+            <a:endParaRPr lang="en-US"/>
+          </a:p>
+        </p:txBody>
+      </p:sp>
     </p:spTree>
     <p:extLst>
       <p:ext uri="{BB962C8B-B14F-4D97-AF65-F5344CB8AC3E}">
-        <p14:creationId xmlns:p14="http://schemas.microsoft.com/office/powerpoint/2010/main" val="2241744479"/>
+        <p14:creationId xmlns:p14="http://schemas.microsoft.com/office/powerpoint/2010/main" val="882077120"/>
       </p:ext>
     </p:extLst>
   </p:cSld>

--- a/Free Vibration test calibration/Vibration test.pptx
+++ b/Free Vibration test calibration/Vibration test.pptx
@@ -201,7 +201,7 @@
           <a:p>
             <a:fld id="{EB033B41-5916-4B0F-ABD7-E44CB5BFDEA7}" type="datetimeFigureOut">
               <a:rPr lang="en-US" smtClean="0"/>
-              <a:t>7/16/2024</a:t>
+              <a:t>7/18/2024</a:t>
             </a:fld>
             <a:endParaRPr lang="en-US"/>
           </a:p>
@@ -699,7 +699,7 @@
           <a:p>
             <a:fld id="{4FC11E3B-EF57-4989-9A3F-CE8491983F07}" type="datetimeFigureOut">
               <a:rPr lang="en-US" smtClean="0"/>
-              <a:t>7/16/2024</a:t>
+              <a:t>7/18/2024</a:t>
             </a:fld>
             <a:endParaRPr lang="en-US"/>
           </a:p>
@@ -897,7 +897,7 @@
           <a:p>
             <a:fld id="{4FC11E3B-EF57-4989-9A3F-CE8491983F07}" type="datetimeFigureOut">
               <a:rPr lang="en-US" smtClean="0"/>
-              <a:t>7/16/2024</a:t>
+              <a:t>7/18/2024</a:t>
             </a:fld>
             <a:endParaRPr lang="en-US"/>
           </a:p>
@@ -1105,7 +1105,7 @@
           <a:p>
             <a:fld id="{4FC11E3B-EF57-4989-9A3F-CE8491983F07}" type="datetimeFigureOut">
               <a:rPr lang="en-US" smtClean="0"/>
-              <a:t>7/16/2024</a:t>
+              <a:t>7/18/2024</a:t>
             </a:fld>
             <a:endParaRPr lang="en-US"/>
           </a:p>
@@ -1303,7 +1303,7 @@
           <a:p>
             <a:fld id="{4FC11E3B-EF57-4989-9A3F-CE8491983F07}" type="datetimeFigureOut">
               <a:rPr lang="en-US" smtClean="0"/>
-              <a:t>7/16/2024</a:t>
+              <a:t>7/18/2024</a:t>
             </a:fld>
             <a:endParaRPr lang="en-US"/>
           </a:p>
@@ -1578,7 +1578,7 @@
           <a:p>
             <a:fld id="{4FC11E3B-EF57-4989-9A3F-CE8491983F07}" type="datetimeFigureOut">
               <a:rPr lang="en-US" smtClean="0"/>
-              <a:t>7/16/2024</a:t>
+              <a:t>7/18/2024</a:t>
             </a:fld>
             <a:endParaRPr lang="en-US"/>
           </a:p>
@@ -1843,7 +1843,7 @@
           <a:p>
             <a:fld id="{4FC11E3B-EF57-4989-9A3F-CE8491983F07}" type="datetimeFigureOut">
               <a:rPr lang="en-US" smtClean="0"/>
-              <a:t>7/16/2024</a:t>
+              <a:t>7/18/2024</a:t>
             </a:fld>
             <a:endParaRPr lang="en-US"/>
           </a:p>
@@ -2255,7 +2255,7 @@
           <a:p>
             <a:fld id="{4FC11E3B-EF57-4989-9A3F-CE8491983F07}" type="datetimeFigureOut">
               <a:rPr lang="en-US" smtClean="0"/>
-              <a:t>7/16/2024</a:t>
+              <a:t>7/18/2024</a:t>
             </a:fld>
             <a:endParaRPr lang="en-US"/>
           </a:p>
@@ -2396,7 +2396,7 @@
           <a:p>
             <a:fld id="{4FC11E3B-EF57-4989-9A3F-CE8491983F07}" type="datetimeFigureOut">
               <a:rPr lang="en-US" smtClean="0"/>
-              <a:t>7/16/2024</a:t>
+              <a:t>7/18/2024</a:t>
             </a:fld>
             <a:endParaRPr lang="en-US"/>
           </a:p>
@@ -2509,7 +2509,7 @@
           <a:p>
             <a:fld id="{4FC11E3B-EF57-4989-9A3F-CE8491983F07}" type="datetimeFigureOut">
               <a:rPr lang="en-US" smtClean="0"/>
-              <a:t>7/16/2024</a:t>
+              <a:t>7/18/2024</a:t>
             </a:fld>
             <a:endParaRPr lang="en-US"/>
           </a:p>
@@ -2820,7 +2820,7 @@
           <a:p>
             <a:fld id="{4FC11E3B-EF57-4989-9A3F-CE8491983F07}" type="datetimeFigureOut">
               <a:rPr lang="en-US" smtClean="0"/>
-              <a:t>7/16/2024</a:t>
+              <a:t>7/18/2024</a:t>
             </a:fld>
             <a:endParaRPr lang="en-US"/>
           </a:p>
@@ -3108,7 +3108,7 @@
           <a:p>
             <a:fld id="{4FC11E3B-EF57-4989-9A3F-CE8491983F07}" type="datetimeFigureOut">
               <a:rPr lang="en-US" smtClean="0"/>
-              <a:t>7/16/2024</a:t>
+              <a:t>7/18/2024</a:t>
             </a:fld>
             <a:endParaRPr lang="en-US"/>
           </a:p>
@@ -3349,7 +3349,7 @@
           <a:p>
             <a:fld id="{4FC11E3B-EF57-4989-9A3F-CE8491983F07}" type="datetimeFigureOut">
               <a:rPr lang="en-US" smtClean="0"/>
-              <a:t>7/16/2024</a:t>
+              <a:t>7/18/2024</a:t>
             </a:fld>
             <a:endParaRPr lang="en-US"/>
           </a:p>
@@ -8239,36 +8239,6 @@
           </a:p>
         </p:txBody>
       </p:sp>
-      <p:pic>
-        <p:nvPicPr>
-          <p:cNvPr id="4" name="Picture 3">
-            <a:extLst>
-              <a:ext uri="{FF2B5EF4-FFF2-40B4-BE49-F238E27FC236}">
-                <a16:creationId xmlns:a16="http://schemas.microsoft.com/office/drawing/2014/main" id="{D7003009-9DD8-BCCC-8C05-DF9ABC2FD49E}"/>
-              </a:ext>
-            </a:extLst>
-          </p:cNvPr>
-          <p:cNvPicPr>
-            <a:picLocks noChangeAspect="1"/>
-          </p:cNvPicPr>
-          <p:nvPr/>
-        </p:nvPicPr>
-        <p:blipFill>
-          <a:blip r:embed="rId2"/>
-          <a:stretch>
-            <a:fillRect/>
-          </a:stretch>
-        </p:blipFill>
-        <p:spPr>
-          <a:xfrm>
-            <a:off x="3324808" y="728787"/>
-            <a:ext cx="8400661" cy="5400425"/>
-          </a:xfrm>
-          <a:prstGeom prst="rect">
-            <a:avLst/>
-          </a:prstGeom>
-        </p:spPr>
-      </p:pic>
       <p:cxnSp>
         <p:nvCxnSpPr>
           <p:cNvPr id="5" name="Straight Connector 4">
@@ -9928,6 +9898,53 @@
           </a:p>
         </p:txBody>
       </p:sp>
+      <p:pic>
+        <p:nvPicPr>
+          <p:cNvPr id="1025" name="Picture 1">
+            <a:extLst>
+              <a:ext uri="{FF2B5EF4-FFF2-40B4-BE49-F238E27FC236}">
+                <a16:creationId xmlns:a16="http://schemas.microsoft.com/office/drawing/2014/main" id="{B3BB7474-426F-CAD8-163C-642FF58D3333}"/>
+              </a:ext>
+            </a:extLst>
+          </p:cNvPr>
+          <p:cNvPicPr>
+            <a:picLocks noChangeAspect="1" noChangeArrowheads="1"/>
+          </p:cNvPicPr>
+          <p:nvPr/>
+        </p:nvPicPr>
+        <p:blipFill>
+          <a:blip r:embed="rId2">
+            <a:extLst>
+              <a:ext uri="{28A0092B-C50C-407E-A947-70E740481C1C}">
+                <a14:useLocalDpi xmlns:a14="http://schemas.microsoft.com/office/drawing/2010/main" val="0"/>
+              </a:ext>
+            </a:extLst>
+          </a:blip>
+          <a:srcRect/>
+          <a:stretch>
+            <a:fillRect/>
+          </a:stretch>
+        </p:blipFill>
+        <p:spPr bwMode="auto">
+          <a:xfrm>
+            <a:off x="3458585" y="1044166"/>
+            <a:ext cx="8353264" cy="4676759"/>
+          </a:xfrm>
+          <a:prstGeom prst="rect">
+            <a:avLst/>
+          </a:prstGeom>
+          <a:noFill/>
+          <a:extLst>
+            <a:ext uri="{909E8E84-426E-40DD-AFC4-6F175D3DCCD1}">
+              <a14:hiddenFill xmlns:a14="http://schemas.microsoft.com/office/drawing/2010/main">
+                <a:solidFill>
+                  <a:srgbClr val="FFFFFF"/>
+                </a:solidFill>
+              </a14:hiddenFill>
+            </a:ext>
+          </a:extLst>
+        </p:spPr>
+      </p:pic>
     </p:spTree>
     <p:extLst>
       <p:ext uri="{BB962C8B-B14F-4D97-AF65-F5344CB8AC3E}">
